--- a/CBP專案/發票工作主檔&發票工作明細檔API.pptx
+++ b/CBP專案/發票工作主檔&發票工作明細檔API.pptx
@@ -4913,7 +4913,64 @@
                 <a:latin typeface="Consolas" panose="020B0609020204030204" pitchFamily="49" charset="0"/>
                 <a:cs typeface="Consolas" panose="020B0609020204030204" pitchFamily="49" charset="0"/>
               </a:rPr>
-              <a:t>5582012.72</a:t>
+              <a:t>5582012.72,</a:t>
+            </a:r>
+          </a:p>
+          <a:p>
+            <a:r>
+              <a:rPr lang="en" altLang="zh-TW" sz="850" dirty="0">
+                <a:solidFill>
+                  <a:srgbClr val="D7BA7D"/>
+                </a:solidFill>
+                <a:effectLst/>
+                <a:latin typeface="Consolas" panose="020B0609020204030204" pitchFamily="49" charset="0"/>
+                <a:cs typeface="Consolas" panose="020B0609020204030204" pitchFamily="49" charset="0"/>
+              </a:rPr>
+              <a:t>    "</a:t>
+            </a:r>
+            <a:r>
+              <a:rPr lang="en" altLang="zh-TW" sz="850" dirty="0" err="1">
+                <a:solidFill>
+                  <a:srgbClr val="D7BA7D"/>
+                </a:solidFill>
+                <a:effectLst/>
+                <a:latin typeface="Consolas" panose="020B0609020204030204" pitchFamily="49" charset="0"/>
+                <a:cs typeface="Consolas" panose="020B0609020204030204" pitchFamily="49" charset="0"/>
+              </a:rPr>
+              <a:t>CreateDate</a:t>
+            </a:r>
+            <a:r>
+              <a:rPr lang="en" altLang="zh-TW" sz="850" dirty="0">
+                <a:solidFill>
+                  <a:srgbClr val="D7BA7D"/>
+                </a:solidFill>
+                <a:effectLst/>
+                <a:latin typeface="Consolas" panose="020B0609020204030204" pitchFamily="49" charset="0"/>
+                <a:cs typeface="Consolas" panose="020B0609020204030204" pitchFamily="49" charset="0"/>
+              </a:rPr>
+              <a:t>"</a:t>
+            </a:r>
+            <a:r>
+              <a:rPr lang="en" altLang="zh-TW" sz="850" dirty="0">
+                <a:solidFill>
+                  <a:srgbClr val="D4D4D4"/>
+                </a:solidFill>
+                <a:effectLst/>
+                <a:latin typeface="Consolas" panose="020B0609020204030204" pitchFamily="49" charset="0"/>
+                <a:cs typeface="Consolas" panose="020B0609020204030204" pitchFamily="49" charset="0"/>
+              </a:rPr>
+              <a:t>: </a:t>
+            </a:r>
+            <a:r>
+              <a:rPr lang="en" altLang="zh-TW" sz="850" dirty="0">
+                <a:solidFill>
+                  <a:srgbClr val="D69D85"/>
+                </a:solidFill>
+                <a:effectLst/>
+                <a:latin typeface="Consolas" panose="020B0609020204030204" pitchFamily="49" charset="0"/>
+                <a:cs typeface="Consolas" panose="020B0609020204030204" pitchFamily="49" charset="0"/>
+              </a:rPr>
+              <a:t>”YYYY-MM-DD HH:MM:SS"</a:t>
             </a:r>
             <a:br>
               <a:rPr lang="en" altLang="zh-TW" sz="850" dirty="0">
@@ -6426,7 +6483,7 @@
         <p:spPr>
           <a:xfrm>
             <a:off x="8510862" y="1000885"/>
-            <a:ext cx="3537866" cy="5455340"/>
+            <a:ext cx="3537866" cy="5586145"/>
           </a:xfrm>
           <a:prstGeom prst="rect">
             <a:avLst/>
@@ -7469,7 +7526,64 @@
                 <a:latin typeface="Consolas" panose="020B0609020204030204" pitchFamily="49" charset="0"/>
                 <a:cs typeface="Consolas" panose="020B0609020204030204" pitchFamily="49" charset="0"/>
               </a:rPr>
-              <a:t>5582012.72</a:t>
+              <a:t>5582012.72,</a:t>
+            </a:r>
+          </a:p>
+          <a:p>
+            <a:r>
+              <a:rPr lang="en" altLang="zh-TW" sz="850">
+                <a:solidFill>
+                  <a:srgbClr val="D7BA7D"/>
+                </a:solidFill>
+                <a:effectLst/>
+                <a:latin typeface="Consolas" panose="020B0609020204030204" pitchFamily="49" charset="0"/>
+                <a:cs typeface="Consolas" panose="020B0609020204030204" pitchFamily="49" charset="0"/>
+              </a:rPr>
+              <a:t>    "</a:t>
+            </a:r>
+            <a:r>
+              <a:rPr lang="en" altLang="zh-TW" sz="850" dirty="0" err="1">
+                <a:solidFill>
+                  <a:srgbClr val="D7BA7D"/>
+                </a:solidFill>
+                <a:effectLst/>
+                <a:latin typeface="Consolas" panose="020B0609020204030204" pitchFamily="49" charset="0"/>
+                <a:cs typeface="Consolas" panose="020B0609020204030204" pitchFamily="49" charset="0"/>
+              </a:rPr>
+              <a:t>CreateDate</a:t>
+            </a:r>
+            <a:r>
+              <a:rPr lang="en" altLang="zh-TW" sz="850" dirty="0">
+                <a:solidFill>
+                  <a:srgbClr val="D7BA7D"/>
+                </a:solidFill>
+                <a:effectLst/>
+                <a:latin typeface="Consolas" panose="020B0609020204030204" pitchFamily="49" charset="0"/>
+                <a:cs typeface="Consolas" panose="020B0609020204030204" pitchFamily="49" charset="0"/>
+              </a:rPr>
+              <a:t>"</a:t>
+            </a:r>
+            <a:r>
+              <a:rPr lang="en" altLang="zh-TW" sz="850" dirty="0">
+                <a:solidFill>
+                  <a:srgbClr val="D4D4D4"/>
+                </a:solidFill>
+                <a:effectLst/>
+                <a:latin typeface="Consolas" panose="020B0609020204030204" pitchFamily="49" charset="0"/>
+                <a:cs typeface="Consolas" panose="020B0609020204030204" pitchFamily="49" charset="0"/>
+              </a:rPr>
+              <a:t>: </a:t>
+            </a:r>
+            <a:r>
+              <a:rPr lang="en" altLang="zh-TW" sz="850" dirty="0">
+                <a:solidFill>
+                  <a:srgbClr val="D69D85"/>
+                </a:solidFill>
+                <a:effectLst/>
+                <a:latin typeface="Consolas" panose="020B0609020204030204" pitchFamily="49" charset="0"/>
+                <a:cs typeface="Consolas" panose="020B0609020204030204" pitchFamily="49" charset="0"/>
+              </a:rPr>
+              <a:t>”YYYY-MM-DD HH:MM:SS"</a:t>
             </a:r>
             <a:br>
               <a:rPr lang="en" altLang="zh-TW" sz="850" dirty="0">
@@ -8557,12 +8671,12 @@
         </p:nvCxnSpPr>
         <p:spPr>
           <a:xfrm rot="5400000" flipH="1" flipV="1">
-            <a:off x="5602897" y="2193028"/>
-            <a:ext cx="1372438" cy="4443491"/>
+            <a:off x="5635598" y="2225730"/>
+            <a:ext cx="1307035" cy="4443491"/>
           </a:xfrm>
           <a:prstGeom prst="bentConnector4">
             <a:avLst>
-              <a:gd name="adj1" fmla="val -16656"/>
+              <a:gd name="adj1" fmla="val -17490"/>
               <a:gd name="adj2" fmla="val 52289"/>
             </a:avLst>
           </a:prstGeom>
@@ -10170,203 +10284,6 @@
           </a:p>
         </p:txBody>
       </p:sp>
-      <p:sp>
-        <p:nvSpPr>
-          <p:cNvPr id="15" name="文字方塊 14">
-            <a:extLst>
-              <a:ext uri="{FF2B5EF4-FFF2-40B4-BE49-F238E27FC236}">
-                <a16:creationId xmlns:a16="http://schemas.microsoft.com/office/drawing/2014/main" id="{E9ABCB64-19FC-46F1-9EBB-8172877C4732}"/>
-              </a:ext>
-            </a:extLst>
-          </p:cNvPr>
-          <p:cNvSpPr txBox="1"/>
-          <p:nvPr/>
-        </p:nvSpPr>
-        <p:spPr>
-          <a:xfrm>
-            <a:off x="5980387" y="1566441"/>
-            <a:ext cx="3053454" cy="2862322"/>
-          </a:xfrm>
-          <a:prstGeom prst="rect">
-            <a:avLst/>
-          </a:prstGeom>
-          <a:noFill/>
-        </p:spPr>
-        <p:txBody>
-          <a:bodyPr wrap="square">
-            <a:spAutoFit/>
-          </a:bodyPr>
-          <a:lstStyle/>
-          <a:p>
-            <a:r>
-              <a:rPr lang="zh-TW" altLang="en-US" sz="1200" b="1" dirty="0">
-                <a:latin typeface="Consolas" panose="020B0609020204030204" pitchFamily="49" charset="0"/>
-                <a:ea typeface="標楷體" panose="03000509000000000000" pitchFamily="65" charset="-120"/>
-              </a:rPr>
-              <a:t>查詢條件</a:t>
-            </a:r>
-          </a:p>
-          <a:p>
-            <a:r>
-              <a:rPr lang="zh-TW" altLang="en-US" sz="1200" dirty="0">
-                <a:latin typeface="Consolas" panose="020B0609020204030204" pitchFamily="49" charset="0"/>
-                <a:ea typeface="標楷體" panose="03000509000000000000" pitchFamily="65" charset="-120"/>
-              </a:rPr>
-              <a:t>1. SupplierName</a:t>
-            </a:r>
-          </a:p>
-          <a:p>
-            <a:r>
-              <a:rPr lang="zh-TW" altLang="en-US" sz="1200" dirty="0">
-                <a:latin typeface="Consolas" panose="020B0609020204030204" pitchFamily="49" charset="0"/>
-                <a:ea typeface="標楷體" panose="03000509000000000000" pitchFamily="65" charset="-120"/>
-              </a:rPr>
-              <a:t>2. SubmarineCable</a:t>
-            </a:r>
-          </a:p>
-          <a:p>
-            <a:r>
-              <a:rPr lang="zh-TW" altLang="en-US" sz="1200" dirty="0">
-                <a:latin typeface="Consolas" panose="020B0609020204030204" pitchFamily="49" charset="0"/>
-                <a:ea typeface="標楷體" panose="03000509000000000000" pitchFamily="65" charset="-120"/>
-              </a:rPr>
-              <a:t>3. ContractType</a:t>
-            </a:r>
-          </a:p>
-          <a:p>
-            <a:r>
-              <a:rPr lang="zh-TW" altLang="en-US" sz="1200" dirty="0">
-                <a:solidFill>
-                  <a:srgbClr val="0070C0"/>
-                </a:solidFill>
-                <a:latin typeface="Consolas" panose="020B0609020204030204" pitchFamily="49" charset="0"/>
-                <a:ea typeface="標楷體" panose="03000509000000000000" pitchFamily="65" charset="-120"/>
-              </a:rPr>
-              <a:t>4. IssueDate</a:t>
-            </a:r>
-          </a:p>
-          <a:p>
-            <a:r>
-              <a:rPr lang="zh-TW" altLang="en-US" sz="1200" dirty="0">
-                <a:solidFill>
-                  <a:srgbClr val="0070C0"/>
-                </a:solidFill>
-                <a:latin typeface="Consolas" panose="020B0609020204030204" pitchFamily="49" charset="0"/>
-                <a:ea typeface="標楷體" panose="03000509000000000000" pitchFamily="65" charset="-120"/>
-              </a:rPr>
-              <a:t>5. DueDate</a:t>
-            </a:r>
-          </a:p>
-          <a:p>
-            <a:r>
-              <a:rPr lang="zh-TW" altLang="en-US" sz="1200" dirty="0">
-                <a:solidFill>
-                  <a:srgbClr val="0070C0"/>
-                </a:solidFill>
-                <a:latin typeface="Consolas" panose="020B0609020204030204" pitchFamily="49" charset="0"/>
-                <a:ea typeface="標楷體" panose="03000509000000000000" pitchFamily="65" charset="-120"/>
-              </a:rPr>
-              <a:t>6. CreateDate</a:t>
-            </a:r>
-          </a:p>
-          <a:p>
-            <a:r>
-              <a:rPr lang="zh-TW" altLang="en-US" sz="1200" dirty="0">
-                <a:solidFill>
-                  <a:srgbClr val="00B050"/>
-                </a:solidFill>
-                <a:latin typeface="Consolas" panose="020B0609020204030204" pitchFamily="49" charset="0"/>
-                <a:ea typeface="標楷體" panose="03000509000000000000" pitchFamily="65" charset="-120"/>
-              </a:rPr>
-              <a:t>7. IsLiability</a:t>
-            </a:r>
-          </a:p>
-          <a:p>
-            <a:r>
-              <a:rPr lang="zh-TW" altLang="en-US" sz="1200" dirty="0">
-                <a:solidFill>
-                  <a:srgbClr val="00B050"/>
-                </a:solidFill>
-                <a:latin typeface="Consolas" panose="020B0609020204030204" pitchFamily="49" charset="0"/>
-                <a:ea typeface="標楷體" panose="03000509000000000000" pitchFamily="65" charset="-120"/>
-              </a:rPr>
-              <a:t>8. PartyName --&gt; 無Liability才能填</a:t>
-            </a:r>
-          </a:p>
-          <a:p>
-            <a:r>
-              <a:rPr lang="zh-TW" altLang="en-US" sz="1200" dirty="0">
-                <a:solidFill>
-                  <a:srgbClr val="7030A0"/>
-                </a:solidFill>
-                <a:latin typeface="Consolas" panose="020B0609020204030204" pitchFamily="49" charset="0"/>
-                <a:ea typeface="標楷體" panose="03000509000000000000" pitchFamily="65" charset="-120"/>
-              </a:rPr>
-              <a:t>9. Status:</a:t>
-            </a:r>
-          </a:p>
-          <a:p>
-            <a:r>
-              <a:rPr lang="zh-TW" altLang="en-US" sz="1200" dirty="0">
-                <a:solidFill>
-                  <a:srgbClr val="7030A0"/>
-                </a:solidFill>
-                <a:latin typeface="Consolas" panose="020B0609020204030204" pitchFamily="49" charset="0"/>
-                <a:ea typeface="標楷體" panose="03000509000000000000" pitchFamily="65" charset="-120"/>
-              </a:rPr>
-              <a:t>   a. TEMPORARY</a:t>
-            </a:r>
-          </a:p>
-          <a:p>
-            <a:r>
-              <a:rPr lang="zh-TW" altLang="en-US" sz="1200" dirty="0">
-                <a:solidFill>
-                  <a:srgbClr val="7030A0"/>
-                </a:solidFill>
-                <a:latin typeface="Consolas" panose="020B0609020204030204" pitchFamily="49" charset="0"/>
-                <a:ea typeface="標楷體" panose="03000509000000000000" pitchFamily="65" charset="-120"/>
-              </a:rPr>
-              <a:t>   b. VALIDATED</a:t>
-            </a:r>
-          </a:p>
-          <a:p>
-            <a:r>
-              <a:rPr lang="zh-TW" altLang="en-US" sz="1200" dirty="0">
-                <a:solidFill>
-                  <a:srgbClr val="7030A0"/>
-                </a:solidFill>
-                <a:latin typeface="Consolas" panose="020B0609020204030204" pitchFamily="49" charset="0"/>
-                <a:ea typeface="標楷體" panose="03000509000000000000" pitchFamily="65" charset="-120"/>
-              </a:rPr>
-              <a:t>   c. COLLECTING</a:t>
-            </a:r>
-          </a:p>
-          <a:p>
-            <a:r>
-              <a:rPr lang="zh-TW" altLang="en-US" sz="1200" dirty="0">
-                <a:solidFill>
-                  <a:srgbClr val="7030A0"/>
-                </a:solidFill>
-                <a:latin typeface="Consolas" panose="020B0609020204030204" pitchFamily="49" charset="0"/>
-                <a:ea typeface="標楷體" panose="03000509000000000000" pitchFamily="65" charset="-120"/>
-              </a:rPr>
-              <a:t>   d. COMPLETE</a:t>
-            </a:r>
-          </a:p>
-          <a:p>
-            <a:r>
-              <a:rPr lang="zh-TW" altLang="en-US" sz="1200" dirty="0">
-                <a:solidFill>
-                  <a:srgbClr val="7030A0"/>
-                </a:solidFill>
-                <a:latin typeface="Consolas" panose="020B0609020204030204" pitchFamily="49" charset="0"/>
-                <a:ea typeface="標楷體" panose="03000509000000000000" pitchFamily="65" charset="-120"/>
-              </a:rPr>
-              <a:t>   e. INVALID</a:t>
-            </a:r>
-          </a:p>
-        </p:txBody>
-      </p:sp>
       <p:pic>
         <p:nvPicPr>
           <p:cNvPr id="9" name="圖片 8">
@@ -10959,6 +10876,413 @@
             </a:avLst>
           </a:prstGeom>
           <a:ln>
+            <a:tailEnd type="triangle"/>
+          </a:ln>
+        </p:spPr>
+        <p:style>
+          <a:lnRef idx="1">
+            <a:schemeClr val="accent1"/>
+          </a:lnRef>
+          <a:fillRef idx="0">
+            <a:schemeClr val="accent1"/>
+          </a:fillRef>
+          <a:effectRef idx="0">
+            <a:schemeClr val="accent1"/>
+          </a:effectRef>
+          <a:fontRef idx="minor">
+            <a:schemeClr val="tx1"/>
+          </a:fontRef>
+        </p:style>
+      </p:cxnSp>
+      <p:sp>
+        <p:nvSpPr>
+          <p:cNvPr id="3" name="文字方塊 2">
+            <a:extLst>
+              <a:ext uri="{FF2B5EF4-FFF2-40B4-BE49-F238E27FC236}">
+                <a16:creationId xmlns:a16="http://schemas.microsoft.com/office/drawing/2014/main" id="{DC5A5BDD-4547-9F87-3059-1AD29265BEE7}"/>
+              </a:ext>
+            </a:extLst>
+          </p:cNvPr>
+          <p:cNvSpPr txBox="1"/>
+          <p:nvPr/>
+        </p:nvSpPr>
+        <p:spPr>
+          <a:xfrm>
+            <a:off x="6082136" y="1707790"/>
+            <a:ext cx="3109329" cy="2492990"/>
+          </a:xfrm>
+          <a:prstGeom prst="rect">
+            <a:avLst/>
+          </a:prstGeom>
+          <a:noFill/>
+        </p:spPr>
+        <p:txBody>
+          <a:bodyPr wrap="square">
+            <a:spAutoFit/>
+          </a:bodyPr>
+          <a:lstStyle/>
+          <a:p>
+            <a:r>
+              <a:rPr lang="zh-TW" altLang="en-US" sz="1200" b="1" dirty="0">
+                <a:latin typeface="Consolas" panose="020B0609020204030204" pitchFamily="49" charset="0"/>
+                <a:ea typeface="標楷體" panose="03000509000000000000" pitchFamily="65" charset="-120"/>
+              </a:rPr>
+              <a:t>查詢條件</a:t>
+            </a:r>
+          </a:p>
+          <a:p>
+            <a:r>
+              <a:rPr lang="en-US" altLang="zh-TW" sz="1200" dirty="0">
+                <a:latin typeface="Consolas" panose="020B0609020204030204" pitchFamily="49" charset="0"/>
+                <a:ea typeface="標楷體" panose="03000509000000000000" pitchFamily="65" charset="-120"/>
+              </a:rPr>
+              <a:t> </a:t>
+            </a:r>
+            <a:r>
+              <a:rPr lang="zh-TW" altLang="en-US" sz="1200" dirty="0">
+                <a:latin typeface="Consolas" panose="020B0609020204030204" pitchFamily="49" charset="0"/>
+                <a:ea typeface="標楷體" panose="03000509000000000000" pitchFamily="65" charset="-120"/>
+              </a:rPr>
+              <a:t>1. SupplierName</a:t>
+            </a:r>
+          </a:p>
+          <a:p>
+            <a:r>
+              <a:rPr lang="en-US" altLang="zh-TW" sz="1200" dirty="0">
+                <a:latin typeface="Consolas" panose="020B0609020204030204" pitchFamily="49" charset="0"/>
+                <a:ea typeface="標楷體" panose="03000509000000000000" pitchFamily="65" charset="-120"/>
+              </a:rPr>
+              <a:t> </a:t>
+            </a:r>
+            <a:r>
+              <a:rPr lang="zh-TW" altLang="en-US" sz="1200" dirty="0">
+                <a:latin typeface="Consolas" panose="020B0609020204030204" pitchFamily="49" charset="0"/>
+                <a:ea typeface="標楷體" panose="03000509000000000000" pitchFamily="65" charset="-120"/>
+              </a:rPr>
+              <a:t>2. SubmarineCable</a:t>
+            </a:r>
+          </a:p>
+          <a:p>
+            <a:r>
+              <a:rPr lang="en-US" altLang="zh-TW" sz="1200" dirty="0">
+                <a:latin typeface="Consolas" panose="020B0609020204030204" pitchFamily="49" charset="0"/>
+                <a:ea typeface="標楷體" panose="03000509000000000000" pitchFamily="65" charset="-120"/>
+              </a:rPr>
+              <a:t> </a:t>
+            </a:r>
+            <a:r>
+              <a:rPr lang="zh-TW" altLang="en-US" sz="1200" dirty="0">
+                <a:latin typeface="Consolas" panose="020B0609020204030204" pitchFamily="49" charset="0"/>
+                <a:ea typeface="標楷體" panose="03000509000000000000" pitchFamily="65" charset="-120"/>
+              </a:rPr>
+              <a:t>3. ContractType</a:t>
+            </a:r>
+            <a:endParaRPr lang="en-US" altLang="zh-TW" sz="1200" dirty="0">
+              <a:latin typeface="Consolas" panose="020B0609020204030204" pitchFamily="49" charset="0"/>
+              <a:ea typeface="標楷體" panose="03000509000000000000" pitchFamily="65" charset="-120"/>
+            </a:endParaRPr>
+          </a:p>
+          <a:p>
+            <a:r>
+              <a:rPr lang="en-US" altLang="zh-TW" sz="1200" dirty="0">
+                <a:latin typeface="Consolas" panose="020B0609020204030204" pitchFamily="49" charset="0"/>
+                <a:ea typeface="標楷體" panose="03000509000000000000" pitchFamily="65" charset="-120"/>
+              </a:rPr>
+              <a:t> 4. </a:t>
+            </a:r>
+            <a:r>
+              <a:rPr lang="en-US" altLang="zh-TW" sz="1200" dirty="0" err="1">
+                <a:latin typeface="Consolas" panose="020B0609020204030204" pitchFamily="49" charset="0"/>
+                <a:ea typeface="標楷體" panose="03000509000000000000" pitchFamily="65" charset="-120"/>
+              </a:rPr>
+              <a:t>BillMilestone</a:t>
+            </a:r>
+            <a:endParaRPr lang="zh-TW" altLang="en-US" sz="1200" dirty="0">
+              <a:latin typeface="Consolas" panose="020B0609020204030204" pitchFamily="49" charset="0"/>
+              <a:ea typeface="標楷體" panose="03000509000000000000" pitchFamily="65" charset="-120"/>
+            </a:endParaRPr>
+          </a:p>
+          <a:p>
+            <a:r>
+              <a:rPr lang="en-US" altLang="zh-TW" sz="1200" dirty="0">
+                <a:solidFill>
+                  <a:srgbClr val="0070C0"/>
+                </a:solidFill>
+                <a:latin typeface="Consolas" panose="020B0609020204030204" pitchFamily="49" charset="0"/>
+                <a:ea typeface="標楷體" panose="03000509000000000000" pitchFamily="65" charset="-120"/>
+              </a:rPr>
+              <a:t> 5</a:t>
+            </a:r>
+            <a:r>
+              <a:rPr lang="zh-TW" altLang="en-US" sz="1200" dirty="0">
+                <a:solidFill>
+                  <a:srgbClr val="0070C0"/>
+                </a:solidFill>
+                <a:latin typeface="Consolas" panose="020B0609020204030204" pitchFamily="49" charset="0"/>
+                <a:ea typeface="標楷體" panose="03000509000000000000" pitchFamily="65" charset="-120"/>
+              </a:rPr>
+              <a:t>. IssueDate</a:t>
+            </a:r>
+          </a:p>
+          <a:p>
+            <a:r>
+              <a:rPr lang="en-US" altLang="zh-TW" sz="1200" dirty="0">
+                <a:solidFill>
+                  <a:srgbClr val="0070C0"/>
+                </a:solidFill>
+                <a:latin typeface="Consolas" panose="020B0609020204030204" pitchFamily="49" charset="0"/>
+                <a:ea typeface="標楷體" panose="03000509000000000000" pitchFamily="65" charset="-120"/>
+              </a:rPr>
+              <a:t> 6</a:t>
+            </a:r>
+            <a:r>
+              <a:rPr lang="zh-TW" altLang="en-US" sz="1200" dirty="0">
+                <a:solidFill>
+                  <a:srgbClr val="0070C0"/>
+                </a:solidFill>
+                <a:latin typeface="Consolas" panose="020B0609020204030204" pitchFamily="49" charset="0"/>
+                <a:ea typeface="標楷體" panose="03000509000000000000" pitchFamily="65" charset="-120"/>
+              </a:rPr>
+              <a:t>. DueDate</a:t>
+            </a:r>
+          </a:p>
+          <a:p>
+            <a:r>
+              <a:rPr lang="en-US" altLang="zh-TW" sz="1200" dirty="0">
+                <a:solidFill>
+                  <a:srgbClr val="0070C0"/>
+                </a:solidFill>
+                <a:latin typeface="Consolas" panose="020B0609020204030204" pitchFamily="49" charset="0"/>
+                <a:ea typeface="標楷體" panose="03000509000000000000" pitchFamily="65" charset="-120"/>
+              </a:rPr>
+              <a:t> 7</a:t>
+            </a:r>
+            <a:r>
+              <a:rPr lang="zh-TW" altLang="en-US" sz="1200" dirty="0">
+                <a:solidFill>
+                  <a:srgbClr val="0070C0"/>
+                </a:solidFill>
+                <a:latin typeface="Consolas" panose="020B0609020204030204" pitchFamily="49" charset="0"/>
+                <a:ea typeface="標楷體" panose="03000509000000000000" pitchFamily="65" charset="-120"/>
+              </a:rPr>
+              <a:t>. CreateDate</a:t>
+            </a:r>
+          </a:p>
+          <a:p>
+            <a:r>
+              <a:rPr lang="en-US" altLang="zh-TW" sz="1200" dirty="0">
+                <a:solidFill>
+                  <a:srgbClr val="00B050"/>
+                </a:solidFill>
+                <a:latin typeface="Consolas" panose="020B0609020204030204" pitchFamily="49" charset="0"/>
+                <a:ea typeface="標楷體" panose="03000509000000000000" pitchFamily="65" charset="-120"/>
+              </a:rPr>
+              <a:t> 8</a:t>
+            </a:r>
+            <a:r>
+              <a:rPr lang="zh-TW" altLang="en-US" sz="1200" dirty="0">
+                <a:solidFill>
+                  <a:srgbClr val="00B050"/>
+                </a:solidFill>
+                <a:latin typeface="Consolas" panose="020B0609020204030204" pitchFamily="49" charset="0"/>
+                <a:ea typeface="標楷體" panose="03000509000000000000" pitchFamily="65" charset="-120"/>
+              </a:rPr>
+              <a:t>. IsLiability</a:t>
+            </a:r>
+          </a:p>
+          <a:p>
+            <a:r>
+              <a:rPr lang="en-US" altLang="zh-TW" sz="1200" dirty="0">
+                <a:solidFill>
+                  <a:srgbClr val="00B050"/>
+                </a:solidFill>
+                <a:latin typeface="Consolas" panose="020B0609020204030204" pitchFamily="49" charset="0"/>
+                <a:ea typeface="標楷體" panose="03000509000000000000" pitchFamily="65" charset="-120"/>
+              </a:rPr>
+              <a:t> 9</a:t>
+            </a:r>
+            <a:r>
+              <a:rPr lang="zh-TW" altLang="en-US" sz="1200" dirty="0">
+                <a:solidFill>
+                  <a:srgbClr val="00B050"/>
+                </a:solidFill>
+                <a:latin typeface="Consolas" panose="020B0609020204030204" pitchFamily="49" charset="0"/>
+                <a:ea typeface="標楷體" panose="03000509000000000000" pitchFamily="65" charset="-120"/>
+              </a:rPr>
+              <a:t>. PartyName --&gt; 無Liability才能填</a:t>
+            </a:r>
+          </a:p>
+          <a:p>
+            <a:r>
+              <a:rPr lang="en-US" altLang="zh-TW" sz="1200" dirty="0">
+                <a:solidFill>
+                  <a:srgbClr val="7030A0"/>
+                </a:solidFill>
+                <a:latin typeface="Consolas" panose="020B0609020204030204" pitchFamily="49" charset="0"/>
+                <a:ea typeface="標楷體" panose="03000509000000000000" pitchFamily="65" charset="-120"/>
+              </a:rPr>
+              <a:t>10</a:t>
+            </a:r>
+            <a:r>
+              <a:rPr lang="zh-TW" altLang="en-US" sz="1200" dirty="0">
+                <a:solidFill>
+                  <a:srgbClr val="7030A0"/>
+                </a:solidFill>
+                <a:latin typeface="Consolas" panose="020B0609020204030204" pitchFamily="49" charset="0"/>
+                <a:ea typeface="標楷體" panose="03000509000000000000" pitchFamily="65" charset="-120"/>
+              </a:rPr>
+              <a:t>. Status:</a:t>
+            </a:r>
+          </a:p>
+          <a:p>
+            <a:r>
+              <a:rPr lang="zh-TW" altLang="en-US" sz="1200" dirty="0">
+                <a:solidFill>
+                  <a:srgbClr val="7030A0"/>
+                </a:solidFill>
+                <a:latin typeface="Consolas" panose="020B0609020204030204" pitchFamily="49" charset="0"/>
+                <a:ea typeface="標楷體" panose="03000509000000000000" pitchFamily="65" charset="-120"/>
+              </a:rPr>
+              <a:t>   a. TEMPORARY</a:t>
+            </a:r>
+          </a:p>
+          <a:p>
+            <a:r>
+              <a:rPr lang="zh-TW" altLang="en-US" sz="1200" dirty="0">
+                <a:solidFill>
+                  <a:srgbClr val="7030A0"/>
+                </a:solidFill>
+                <a:latin typeface="Consolas" panose="020B0609020204030204" pitchFamily="49" charset="0"/>
+                <a:ea typeface="標楷體" panose="03000509000000000000" pitchFamily="65" charset="-120"/>
+              </a:rPr>
+              <a:t>   b. VALIDATED</a:t>
+            </a:r>
+          </a:p>
+        </p:txBody>
+      </p:sp>
+      <p:sp>
+        <p:nvSpPr>
+          <p:cNvPr id="4" name="矩形 3">
+            <a:extLst>
+              <a:ext uri="{FF2B5EF4-FFF2-40B4-BE49-F238E27FC236}">
+                <a16:creationId xmlns:a16="http://schemas.microsoft.com/office/drawing/2014/main" id="{6F2A6808-3E9B-4B26-F0AF-90F3DBDC888F}"/>
+              </a:ext>
+            </a:extLst>
+          </p:cNvPr>
+          <p:cNvSpPr/>
+          <p:nvPr/>
+        </p:nvSpPr>
+        <p:spPr>
+          <a:xfrm>
+            <a:off x="1803210" y="1894765"/>
+            <a:ext cx="3953897" cy="503070"/>
+          </a:xfrm>
+          <a:prstGeom prst="rect">
+            <a:avLst/>
+          </a:prstGeom>
+          <a:noFill/>
+          <a:ln w="3810"/>
+        </p:spPr>
+        <p:style>
+          <a:lnRef idx="2">
+            <a:schemeClr val="accent1">
+              <a:shade val="50000"/>
+            </a:schemeClr>
+          </a:lnRef>
+          <a:fillRef idx="1">
+            <a:schemeClr val="accent1"/>
+          </a:fillRef>
+          <a:effectRef idx="0">
+            <a:schemeClr val="accent1"/>
+          </a:effectRef>
+          <a:fontRef idx="minor">
+            <a:schemeClr val="lt1"/>
+          </a:fontRef>
+        </p:style>
+        <p:txBody>
+          <a:bodyPr rtlCol="0" anchor="ctr"/>
+          <a:lstStyle/>
+          <a:p>
+            <a:pPr algn="ctr"/>
+            <a:endParaRPr lang="zh-TW" altLang="en-US"/>
+          </a:p>
+        </p:txBody>
+      </p:sp>
+      <p:sp>
+        <p:nvSpPr>
+          <p:cNvPr id="5" name="矩形 4">
+            <a:extLst>
+              <a:ext uri="{FF2B5EF4-FFF2-40B4-BE49-F238E27FC236}">
+                <a16:creationId xmlns:a16="http://schemas.microsoft.com/office/drawing/2014/main" id="{04B78089-67C6-26FC-9A71-6D9FFBE62BEF}"/>
+              </a:ext>
+            </a:extLst>
+          </p:cNvPr>
+          <p:cNvSpPr/>
+          <p:nvPr/>
+        </p:nvSpPr>
+        <p:spPr>
+          <a:xfrm>
+            <a:off x="6046513" y="1658700"/>
+            <a:ext cx="3243727" cy="2559181"/>
+          </a:xfrm>
+          <a:prstGeom prst="rect">
+            <a:avLst/>
+          </a:prstGeom>
+          <a:noFill/>
+          <a:ln w="3810"/>
+        </p:spPr>
+        <p:style>
+          <a:lnRef idx="2">
+            <a:schemeClr val="accent1">
+              <a:shade val="50000"/>
+            </a:schemeClr>
+          </a:lnRef>
+          <a:fillRef idx="1">
+            <a:schemeClr val="accent1"/>
+          </a:fillRef>
+          <a:effectRef idx="0">
+            <a:schemeClr val="accent1"/>
+          </a:effectRef>
+          <a:fontRef idx="minor">
+            <a:schemeClr val="lt1"/>
+          </a:fontRef>
+        </p:style>
+        <p:txBody>
+          <a:bodyPr rtlCol="0" anchor="ctr"/>
+          <a:lstStyle/>
+          <a:p>
+            <a:pPr algn="ctr"/>
+            <a:endParaRPr lang="zh-TW" altLang="en-US"/>
+          </a:p>
+        </p:txBody>
+      </p:sp>
+      <p:cxnSp>
+        <p:nvCxnSpPr>
+          <p:cNvPr id="8" name="曲線接點 7">
+            <a:extLst>
+              <a:ext uri="{FF2B5EF4-FFF2-40B4-BE49-F238E27FC236}">
+                <a16:creationId xmlns:a16="http://schemas.microsoft.com/office/drawing/2014/main" id="{85633049-E86B-5275-24D8-9519FF974757}"/>
+              </a:ext>
+            </a:extLst>
+          </p:cNvPr>
+          <p:cNvCxnSpPr>
+            <a:stCxn id="4" idx="3"/>
+            <a:endCxn id="5" idx="1"/>
+          </p:cNvCxnSpPr>
+          <p:nvPr/>
+        </p:nvCxnSpPr>
+        <p:spPr>
+          <a:xfrm>
+            <a:off x="5757107" y="2146300"/>
+            <a:ext cx="289406" cy="791991"/>
+          </a:xfrm>
+          <a:prstGeom prst="curvedConnector3">
+            <a:avLst/>
+          </a:prstGeom>
+          <a:ln>
+            <a:solidFill>
+              <a:srgbClr val="2F528F"/>
+            </a:solidFill>
             <a:tailEnd type="triangle"/>
           </a:ln>
         </p:spPr>

--- a/CBP專案/發票工作主檔&發票工作明細檔API.pptx
+++ b/CBP專案/發票工作主檔&發票工作明細檔API.pptx
@@ -5,15 +5,18 @@
     <p:sldMasterId id="2147483648" r:id="rId1"/>
   </p:sldMasterIdLst>
   <p:notesMasterIdLst>
-    <p:notesMasterId r:id="rId8"/>
+    <p:notesMasterId r:id="rId11"/>
   </p:notesMasterIdLst>
   <p:sldIdLst>
     <p:sldId id="256" r:id="rId2"/>
-    <p:sldId id="257" r:id="rId3"/>
-    <p:sldId id="261" r:id="rId4"/>
-    <p:sldId id="262" r:id="rId5"/>
-    <p:sldId id="260" r:id="rId6"/>
-    <p:sldId id="258" r:id="rId7"/>
+    <p:sldId id="264" r:id="rId3"/>
+    <p:sldId id="265" r:id="rId4"/>
+    <p:sldId id="257" r:id="rId5"/>
+    <p:sldId id="263" r:id="rId6"/>
+    <p:sldId id="261" r:id="rId7"/>
+    <p:sldId id="262" r:id="rId8"/>
+    <p:sldId id="260" r:id="rId9"/>
+    <p:sldId id="258" r:id="rId10"/>
   </p:sldIdLst>
   <p:sldSz cx="12192000" cy="6858000"/>
   <p:notesSz cx="6858000" cy="9144000"/>
@@ -202,7 +205,7 @@
           <a:p>
             <a:fld id="{4F6DC5C1-F7A1-8244-AAEF-1E972466537C}" type="datetimeFigureOut">
               <a:rPr kumimoji="1" lang="zh-TW" altLang="en-US" smtClean="0"/>
-              <a:t>2023/1/17</a:t>
+              <a:t>2023/1/19</a:t>
             </a:fld>
             <a:endParaRPr kumimoji="1" lang="zh-TW" altLang="en-US"/>
           </a:p>
@@ -534,7 +537,7 @@
           <a:p>
             <a:fld id="{94AD528A-0A45-4E45-B784-D4E688A15F8C}" type="slidenum">
               <a:rPr kumimoji="1" lang="zh-TW" altLang="en-US" smtClean="0"/>
-              <a:t>3</a:t>
+              <a:t>6</a:t>
             </a:fld>
             <a:endParaRPr kumimoji="1" lang="zh-TW" altLang="en-US"/>
           </a:p>
@@ -700,7 +703,7 @@
           <a:p>
             <a:fld id="{F492F45A-959C-8C4B-842D-3C960535203F}" type="datetimeFigureOut">
               <a:rPr kumimoji="1" lang="zh-TW" altLang="en-US" smtClean="0"/>
-              <a:t>2023/1/17</a:t>
+              <a:t>2023/1/19</a:t>
             </a:fld>
             <a:endParaRPr kumimoji="1" lang="zh-TW" altLang="en-US"/>
           </a:p>
@@ -898,7 +901,7 @@
           <a:p>
             <a:fld id="{F492F45A-959C-8C4B-842D-3C960535203F}" type="datetimeFigureOut">
               <a:rPr kumimoji="1" lang="zh-TW" altLang="en-US" smtClean="0"/>
-              <a:t>2023/1/17</a:t>
+              <a:t>2023/1/19</a:t>
             </a:fld>
             <a:endParaRPr kumimoji="1" lang="zh-TW" altLang="en-US"/>
           </a:p>
@@ -1106,7 +1109,7 @@
           <a:p>
             <a:fld id="{F492F45A-959C-8C4B-842D-3C960535203F}" type="datetimeFigureOut">
               <a:rPr kumimoji="1" lang="zh-TW" altLang="en-US" smtClean="0"/>
-              <a:t>2023/1/17</a:t>
+              <a:t>2023/1/19</a:t>
             </a:fld>
             <a:endParaRPr kumimoji="1" lang="zh-TW" altLang="en-US"/>
           </a:p>
@@ -1304,7 +1307,7 @@
           <a:p>
             <a:fld id="{F492F45A-959C-8C4B-842D-3C960535203F}" type="datetimeFigureOut">
               <a:rPr kumimoji="1" lang="zh-TW" altLang="en-US" smtClean="0"/>
-              <a:t>2023/1/17</a:t>
+              <a:t>2023/1/19</a:t>
             </a:fld>
             <a:endParaRPr kumimoji="1" lang="zh-TW" altLang="en-US"/>
           </a:p>
@@ -1579,7 +1582,7 @@
           <a:p>
             <a:fld id="{F492F45A-959C-8C4B-842D-3C960535203F}" type="datetimeFigureOut">
               <a:rPr kumimoji="1" lang="zh-TW" altLang="en-US" smtClean="0"/>
-              <a:t>2023/1/17</a:t>
+              <a:t>2023/1/19</a:t>
             </a:fld>
             <a:endParaRPr kumimoji="1" lang="zh-TW" altLang="en-US"/>
           </a:p>
@@ -1844,7 +1847,7 @@
           <a:p>
             <a:fld id="{F492F45A-959C-8C4B-842D-3C960535203F}" type="datetimeFigureOut">
               <a:rPr kumimoji="1" lang="zh-TW" altLang="en-US" smtClean="0"/>
-              <a:t>2023/1/17</a:t>
+              <a:t>2023/1/19</a:t>
             </a:fld>
             <a:endParaRPr kumimoji="1" lang="zh-TW" altLang="en-US"/>
           </a:p>
@@ -2256,7 +2259,7 @@
           <a:p>
             <a:fld id="{F492F45A-959C-8C4B-842D-3C960535203F}" type="datetimeFigureOut">
               <a:rPr kumimoji="1" lang="zh-TW" altLang="en-US" smtClean="0"/>
-              <a:t>2023/1/17</a:t>
+              <a:t>2023/1/19</a:t>
             </a:fld>
             <a:endParaRPr kumimoji="1" lang="zh-TW" altLang="en-US"/>
           </a:p>
@@ -2397,7 +2400,7 @@
           <a:p>
             <a:fld id="{F492F45A-959C-8C4B-842D-3C960535203F}" type="datetimeFigureOut">
               <a:rPr kumimoji="1" lang="zh-TW" altLang="en-US" smtClean="0"/>
-              <a:t>2023/1/17</a:t>
+              <a:t>2023/1/19</a:t>
             </a:fld>
             <a:endParaRPr kumimoji="1" lang="zh-TW" altLang="en-US"/>
           </a:p>
@@ -2510,7 +2513,7 @@
           <a:p>
             <a:fld id="{F492F45A-959C-8C4B-842D-3C960535203F}" type="datetimeFigureOut">
               <a:rPr kumimoji="1" lang="zh-TW" altLang="en-US" smtClean="0"/>
-              <a:t>2023/1/17</a:t>
+              <a:t>2023/1/19</a:t>
             </a:fld>
             <a:endParaRPr kumimoji="1" lang="zh-TW" altLang="en-US"/>
           </a:p>
@@ -2821,7 +2824,7 @@
           <a:p>
             <a:fld id="{F492F45A-959C-8C4B-842D-3C960535203F}" type="datetimeFigureOut">
               <a:rPr kumimoji="1" lang="zh-TW" altLang="en-US" smtClean="0"/>
-              <a:t>2023/1/17</a:t>
+              <a:t>2023/1/19</a:t>
             </a:fld>
             <a:endParaRPr kumimoji="1" lang="zh-TW" altLang="en-US"/>
           </a:p>
@@ -3109,7 +3112,7 @@
           <a:p>
             <a:fld id="{F492F45A-959C-8C4B-842D-3C960535203F}" type="datetimeFigureOut">
               <a:rPr kumimoji="1" lang="zh-TW" altLang="en-US" smtClean="0"/>
-              <a:t>2023/1/17</a:t>
+              <a:t>2023/1/19</a:t>
             </a:fld>
             <a:endParaRPr kumimoji="1" lang="zh-TW" altLang="en-US"/>
           </a:p>
@@ -3350,7 +3353,7 @@
           <a:p>
             <a:fld id="{F492F45A-959C-8C4B-842D-3C960535203F}" type="datetimeFigureOut">
               <a:rPr kumimoji="1" lang="zh-TW" altLang="en-US" smtClean="0"/>
-              <a:t>2023/1/17</a:t>
+              <a:t>2023/1/19</a:t>
             </a:fld>
             <a:endParaRPr kumimoji="1" lang="zh-TW" altLang="en-US"/>
           </a:p>
@@ -3902,11 +3905,999 @@
           <a:p>
             <a:r>
               <a:rPr kumimoji="1" lang="zh-TW" altLang="en-US" dirty="0">
-                <a:latin typeface="BiauKai" panose="02010601000101010101" pitchFamily="2" charset="-120"/>
+                <a:latin typeface="Consolas" panose="020B0609020204030204" pitchFamily="49" charset="0"/>
                 <a:ea typeface="BiauKai" panose="02010601000101010101" pitchFamily="2" charset="-120"/>
+                <a:cs typeface="Consolas" panose="020B0609020204030204" pitchFamily="49" charset="0"/>
               </a:rPr>
               <a:t>新增發票工作檔</a:t>
             </a:r>
+            <a:r>
+              <a:rPr kumimoji="1" lang="en-US" altLang="zh-TW" dirty="0">
+                <a:latin typeface="Consolas" panose="020B0609020204030204" pitchFamily="49" charset="0"/>
+                <a:ea typeface="BiauKai" panose="02010601000101010101" pitchFamily="2" charset="-120"/>
+                <a:cs typeface="Consolas" panose="020B0609020204030204" pitchFamily="49" charset="0"/>
+              </a:rPr>
+              <a:t>-</a:t>
+            </a:r>
+            <a:r>
+              <a:rPr kumimoji="1" lang="zh-TW" altLang="en-US" dirty="0">
+                <a:latin typeface="Consolas" panose="020B0609020204030204" pitchFamily="49" charset="0"/>
+                <a:ea typeface="BiauKai" panose="02010601000101010101" pitchFamily="2" charset="-120"/>
+                <a:cs typeface="Consolas" panose="020B0609020204030204" pitchFamily="49" charset="0"/>
+              </a:rPr>
+              <a:t>供應商下拉選單</a:t>
+            </a:r>
+          </a:p>
+        </p:txBody>
+      </p:sp>
+      <p:pic>
+        <p:nvPicPr>
+          <p:cNvPr id="10" name="圖片 9">
+            <a:extLst>
+              <a:ext uri="{FF2B5EF4-FFF2-40B4-BE49-F238E27FC236}">
+                <a16:creationId xmlns:a16="http://schemas.microsoft.com/office/drawing/2014/main" id="{1BC534F5-D35D-762D-E2D4-BD2A63C74382}"/>
+              </a:ext>
+            </a:extLst>
+          </p:cNvPr>
+          <p:cNvPicPr>
+            <a:picLocks noChangeAspect="1"/>
+          </p:cNvPicPr>
+          <p:nvPr/>
+        </p:nvPicPr>
+        <p:blipFill>
+          <a:blip r:embed="rId2"/>
+          <a:stretch>
+            <a:fillRect/>
+          </a:stretch>
+        </p:blipFill>
+        <p:spPr>
+          <a:xfrm>
+            <a:off x="822960" y="1500188"/>
+            <a:ext cx="5502635" cy="3095232"/>
+          </a:xfrm>
+          <a:prstGeom prst="rect">
+            <a:avLst/>
+          </a:prstGeom>
+        </p:spPr>
+      </p:pic>
+      <p:sp>
+        <p:nvSpPr>
+          <p:cNvPr id="14" name="文字方塊 13">
+            <a:extLst>
+              <a:ext uri="{FF2B5EF4-FFF2-40B4-BE49-F238E27FC236}">
+                <a16:creationId xmlns:a16="http://schemas.microsoft.com/office/drawing/2014/main" id="{3A777102-9282-D898-C548-3DBAECFA9745}"/>
+              </a:ext>
+            </a:extLst>
+          </p:cNvPr>
+          <p:cNvSpPr txBox="1"/>
+          <p:nvPr/>
+        </p:nvSpPr>
+        <p:spPr>
+          <a:xfrm>
+            <a:off x="762000" y="4880524"/>
+            <a:ext cx="4315835" cy="461665"/>
+          </a:xfrm>
+          <a:prstGeom prst="rect">
+            <a:avLst/>
+          </a:prstGeom>
+          <a:noFill/>
+        </p:spPr>
+        <p:txBody>
+          <a:bodyPr wrap="square">
+            <a:spAutoFit/>
+          </a:bodyPr>
+          <a:lstStyle/>
+          <a:p>
+            <a:r>
+              <a:rPr lang="en-US" altLang="zh-TW" sz="1200" dirty="0">
+                <a:latin typeface="Consolas" panose="020B0609020204030204" pitchFamily="49" charset="0"/>
+                <a:cs typeface="Consolas" panose="020B0609020204030204" pitchFamily="49" charset="0"/>
+              </a:rPr>
+              <a:t>Method: GET</a:t>
+            </a:r>
+          </a:p>
+          <a:p>
+            <a:r>
+              <a:rPr lang="en-US" altLang="zh-TW" sz="1200" dirty="0">
+                <a:latin typeface="Consolas" panose="020B0609020204030204" pitchFamily="49" charset="0"/>
+                <a:cs typeface="Consolas" panose="020B0609020204030204" pitchFamily="49" charset="0"/>
+              </a:rPr>
+              <a:t>URL: </a:t>
+            </a:r>
+            <a:r>
+              <a:rPr lang="en" altLang="zh-TW" sz="1200" dirty="0">
+                <a:latin typeface="Consolas" panose="020B0609020204030204" pitchFamily="49" charset="0"/>
+                <a:cs typeface="Consolas" panose="020B0609020204030204" pitchFamily="49" charset="0"/>
+                <a:hlinkClick r:id="rId3"/>
+              </a:rPr>
+              <a:t>http://127.0.0.1:8000/api/v1/Suppliers/all</a:t>
+            </a:r>
+            <a:endParaRPr lang="en" altLang="zh-TW" sz="1200" dirty="0">
+              <a:latin typeface="Consolas" panose="020B0609020204030204" pitchFamily="49" charset="0"/>
+              <a:cs typeface="Consolas" panose="020B0609020204030204" pitchFamily="49" charset="0"/>
+            </a:endParaRPr>
+          </a:p>
+        </p:txBody>
+      </p:sp>
+      <p:sp>
+        <p:nvSpPr>
+          <p:cNvPr id="3" name="矩形 2">
+            <a:extLst>
+              <a:ext uri="{FF2B5EF4-FFF2-40B4-BE49-F238E27FC236}">
+                <a16:creationId xmlns:a16="http://schemas.microsoft.com/office/drawing/2014/main" id="{2C542116-8D9A-AF7F-5989-A73CEACC60E5}"/>
+              </a:ext>
+            </a:extLst>
+          </p:cNvPr>
+          <p:cNvSpPr/>
+          <p:nvPr/>
+        </p:nvSpPr>
+        <p:spPr>
+          <a:xfrm>
+            <a:off x="1889125" y="2016125"/>
+            <a:ext cx="949325" cy="146050"/>
+          </a:xfrm>
+          <a:prstGeom prst="rect">
+            <a:avLst/>
+          </a:prstGeom>
+          <a:noFill/>
+          <a:ln>
+            <a:solidFill>
+              <a:srgbClr val="FF0000"/>
+            </a:solidFill>
+          </a:ln>
+        </p:spPr>
+        <p:style>
+          <a:lnRef idx="2">
+            <a:schemeClr val="accent1">
+              <a:shade val="50000"/>
+            </a:schemeClr>
+          </a:lnRef>
+          <a:fillRef idx="1">
+            <a:schemeClr val="accent1"/>
+          </a:fillRef>
+          <a:effectRef idx="0">
+            <a:schemeClr val="accent1"/>
+          </a:effectRef>
+          <a:fontRef idx="minor">
+            <a:schemeClr val="lt1"/>
+          </a:fontRef>
+        </p:style>
+        <p:txBody>
+          <a:bodyPr rtlCol="0" anchor="ctr"/>
+          <a:lstStyle/>
+          <a:p>
+            <a:pPr algn="ctr"/>
+            <a:endParaRPr kumimoji="1" lang="zh-TW" altLang="en-US"/>
+          </a:p>
+        </p:txBody>
+      </p:sp>
+      <p:sp>
+        <p:nvSpPr>
+          <p:cNvPr id="5" name="文字方塊 4">
+            <a:extLst>
+              <a:ext uri="{FF2B5EF4-FFF2-40B4-BE49-F238E27FC236}">
+                <a16:creationId xmlns:a16="http://schemas.microsoft.com/office/drawing/2014/main" id="{6727BEBD-F698-88B0-5F8C-50E6FC98A622}"/>
+              </a:ext>
+            </a:extLst>
+          </p:cNvPr>
+          <p:cNvSpPr txBox="1"/>
+          <p:nvPr/>
+        </p:nvSpPr>
+        <p:spPr>
+          <a:xfrm>
+            <a:off x="7391760" y="1823849"/>
+            <a:ext cx="2991084" cy="1754326"/>
+          </a:xfrm>
+          <a:prstGeom prst="rect">
+            <a:avLst/>
+          </a:prstGeom>
+          <a:noFill/>
+          <a:ln>
+            <a:solidFill>
+              <a:schemeClr val="tx1"/>
+            </a:solidFill>
+          </a:ln>
+        </p:spPr>
+        <p:txBody>
+          <a:bodyPr wrap="square">
+            <a:spAutoFit/>
+          </a:bodyPr>
+          <a:lstStyle/>
+          <a:p>
+            <a:r>
+              <a:rPr lang="en" altLang="zh-TW" sz="1200" dirty="0">
+                <a:latin typeface="Consolas" panose="020B0609020204030204" pitchFamily="49" charset="0"/>
+                <a:ea typeface="BiauKai" panose="02010601000101010101" pitchFamily="2" charset="-120"/>
+                <a:cs typeface="Consolas" panose="020B0609020204030204" pitchFamily="49" charset="0"/>
+              </a:rPr>
+              <a:t>[</a:t>
+            </a:r>
+          </a:p>
+          <a:p>
+            <a:r>
+              <a:rPr lang="en" altLang="zh-TW" sz="1200" dirty="0">
+                <a:latin typeface="Consolas" panose="020B0609020204030204" pitchFamily="49" charset="0"/>
+                <a:ea typeface="BiauKai" panose="02010601000101010101" pitchFamily="2" charset="-120"/>
+                <a:cs typeface="Consolas" panose="020B0609020204030204" pitchFamily="49" charset="0"/>
+              </a:rPr>
+              <a:t>    {</a:t>
+            </a:r>
+          </a:p>
+          <a:p>
+            <a:r>
+              <a:rPr lang="en" altLang="zh-TW" sz="1200" dirty="0">
+                <a:latin typeface="Consolas" panose="020B0609020204030204" pitchFamily="49" charset="0"/>
+                <a:ea typeface="BiauKai" panose="02010601000101010101" pitchFamily="2" charset="-120"/>
+                <a:cs typeface="Consolas" panose="020B0609020204030204" pitchFamily="49" charset="0"/>
+              </a:rPr>
+              <a:t>      "</a:t>
+            </a:r>
+            <a:r>
+              <a:rPr lang="en" altLang="zh-TW" sz="1200" dirty="0" err="1">
+                <a:latin typeface="Consolas" panose="020B0609020204030204" pitchFamily="49" charset="0"/>
+                <a:ea typeface="BiauKai" panose="02010601000101010101" pitchFamily="2" charset="-120"/>
+                <a:cs typeface="Consolas" panose="020B0609020204030204" pitchFamily="49" charset="0"/>
+              </a:rPr>
+              <a:t>SupplierID</a:t>
+            </a:r>
+            <a:r>
+              <a:rPr lang="en" altLang="zh-TW" sz="1200" dirty="0">
+                <a:latin typeface="Consolas" panose="020B0609020204030204" pitchFamily="49" charset="0"/>
+                <a:ea typeface="BiauKai" panose="02010601000101010101" pitchFamily="2" charset="-120"/>
+                <a:cs typeface="Consolas" panose="020B0609020204030204" pitchFamily="49" charset="0"/>
+              </a:rPr>
+              <a:t>": 2,</a:t>
+            </a:r>
+          </a:p>
+          <a:p>
+            <a:r>
+              <a:rPr lang="en" altLang="zh-TW" sz="1200" dirty="0">
+                <a:latin typeface="Consolas" panose="020B0609020204030204" pitchFamily="49" charset="0"/>
+                <a:ea typeface="BiauKai" panose="02010601000101010101" pitchFamily="2" charset="-120"/>
+                <a:cs typeface="Consolas" panose="020B0609020204030204" pitchFamily="49" charset="0"/>
+              </a:rPr>
+              <a:t>      "</a:t>
+            </a:r>
+            <a:r>
+              <a:rPr lang="en" altLang="zh-TW" sz="1200" dirty="0" err="1">
+                <a:latin typeface="Consolas" panose="020B0609020204030204" pitchFamily="49" charset="0"/>
+                <a:ea typeface="BiauKai" panose="02010601000101010101" pitchFamily="2" charset="-120"/>
+                <a:cs typeface="Consolas" panose="020B0609020204030204" pitchFamily="49" charset="0"/>
+              </a:rPr>
+              <a:t>SupplierName</a:t>
+            </a:r>
+            <a:r>
+              <a:rPr lang="en" altLang="zh-TW" sz="1200" dirty="0">
+                <a:latin typeface="Consolas" panose="020B0609020204030204" pitchFamily="49" charset="0"/>
+                <a:ea typeface="BiauKai" panose="02010601000101010101" pitchFamily="2" charset="-120"/>
+                <a:cs typeface="Consolas" panose="020B0609020204030204" pitchFamily="49" charset="0"/>
+              </a:rPr>
+              <a:t>": "</a:t>
+            </a:r>
+            <a:r>
+              <a:rPr lang="zh-TW" altLang="en-US" sz="1200" dirty="0">
+                <a:latin typeface="Consolas" panose="020B0609020204030204" pitchFamily="49" charset="0"/>
+                <a:ea typeface="BiauKai" panose="02010601000101010101" pitchFamily="2" charset="-120"/>
+                <a:cs typeface="Consolas" panose="020B0609020204030204" pitchFamily="49" charset="0"/>
+              </a:rPr>
+              <a:t>供應商名稱</a:t>
+            </a:r>
+            <a:r>
+              <a:rPr lang="en-US" altLang="zh-TW" sz="1200" dirty="0">
+                <a:latin typeface="Consolas" panose="020B0609020204030204" pitchFamily="49" charset="0"/>
+                <a:ea typeface="BiauKai" panose="02010601000101010101" pitchFamily="2" charset="-120"/>
+                <a:cs typeface="Consolas" panose="020B0609020204030204" pitchFamily="49" charset="0"/>
+              </a:rPr>
+              <a:t>"  </a:t>
+            </a:r>
+          </a:p>
+          <a:p>
+            <a:r>
+              <a:rPr lang="en-US" altLang="zh-TW" sz="1200" dirty="0">
+                <a:latin typeface="Consolas" panose="020B0609020204030204" pitchFamily="49" charset="0"/>
+                <a:ea typeface="BiauKai" panose="02010601000101010101" pitchFamily="2" charset="-120"/>
+                <a:cs typeface="Consolas" panose="020B0609020204030204" pitchFamily="49" charset="0"/>
+              </a:rPr>
+              <a:t>    },</a:t>
+            </a:r>
+          </a:p>
+          <a:p>
+            <a:r>
+              <a:rPr lang="en-US" altLang="zh-TW" sz="1200" dirty="0">
+                <a:latin typeface="Consolas" panose="020B0609020204030204" pitchFamily="49" charset="0"/>
+                <a:ea typeface="BiauKai" panose="02010601000101010101" pitchFamily="2" charset="-120"/>
+                <a:cs typeface="Consolas" panose="020B0609020204030204" pitchFamily="49" charset="0"/>
+              </a:rPr>
+              <a:t>    {...},</a:t>
+            </a:r>
+          </a:p>
+          <a:p>
+            <a:r>
+              <a:rPr lang="en-US" altLang="zh-TW" sz="1200" dirty="0">
+                <a:latin typeface="Consolas" panose="020B0609020204030204" pitchFamily="49" charset="0"/>
+                <a:ea typeface="BiauKai" panose="02010601000101010101" pitchFamily="2" charset="-120"/>
+                <a:cs typeface="Consolas" panose="020B0609020204030204" pitchFamily="49" charset="0"/>
+              </a:rPr>
+              <a:t>    {...},</a:t>
+            </a:r>
+          </a:p>
+          <a:p>
+            <a:r>
+              <a:rPr lang="en-US" altLang="zh-TW" sz="1200" dirty="0">
+                <a:latin typeface="Consolas" panose="020B0609020204030204" pitchFamily="49" charset="0"/>
+                <a:ea typeface="BiauKai" panose="02010601000101010101" pitchFamily="2" charset="-120"/>
+                <a:cs typeface="Consolas" panose="020B0609020204030204" pitchFamily="49" charset="0"/>
+              </a:rPr>
+              <a:t>    {...}</a:t>
+            </a:r>
+          </a:p>
+          <a:p>
+            <a:r>
+              <a:rPr lang="en-US" altLang="zh-TW" sz="1200" dirty="0">
+                <a:latin typeface="Consolas" panose="020B0609020204030204" pitchFamily="49" charset="0"/>
+                <a:ea typeface="BiauKai" panose="02010601000101010101" pitchFamily="2" charset="-120"/>
+                <a:cs typeface="Consolas" panose="020B0609020204030204" pitchFamily="49" charset="0"/>
+              </a:rPr>
+              <a:t>]</a:t>
+            </a:r>
+            <a:endParaRPr lang="zh-TW" altLang="en-US" sz="1200" dirty="0">
+              <a:latin typeface="Consolas" panose="020B0609020204030204" pitchFamily="49" charset="0"/>
+              <a:ea typeface="BiauKai" panose="02010601000101010101" pitchFamily="2" charset="-120"/>
+              <a:cs typeface="Consolas" panose="020B0609020204030204" pitchFamily="49" charset="0"/>
+            </a:endParaRPr>
+          </a:p>
+        </p:txBody>
+      </p:sp>
+      <p:sp>
+        <p:nvSpPr>
+          <p:cNvPr id="7" name="文字方塊 6">
+            <a:extLst>
+              <a:ext uri="{FF2B5EF4-FFF2-40B4-BE49-F238E27FC236}">
+                <a16:creationId xmlns:a16="http://schemas.microsoft.com/office/drawing/2014/main" id="{86F352FF-C589-4E4B-29F0-E335DFCF9638}"/>
+              </a:ext>
+            </a:extLst>
+          </p:cNvPr>
+          <p:cNvSpPr txBox="1"/>
+          <p:nvPr/>
+        </p:nvSpPr>
+        <p:spPr>
+          <a:xfrm>
+            <a:off x="7391760" y="1411306"/>
+            <a:ext cx="1233534" cy="369332"/>
+          </a:xfrm>
+          <a:prstGeom prst="rect">
+            <a:avLst/>
+          </a:prstGeom>
+          <a:noFill/>
+        </p:spPr>
+        <p:txBody>
+          <a:bodyPr wrap="square">
+            <a:spAutoFit/>
+          </a:bodyPr>
+          <a:lstStyle/>
+          <a:p>
+            <a:r>
+              <a:rPr lang="zh-TW" altLang="en-US" dirty="0">
+                <a:latin typeface="Consolas" panose="020B0609020204030204" pitchFamily="49" charset="0"/>
+                <a:cs typeface="Consolas" panose="020B0609020204030204" pitchFamily="49" charset="0"/>
+              </a:rPr>
+              <a:t>Response</a:t>
+            </a:r>
+          </a:p>
+        </p:txBody>
+      </p:sp>
+      <p:cxnSp>
+        <p:nvCxnSpPr>
+          <p:cNvPr id="13" name="曲線接點 12">
+            <a:extLst>
+              <a:ext uri="{FF2B5EF4-FFF2-40B4-BE49-F238E27FC236}">
+                <a16:creationId xmlns:a16="http://schemas.microsoft.com/office/drawing/2014/main" id="{8DCFF927-987C-5A87-1314-D6B75F65FFB9}"/>
+              </a:ext>
+            </a:extLst>
+          </p:cNvPr>
+          <p:cNvCxnSpPr>
+            <a:cxnSpLocks/>
+            <a:stCxn id="14" idx="3"/>
+            <a:endCxn id="5" idx="1"/>
+          </p:cNvCxnSpPr>
+          <p:nvPr/>
+        </p:nvCxnSpPr>
+        <p:spPr>
+          <a:xfrm flipV="1">
+            <a:off x="5077835" y="2701012"/>
+            <a:ext cx="2313925" cy="2410345"/>
+          </a:xfrm>
+          <a:prstGeom prst="curvedConnector3">
+            <a:avLst>
+              <a:gd name="adj1" fmla="val 71128"/>
+            </a:avLst>
+          </a:prstGeom>
+          <a:ln>
+            <a:solidFill>
+              <a:schemeClr val="tx1"/>
+            </a:solidFill>
+            <a:tailEnd type="triangle"/>
+          </a:ln>
+        </p:spPr>
+        <p:style>
+          <a:lnRef idx="1">
+            <a:schemeClr val="accent1"/>
+          </a:lnRef>
+          <a:fillRef idx="0">
+            <a:schemeClr val="accent1"/>
+          </a:fillRef>
+          <a:effectRef idx="0">
+            <a:schemeClr val="accent1"/>
+          </a:effectRef>
+          <a:fontRef idx="minor">
+            <a:schemeClr val="tx1"/>
+          </a:fontRef>
+        </p:style>
+      </p:cxnSp>
+    </p:spTree>
+    <p:extLst>
+      <p:ext uri="{BB962C8B-B14F-4D97-AF65-F5344CB8AC3E}">
+        <p14:creationId xmlns:p14="http://schemas.microsoft.com/office/powerpoint/2010/main" val="4178269535"/>
+      </p:ext>
+    </p:extLst>
+  </p:cSld>
+  <p:clrMapOvr>
+    <a:masterClrMapping/>
+  </p:clrMapOvr>
+</p:sld>
+</file>
+
+<file path=ppt/slides/slide3.xml><?xml version="1.0" encoding="utf-8"?>
+<p:sld xmlns:a="http://schemas.openxmlformats.org/drawingml/2006/main" xmlns:r="http://schemas.openxmlformats.org/officeDocument/2006/relationships" xmlns:p="http://schemas.openxmlformats.org/presentationml/2006/main">
+  <p:cSld>
+    <p:spTree>
+      <p:nvGrpSpPr>
+        <p:cNvPr id="1" name=""/>
+        <p:cNvGrpSpPr/>
+        <p:nvPr/>
+      </p:nvGrpSpPr>
+      <p:grpSpPr>
+        <a:xfrm>
+          <a:off x="0" y="0"/>
+          <a:ext cx="0" cy="0"/>
+          <a:chOff x="0" y="0"/>
+          <a:chExt cx="0" cy="0"/>
+        </a:xfrm>
+      </p:grpSpPr>
+      <p:sp>
+        <p:nvSpPr>
+          <p:cNvPr id="2" name="標題 1">
+            <a:extLst>
+              <a:ext uri="{FF2B5EF4-FFF2-40B4-BE49-F238E27FC236}">
+                <a16:creationId xmlns:a16="http://schemas.microsoft.com/office/drawing/2014/main" id="{EB1D8D0D-B3FA-5748-AE27-3DF74D52EF4C}"/>
+              </a:ext>
+            </a:extLst>
+          </p:cNvPr>
+          <p:cNvSpPr>
+            <a:spLocks noGrp="1"/>
+          </p:cNvSpPr>
+          <p:nvPr>
+            <p:ph type="title"/>
+          </p:nvPr>
+        </p:nvSpPr>
+        <p:spPr>
+          <a:xfrm>
+            <a:off x="762000" y="0"/>
+            <a:ext cx="10515600" cy="1325563"/>
+          </a:xfrm>
+        </p:spPr>
+        <p:txBody>
+          <a:bodyPr/>
+          <a:lstStyle/>
+          <a:p>
+            <a:r>
+              <a:rPr kumimoji="1" lang="zh-TW" altLang="en-US" dirty="0">
+                <a:latin typeface="Consolas" panose="020B0609020204030204" pitchFamily="49" charset="0"/>
+                <a:ea typeface="BiauKai" panose="02010601000101010101" pitchFamily="2" charset="-120"/>
+                <a:cs typeface="Consolas" panose="020B0609020204030204" pitchFamily="49" charset="0"/>
+              </a:rPr>
+              <a:t>新增發票工作檔</a:t>
+            </a:r>
+            <a:r>
+              <a:rPr kumimoji="1" lang="en-US" altLang="zh-TW" dirty="0">
+                <a:latin typeface="Consolas" panose="020B0609020204030204" pitchFamily="49" charset="0"/>
+                <a:ea typeface="BiauKai" panose="02010601000101010101" pitchFamily="2" charset="-120"/>
+                <a:cs typeface="Consolas" panose="020B0609020204030204" pitchFamily="49" charset="0"/>
+              </a:rPr>
+              <a:t>-</a:t>
+            </a:r>
+            <a:r>
+              <a:rPr kumimoji="1" lang="zh-TW" altLang="en-US" dirty="0">
+                <a:latin typeface="Consolas" panose="020B0609020204030204" pitchFamily="49" charset="0"/>
+                <a:ea typeface="BiauKai" panose="02010601000101010101" pitchFamily="2" charset="-120"/>
+                <a:cs typeface="Consolas" panose="020B0609020204030204" pitchFamily="49" charset="0"/>
+              </a:rPr>
+              <a:t>海纜名稱下拉選單</a:t>
+            </a:r>
+          </a:p>
+        </p:txBody>
+      </p:sp>
+      <p:pic>
+        <p:nvPicPr>
+          <p:cNvPr id="10" name="圖片 9">
+            <a:extLst>
+              <a:ext uri="{FF2B5EF4-FFF2-40B4-BE49-F238E27FC236}">
+                <a16:creationId xmlns:a16="http://schemas.microsoft.com/office/drawing/2014/main" id="{1BC534F5-D35D-762D-E2D4-BD2A63C74382}"/>
+              </a:ext>
+            </a:extLst>
+          </p:cNvPr>
+          <p:cNvPicPr>
+            <a:picLocks noChangeAspect="1"/>
+          </p:cNvPicPr>
+          <p:nvPr/>
+        </p:nvPicPr>
+        <p:blipFill>
+          <a:blip r:embed="rId2"/>
+          <a:stretch>
+            <a:fillRect/>
+          </a:stretch>
+        </p:blipFill>
+        <p:spPr>
+          <a:xfrm>
+            <a:off x="822960" y="1500188"/>
+            <a:ext cx="5502635" cy="3095232"/>
+          </a:xfrm>
+          <a:prstGeom prst="rect">
+            <a:avLst/>
+          </a:prstGeom>
+        </p:spPr>
+      </p:pic>
+      <p:sp>
+        <p:nvSpPr>
+          <p:cNvPr id="14" name="文字方塊 13">
+            <a:extLst>
+              <a:ext uri="{FF2B5EF4-FFF2-40B4-BE49-F238E27FC236}">
+                <a16:creationId xmlns:a16="http://schemas.microsoft.com/office/drawing/2014/main" id="{3A777102-9282-D898-C548-3DBAECFA9745}"/>
+              </a:ext>
+            </a:extLst>
+          </p:cNvPr>
+          <p:cNvSpPr txBox="1"/>
+          <p:nvPr/>
+        </p:nvSpPr>
+        <p:spPr>
+          <a:xfrm>
+            <a:off x="762000" y="4880524"/>
+            <a:ext cx="4823988" cy="461665"/>
+          </a:xfrm>
+          <a:prstGeom prst="rect">
+            <a:avLst/>
+          </a:prstGeom>
+          <a:noFill/>
+        </p:spPr>
+        <p:txBody>
+          <a:bodyPr wrap="square">
+            <a:spAutoFit/>
+          </a:bodyPr>
+          <a:lstStyle/>
+          <a:p>
+            <a:r>
+              <a:rPr lang="en-US" altLang="zh-TW" sz="1200" dirty="0">
+                <a:latin typeface="Consolas" panose="020B0609020204030204" pitchFamily="49" charset="0"/>
+                <a:cs typeface="Consolas" panose="020B0609020204030204" pitchFamily="49" charset="0"/>
+              </a:rPr>
+              <a:t>Method: GET</a:t>
+            </a:r>
+          </a:p>
+          <a:p>
+            <a:r>
+              <a:rPr lang="en-US" altLang="zh-TW" sz="1200" dirty="0">
+                <a:latin typeface="Consolas" panose="020B0609020204030204" pitchFamily="49" charset="0"/>
+                <a:cs typeface="Consolas" panose="020B0609020204030204" pitchFamily="49" charset="0"/>
+              </a:rPr>
+              <a:t>URL: </a:t>
+            </a:r>
+            <a:r>
+              <a:rPr lang="en" altLang="zh-TW" sz="1200" dirty="0">
+                <a:latin typeface="Consolas" panose="020B0609020204030204" pitchFamily="49" charset="0"/>
+                <a:cs typeface="Consolas" panose="020B0609020204030204" pitchFamily="49" charset="0"/>
+                <a:hlinkClick r:id="rId3"/>
+              </a:rPr>
+              <a:t>http://127.0.0.1:8000/api/v1/SubmarineCables/all</a:t>
+            </a:r>
+            <a:endParaRPr lang="en" altLang="zh-TW" sz="1200" dirty="0">
+              <a:latin typeface="Consolas" panose="020B0609020204030204" pitchFamily="49" charset="0"/>
+              <a:cs typeface="Consolas" panose="020B0609020204030204" pitchFamily="49" charset="0"/>
+            </a:endParaRPr>
+          </a:p>
+        </p:txBody>
+      </p:sp>
+      <p:sp>
+        <p:nvSpPr>
+          <p:cNvPr id="3" name="矩形 2">
+            <a:extLst>
+              <a:ext uri="{FF2B5EF4-FFF2-40B4-BE49-F238E27FC236}">
+                <a16:creationId xmlns:a16="http://schemas.microsoft.com/office/drawing/2014/main" id="{2C542116-8D9A-AF7F-5989-A73CEACC60E5}"/>
+              </a:ext>
+            </a:extLst>
+          </p:cNvPr>
+          <p:cNvSpPr/>
+          <p:nvPr/>
+        </p:nvSpPr>
+        <p:spPr>
+          <a:xfrm>
+            <a:off x="1889125" y="2170034"/>
+            <a:ext cx="949325" cy="146050"/>
+          </a:xfrm>
+          <a:prstGeom prst="rect">
+            <a:avLst/>
+          </a:prstGeom>
+          <a:noFill/>
+          <a:ln>
+            <a:solidFill>
+              <a:srgbClr val="FF0000"/>
+            </a:solidFill>
+          </a:ln>
+        </p:spPr>
+        <p:style>
+          <a:lnRef idx="2">
+            <a:schemeClr val="accent1">
+              <a:shade val="50000"/>
+            </a:schemeClr>
+          </a:lnRef>
+          <a:fillRef idx="1">
+            <a:schemeClr val="accent1"/>
+          </a:fillRef>
+          <a:effectRef idx="0">
+            <a:schemeClr val="accent1"/>
+          </a:effectRef>
+          <a:fontRef idx="minor">
+            <a:schemeClr val="lt1"/>
+          </a:fontRef>
+        </p:style>
+        <p:txBody>
+          <a:bodyPr rtlCol="0" anchor="ctr"/>
+          <a:lstStyle/>
+          <a:p>
+            <a:pPr algn="ctr"/>
+            <a:endParaRPr kumimoji="1" lang="zh-TW" altLang="en-US"/>
+          </a:p>
+        </p:txBody>
+      </p:sp>
+      <p:sp>
+        <p:nvSpPr>
+          <p:cNvPr id="5" name="文字方塊 4">
+            <a:extLst>
+              <a:ext uri="{FF2B5EF4-FFF2-40B4-BE49-F238E27FC236}">
+                <a16:creationId xmlns:a16="http://schemas.microsoft.com/office/drawing/2014/main" id="{6727BEBD-F698-88B0-5F8C-50E6FC98A622}"/>
+              </a:ext>
+            </a:extLst>
+          </p:cNvPr>
+          <p:cNvSpPr txBox="1"/>
+          <p:nvPr/>
+        </p:nvSpPr>
+        <p:spPr>
+          <a:xfrm>
+            <a:off x="7391760" y="1823849"/>
+            <a:ext cx="2991084" cy="1754326"/>
+          </a:xfrm>
+          <a:prstGeom prst="rect">
+            <a:avLst/>
+          </a:prstGeom>
+          <a:noFill/>
+          <a:ln>
+            <a:solidFill>
+              <a:schemeClr val="tx1"/>
+            </a:solidFill>
+          </a:ln>
+        </p:spPr>
+        <p:txBody>
+          <a:bodyPr wrap="square">
+            <a:spAutoFit/>
+          </a:bodyPr>
+          <a:lstStyle/>
+          <a:p>
+            <a:r>
+              <a:rPr lang="en" altLang="zh-TW" sz="1200" dirty="0">
+                <a:latin typeface="Consolas" panose="020B0609020204030204" pitchFamily="49" charset="0"/>
+                <a:ea typeface="BiauKai" panose="02010601000101010101" pitchFamily="2" charset="-120"/>
+                <a:cs typeface="Consolas" panose="020B0609020204030204" pitchFamily="49" charset="0"/>
+              </a:rPr>
+              <a:t>[</a:t>
+            </a:r>
+          </a:p>
+          <a:p>
+            <a:r>
+              <a:rPr lang="en" altLang="zh-TW" sz="1200" dirty="0">
+                <a:latin typeface="Consolas" panose="020B0609020204030204" pitchFamily="49" charset="0"/>
+                <a:ea typeface="BiauKai" panose="02010601000101010101" pitchFamily="2" charset="-120"/>
+                <a:cs typeface="Consolas" panose="020B0609020204030204" pitchFamily="49" charset="0"/>
+              </a:rPr>
+              <a:t>    {</a:t>
+            </a:r>
+          </a:p>
+          <a:p>
+            <a:r>
+              <a:rPr lang="en" altLang="zh-TW" sz="1200" dirty="0">
+                <a:latin typeface="Consolas" panose="020B0609020204030204" pitchFamily="49" charset="0"/>
+                <a:ea typeface="BiauKai" panose="02010601000101010101" pitchFamily="2" charset="-120"/>
+                <a:cs typeface="Consolas" panose="020B0609020204030204" pitchFamily="49" charset="0"/>
+              </a:rPr>
+              <a:t>      "</a:t>
+            </a:r>
+            <a:r>
+              <a:rPr lang="en" altLang="zh-TW" sz="1200" dirty="0" err="1">
+                <a:latin typeface="Consolas" panose="020B0609020204030204" pitchFamily="49" charset="0"/>
+                <a:ea typeface="BiauKai" panose="02010601000101010101" pitchFamily="2" charset="-120"/>
+                <a:cs typeface="Consolas" panose="020B0609020204030204" pitchFamily="49" charset="0"/>
+              </a:rPr>
+              <a:t>SupplierID</a:t>
+            </a:r>
+            <a:r>
+              <a:rPr lang="en" altLang="zh-TW" sz="1200" dirty="0">
+                <a:latin typeface="Consolas" panose="020B0609020204030204" pitchFamily="49" charset="0"/>
+                <a:ea typeface="BiauKai" panose="02010601000101010101" pitchFamily="2" charset="-120"/>
+                <a:cs typeface="Consolas" panose="020B0609020204030204" pitchFamily="49" charset="0"/>
+              </a:rPr>
+              <a:t>": 2,</a:t>
+            </a:r>
+          </a:p>
+          <a:p>
+            <a:r>
+              <a:rPr lang="en" altLang="zh-TW" sz="1200" dirty="0">
+                <a:latin typeface="Consolas" panose="020B0609020204030204" pitchFamily="49" charset="0"/>
+                <a:ea typeface="BiauKai" panose="02010601000101010101" pitchFamily="2" charset="-120"/>
+                <a:cs typeface="Consolas" panose="020B0609020204030204" pitchFamily="49" charset="0"/>
+              </a:rPr>
+              <a:t>      "</a:t>
+            </a:r>
+            <a:r>
+              <a:rPr lang="en" altLang="zh-TW" sz="1200" dirty="0" err="1">
+                <a:latin typeface="Consolas" panose="020B0609020204030204" pitchFamily="49" charset="0"/>
+                <a:ea typeface="BiauKai" panose="02010601000101010101" pitchFamily="2" charset="-120"/>
+                <a:cs typeface="Consolas" panose="020B0609020204030204" pitchFamily="49" charset="0"/>
+              </a:rPr>
+              <a:t>SupplierName</a:t>
+            </a:r>
+            <a:r>
+              <a:rPr lang="en" altLang="zh-TW" sz="1200" dirty="0">
+                <a:latin typeface="Consolas" panose="020B0609020204030204" pitchFamily="49" charset="0"/>
+                <a:ea typeface="BiauKai" panose="02010601000101010101" pitchFamily="2" charset="-120"/>
+                <a:cs typeface="Consolas" panose="020B0609020204030204" pitchFamily="49" charset="0"/>
+              </a:rPr>
+              <a:t>": "</a:t>
+            </a:r>
+            <a:r>
+              <a:rPr lang="zh-TW" altLang="en-US" sz="1200" dirty="0">
+                <a:latin typeface="Consolas" panose="020B0609020204030204" pitchFamily="49" charset="0"/>
+                <a:ea typeface="BiauKai" panose="02010601000101010101" pitchFamily="2" charset="-120"/>
+                <a:cs typeface="Consolas" panose="020B0609020204030204" pitchFamily="49" charset="0"/>
+              </a:rPr>
+              <a:t>供應商名稱</a:t>
+            </a:r>
+            <a:r>
+              <a:rPr lang="en-US" altLang="zh-TW" sz="1200" dirty="0">
+                <a:latin typeface="Consolas" panose="020B0609020204030204" pitchFamily="49" charset="0"/>
+                <a:ea typeface="BiauKai" panose="02010601000101010101" pitchFamily="2" charset="-120"/>
+                <a:cs typeface="Consolas" panose="020B0609020204030204" pitchFamily="49" charset="0"/>
+              </a:rPr>
+              <a:t>"  </a:t>
+            </a:r>
+          </a:p>
+          <a:p>
+            <a:r>
+              <a:rPr lang="en-US" altLang="zh-TW" sz="1200" dirty="0">
+                <a:latin typeface="Consolas" panose="020B0609020204030204" pitchFamily="49" charset="0"/>
+                <a:ea typeface="BiauKai" panose="02010601000101010101" pitchFamily="2" charset="-120"/>
+                <a:cs typeface="Consolas" panose="020B0609020204030204" pitchFamily="49" charset="0"/>
+              </a:rPr>
+              <a:t>    },</a:t>
+            </a:r>
+          </a:p>
+          <a:p>
+            <a:r>
+              <a:rPr lang="en-US" altLang="zh-TW" sz="1200" dirty="0">
+                <a:latin typeface="Consolas" panose="020B0609020204030204" pitchFamily="49" charset="0"/>
+                <a:ea typeface="BiauKai" panose="02010601000101010101" pitchFamily="2" charset="-120"/>
+                <a:cs typeface="Consolas" panose="020B0609020204030204" pitchFamily="49" charset="0"/>
+              </a:rPr>
+              <a:t>    {...},</a:t>
+            </a:r>
+          </a:p>
+          <a:p>
+            <a:r>
+              <a:rPr lang="en-US" altLang="zh-TW" sz="1200" dirty="0">
+                <a:latin typeface="Consolas" panose="020B0609020204030204" pitchFamily="49" charset="0"/>
+                <a:ea typeface="BiauKai" panose="02010601000101010101" pitchFamily="2" charset="-120"/>
+                <a:cs typeface="Consolas" panose="020B0609020204030204" pitchFamily="49" charset="0"/>
+              </a:rPr>
+              <a:t>    {...},</a:t>
+            </a:r>
+          </a:p>
+          <a:p>
+            <a:r>
+              <a:rPr lang="en-US" altLang="zh-TW" sz="1200" dirty="0">
+                <a:latin typeface="Consolas" panose="020B0609020204030204" pitchFamily="49" charset="0"/>
+                <a:ea typeface="BiauKai" panose="02010601000101010101" pitchFamily="2" charset="-120"/>
+                <a:cs typeface="Consolas" panose="020B0609020204030204" pitchFamily="49" charset="0"/>
+              </a:rPr>
+              <a:t>    {...}</a:t>
+            </a:r>
+          </a:p>
+          <a:p>
+            <a:r>
+              <a:rPr lang="en-US" altLang="zh-TW" sz="1200" dirty="0">
+                <a:latin typeface="Consolas" panose="020B0609020204030204" pitchFamily="49" charset="0"/>
+                <a:ea typeface="BiauKai" panose="02010601000101010101" pitchFamily="2" charset="-120"/>
+                <a:cs typeface="Consolas" panose="020B0609020204030204" pitchFamily="49" charset="0"/>
+              </a:rPr>
+              <a:t>]</a:t>
+            </a:r>
+            <a:endParaRPr lang="zh-TW" altLang="en-US" sz="1200" dirty="0">
+              <a:latin typeface="Consolas" panose="020B0609020204030204" pitchFamily="49" charset="0"/>
+              <a:ea typeface="BiauKai" panose="02010601000101010101" pitchFamily="2" charset="-120"/>
+              <a:cs typeface="Consolas" panose="020B0609020204030204" pitchFamily="49" charset="0"/>
+            </a:endParaRPr>
+          </a:p>
+        </p:txBody>
+      </p:sp>
+      <p:sp>
+        <p:nvSpPr>
+          <p:cNvPr id="7" name="文字方塊 6">
+            <a:extLst>
+              <a:ext uri="{FF2B5EF4-FFF2-40B4-BE49-F238E27FC236}">
+                <a16:creationId xmlns:a16="http://schemas.microsoft.com/office/drawing/2014/main" id="{86F352FF-C589-4E4B-29F0-E335DFCF9638}"/>
+              </a:ext>
+            </a:extLst>
+          </p:cNvPr>
+          <p:cNvSpPr txBox="1"/>
+          <p:nvPr/>
+        </p:nvSpPr>
+        <p:spPr>
+          <a:xfrm>
+            <a:off x="7391760" y="1411306"/>
+            <a:ext cx="1233534" cy="369332"/>
+          </a:xfrm>
+          <a:prstGeom prst="rect">
+            <a:avLst/>
+          </a:prstGeom>
+          <a:noFill/>
+        </p:spPr>
+        <p:txBody>
+          <a:bodyPr wrap="square">
+            <a:spAutoFit/>
+          </a:bodyPr>
+          <a:lstStyle/>
+          <a:p>
+            <a:r>
+              <a:rPr lang="zh-TW" altLang="en-US" dirty="0">
+                <a:latin typeface="Consolas" panose="020B0609020204030204" pitchFamily="49" charset="0"/>
+                <a:cs typeface="Consolas" panose="020B0609020204030204" pitchFamily="49" charset="0"/>
+              </a:rPr>
+              <a:t>Response</a:t>
+            </a:r>
+          </a:p>
+        </p:txBody>
+      </p:sp>
+      <p:cxnSp>
+        <p:nvCxnSpPr>
+          <p:cNvPr id="13" name="曲線接點 12">
+            <a:extLst>
+              <a:ext uri="{FF2B5EF4-FFF2-40B4-BE49-F238E27FC236}">
+                <a16:creationId xmlns:a16="http://schemas.microsoft.com/office/drawing/2014/main" id="{8DCFF927-987C-5A87-1314-D6B75F65FFB9}"/>
+              </a:ext>
+            </a:extLst>
+          </p:cNvPr>
+          <p:cNvCxnSpPr>
+            <a:cxnSpLocks/>
+            <a:stCxn id="14" idx="3"/>
+            <a:endCxn id="5" idx="1"/>
+          </p:cNvCxnSpPr>
+          <p:nvPr/>
+        </p:nvCxnSpPr>
+        <p:spPr>
+          <a:xfrm flipV="1">
+            <a:off x="5585988" y="2701012"/>
+            <a:ext cx="1805772" cy="2410345"/>
+          </a:xfrm>
+          <a:prstGeom prst="curvedConnector3">
+            <a:avLst>
+              <a:gd name="adj1" fmla="val 50000"/>
+            </a:avLst>
+          </a:prstGeom>
+          <a:ln>
+            <a:solidFill>
+              <a:schemeClr val="tx1"/>
+            </a:solidFill>
+            <a:tailEnd type="triangle"/>
+          </a:ln>
+        </p:spPr>
+        <p:style>
+          <a:lnRef idx="1">
+            <a:schemeClr val="accent1"/>
+          </a:lnRef>
+          <a:fillRef idx="0">
+            <a:schemeClr val="accent1"/>
+          </a:fillRef>
+          <a:effectRef idx="0">
+            <a:schemeClr val="accent1"/>
+          </a:effectRef>
+          <a:fontRef idx="minor">
+            <a:schemeClr val="tx1"/>
+          </a:fontRef>
+        </p:style>
+      </p:cxnSp>
+    </p:spTree>
+    <p:extLst>
+      <p:ext uri="{BB962C8B-B14F-4D97-AF65-F5344CB8AC3E}">
+        <p14:creationId xmlns:p14="http://schemas.microsoft.com/office/powerpoint/2010/main" val="3938324188"/>
+      </p:ext>
+    </p:extLst>
+  </p:cSld>
+  <p:clrMapOvr>
+    <a:masterClrMapping/>
+  </p:clrMapOvr>
+</p:sld>
+</file>
+
+<file path=ppt/slides/slide4.xml><?xml version="1.0" encoding="utf-8"?>
+<p:sld xmlns:a="http://schemas.openxmlformats.org/drawingml/2006/main" xmlns:r="http://schemas.openxmlformats.org/officeDocument/2006/relationships" xmlns:p="http://schemas.openxmlformats.org/presentationml/2006/main">
+  <p:cSld>
+    <p:spTree>
+      <p:nvGrpSpPr>
+        <p:cNvPr id="1" name=""/>
+        <p:cNvGrpSpPr/>
+        <p:nvPr/>
+      </p:nvGrpSpPr>
+      <p:grpSpPr>
+        <a:xfrm>
+          <a:off x="0" y="0"/>
+          <a:ext cx="0" cy="0"/>
+          <a:chOff x="0" y="0"/>
+          <a:chExt cx="0" cy="0"/>
+        </a:xfrm>
+      </p:grpSpPr>
+      <p:sp>
+        <p:nvSpPr>
+          <p:cNvPr id="2" name="標題 1">
+            <a:extLst>
+              <a:ext uri="{FF2B5EF4-FFF2-40B4-BE49-F238E27FC236}">
+                <a16:creationId xmlns:a16="http://schemas.microsoft.com/office/drawing/2014/main" id="{EB1D8D0D-B3FA-5748-AE27-3DF74D52EF4C}"/>
+              </a:ext>
+            </a:extLst>
+          </p:cNvPr>
+          <p:cNvSpPr>
+            <a:spLocks noGrp="1"/>
+          </p:cNvSpPr>
+          <p:nvPr>
+            <p:ph type="title"/>
+          </p:nvPr>
+        </p:nvSpPr>
+        <p:spPr>
+          <a:xfrm>
+            <a:off x="762000" y="0"/>
+            <a:ext cx="10515600" cy="1325563"/>
+          </a:xfrm>
+        </p:spPr>
+        <p:txBody>
+          <a:bodyPr/>
+          <a:lstStyle/>
+          <a:p>
+            <a:r>
+              <a:rPr kumimoji="1" lang="zh-TW" altLang="en-US" dirty="0">
+                <a:latin typeface="Consolas" panose="020B0609020204030204" pitchFamily="49" charset="0"/>
+                <a:ea typeface="BiauKai" panose="02010601000101010101" pitchFamily="2" charset="-120"/>
+                <a:cs typeface="Consolas" panose="020B0609020204030204" pitchFamily="49" charset="0"/>
+              </a:rPr>
+              <a:t>新增發票工作檔</a:t>
+            </a:r>
+            <a:r>
+              <a:rPr kumimoji="1" lang="en-US" altLang="zh-TW" dirty="0">
+                <a:latin typeface="Consolas" panose="020B0609020204030204" pitchFamily="49" charset="0"/>
+                <a:ea typeface="BiauKai" panose="02010601000101010101" pitchFamily="2" charset="-120"/>
+                <a:cs typeface="Consolas" panose="020B0609020204030204" pitchFamily="49" charset="0"/>
+              </a:rPr>
+              <a:t>(1)</a:t>
+            </a:r>
+            <a:endParaRPr kumimoji="1" lang="zh-TW" altLang="en-US" dirty="0">
+              <a:latin typeface="Consolas" panose="020B0609020204030204" pitchFamily="49" charset="0"/>
+              <a:ea typeface="BiauKai" panose="02010601000101010101" pitchFamily="2" charset="-120"/>
+              <a:cs typeface="Consolas" panose="020B0609020204030204" pitchFamily="49" charset="0"/>
+            </a:endParaRPr>
           </a:p>
         </p:txBody>
       </p:sp>
@@ -6390,7 +7381,2554 @@
 </p:sld>
 </file>
 
-<file path=ppt/slides/slide3.xml><?xml version="1.0" encoding="utf-8"?>
+<file path=ppt/slides/slide5.xml><?xml version="1.0" encoding="utf-8"?>
+<p:sld xmlns:a="http://schemas.openxmlformats.org/drawingml/2006/main" xmlns:r="http://schemas.openxmlformats.org/officeDocument/2006/relationships" xmlns:p="http://schemas.openxmlformats.org/presentationml/2006/main">
+  <p:cSld>
+    <p:spTree>
+      <p:nvGrpSpPr>
+        <p:cNvPr id="1" name=""/>
+        <p:cNvGrpSpPr/>
+        <p:nvPr/>
+      </p:nvGrpSpPr>
+      <p:grpSpPr>
+        <a:xfrm>
+          <a:off x="0" y="0"/>
+          <a:ext cx="0" cy="0"/>
+          <a:chOff x="0" y="0"/>
+          <a:chExt cx="0" cy="0"/>
+        </a:xfrm>
+      </p:grpSpPr>
+      <p:sp>
+        <p:nvSpPr>
+          <p:cNvPr id="2" name="標題 1">
+            <a:extLst>
+              <a:ext uri="{FF2B5EF4-FFF2-40B4-BE49-F238E27FC236}">
+                <a16:creationId xmlns:a16="http://schemas.microsoft.com/office/drawing/2014/main" id="{EB1D8D0D-B3FA-5748-AE27-3DF74D52EF4C}"/>
+              </a:ext>
+            </a:extLst>
+          </p:cNvPr>
+          <p:cNvSpPr>
+            <a:spLocks noGrp="1"/>
+          </p:cNvSpPr>
+          <p:nvPr>
+            <p:ph type="title"/>
+          </p:nvPr>
+        </p:nvSpPr>
+        <p:spPr>
+          <a:xfrm>
+            <a:off x="762000" y="0"/>
+            <a:ext cx="10515600" cy="1325563"/>
+          </a:xfrm>
+        </p:spPr>
+        <p:txBody>
+          <a:bodyPr/>
+          <a:lstStyle/>
+          <a:p>
+            <a:r>
+              <a:rPr kumimoji="1" lang="zh-TW" altLang="en-US" dirty="0">
+                <a:latin typeface="Consolas" panose="020B0609020204030204" pitchFamily="49" charset="0"/>
+                <a:ea typeface="BiauKai" panose="02010601000101010101" pitchFamily="2" charset="-120"/>
+                <a:cs typeface="Consolas" panose="020B0609020204030204" pitchFamily="49" charset="0"/>
+              </a:rPr>
+              <a:t>新增發票工作檔</a:t>
+            </a:r>
+            <a:r>
+              <a:rPr kumimoji="1" lang="en-US" altLang="zh-TW" dirty="0">
+                <a:latin typeface="Consolas" panose="020B0609020204030204" pitchFamily="49" charset="0"/>
+                <a:ea typeface="BiauKai" panose="02010601000101010101" pitchFamily="2" charset="-120"/>
+                <a:cs typeface="Consolas" panose="020B0609020204030204" pitchFamily="49" charset="0"/>
+              </a:rPr>
+              <a:t>(2)</a:t>
+            </a:r>
+            <a:endParaRPr kumimoji="1" lang="zh-TW" altLang="en-US" dirty="0">
+              <a:latin typeface="Consolas" panose="020B0609020204030204" pitchFamily="49" charset="0"/>
+              <a:ea typeface="BiauKai" panose="02010601000101010101" pitchFamily="2" charset="-120"/>
+              <a:cs typeface="Consolas" panose="020B0609020204030204" pitchFamily="49" charset="0"/>
+            </a:endParaRPr>
+          </a:p>
+        </p:txBody>
+      </p:sp>
+      <p:sp>
+        <p:nvSpPr>
+          <p:cNvPr id="8" name="文字方塊 7">
+            <a:extLst>
+              <a:ext uri="{FF2B5EF4-FFF2-40B4-BE49-F238E27FC236}">
+                <a16:creationId xmlns:a16="http://schemas.microsoft.com/office/drawing/2014/main" id="{A108240F-EC64-693E-168C-841C7AB9C825}"/>
+              </a:ext>
+            </a:extLst>
+          </p:cNvPr>
+          <p:cNvSpPr txBox="1"/>
+          <p:nvPr/>
+        </p:nvSpPr>
+        <p:spPr>
+          <a:xfrm>
+            <a:off x="6774342" y="882775"/>
+            <a:ext cx="4955016" cy="5455340"/>
+          </a:xfrm>
+          <a:prstGeom prst="rect">
+            <a:avLst/>
+          </a:prstGeom>
+          <a:solidFill>
+            <a:schemeClr val="tx2"/>
+          </a:solidFill>
+        </p:spPr>
+        <p:txBody>
+          <a:bodyPr wrap="square">
+            <a:spAutoFit/>
+          </a:bodyPr>
+          <a:lstStyle/>
+          <a:p>
+            <a:r>
+              <a:rPr lang="en" altLang="zh-TW" sz="850" dirty="0">
+                <a:solidFill>
+                  <a:srgbClr val="D4D4D4"/>
+                </a:solidFill>
+                <a:effectLst/>
+                <a:latin typeface="Consolas" panose="020B0609020204030204" pitchFamily="49" charset="0"/>
+                <a:cs typeface="Consolas" panose="020B0609020204030204" pitchFamily="49" charset="0"/>
+              </a:rPr>
+              <a:t>{</a:t>
+            </a:r>
+            <a:br>
+              <a:rPr lang="en" altLang="zh-TW" sz="850" dirty="0">
+                <a:solidFill>
+                  <a:srgbClr val="D4D4D4"/>
+                </a:solidFill>
+                <a:effectLst/>
+                <a:latin typeface="Consolas" panose="020B0609020204030204" pitchFamily="49" charset="0"/>
+                <a:cs typeface="Consolas" panose="020B0609020204030204" pitchFamily="49" charset="0"/>
+              </a:rPr>
+            </a:br>
+            <a:r>
+              <a:rPr lang="en" altLang="zh-TW" sz="850" dirty="0">
+                <a:solidFill>
+                  <a:srgbClr val="D4D4D4"/>
+                </a:solidFill>
+                <a:effectLst/>
+                <a:latin typeface="Consolas" panose="020B0609020204030204" pitchFamily="49" charset="0"/>
+                <a:cs typeface="Consolas" panose="020B0609020204030204" pitchFamily="49" charset="0"/>
+              </a:rPr>
+              <a:t>  </a:t>
+            </a:r>
+            <a:r>
+              <a:rPr lang="en" altLang="zh-TW" sz="850" dirty="0">
+                <a:solidFill>
+                  <a:srgbClr val="D7BA7D"/>
+                </a:solidFill>
+                <a:effectLst/>
+                <a:latin typeface="Consolas" panose="020B0609020204030204" pitchFamily="49" charset="0"/>
+                <a:cs typeface="Consolas" panose="020B0609020204030204" pitchFamily="49" charset="0"/>
+              </a:rPr>
+              <a:t>"InvoiceWKMaster"</a:t>
+            </a:r>
+            <a:r>
+              <a:rPr lang="en" altLang="zh-TW" sz="850" dirty="0">
+                <a:solidFill>
+                  <a:srgbClr val="D4D4D4"/>
+                </a:solidFill>
+                <a:effectLst/>
+                <a:latin typeface="Consolas" panose="020B0609020204030204" pitchFamily="49" charset="0"/>
+                <a:cs typeface="Consolas" panose="020B0609020204030204" pitchFamily="49" charset="0"/>
+              </a:rPr>
+              <a:t>: {</a:t>
+            </a:r>
+            <a:br>
+              <a:rPr lang="en" altLang="zh-TW" sz="850" dirty="0">
+                <a:solidFill>
+                  <a:srgbClr val="D4D4D4"/>
+                </a:solidFill>
+                <a:effectLst/>
+                <a:latin typeface="Consolas" panose="020B0609020204030204" pitchFamily="49" charset="0"/>
+                <a:cs typeface="Consolas" panose="020B0609020204030204" pitchFamily="49" charset="0"/>
+              </a:rPr>
+            </a:br>
+            <a:r>
+              <a:rPr lang="en" altLang="zh-TW" sz="850" dirty="0">
+                <a:solidFill>
+                  <a:srgbClr val="D4D4D4"/>
+                </a:solidFill>
+                <a:effectLst/>
+                <a:latin typeface="Consolas" panose="020B0609020204030204" pitchFamily="49" charset="0"/>
+                <a:cs typeface="Consolas" panose="020B0609020204030204" pitchFamily="49" charset="0"/>
+              </a:rPr>
+              <a:t>    </a:t>
+            </a:r>
+            <a:r>
+              <a:rPr lang="en" altLang="zh-TW" sz="850" dirty="0">
+                <a:solidFill>
+                  <a:srgbClr val="D7BA7D"/>
+                </a:solidFill>
+                <a:effectLst/>
+                <a:latin typeface="Consolas" panose="020B0609020204030204" pitchFamily="49" charset="0"/>
+                <a:cs typeface="Consolas" panose="020B0609020204030204" pitchFamily="49" charset="0"/>
+              </a:rPr>
+              <a:t>"InvoiceNo"</a:t>
+            </a:r>
+            <a:r>
+              <a:rPr lang="en" altLang="zh-TW" sz="850" dirty="0">
+                <a:solidFill>
+                  <a:srgbClr val="D4D4D4"/>
+                </a:solidFill>
+                <a:effectLst/>
+                <a:latin typeface="Consolas" panose="020B0609020204030204" pitchFamily="49" charset="0"/>
+                <a:cs typeface="Consolas" panose="020B0609020204030204" pitchFamily="49" charset="0"/>
+              </a:rPr>
+              <a:t>: </a:t>
+            </a:r>
+            <a:r>
+              <a:rPr lang="en" altLang="zh-TW" sz="850" dirty="0">
+                <a:solidFill>
+                  <a:srgbClr val="D69D85"/>
+                </a:solidFill>
+                <a:effectLst/>
+                <a:latin typeface="Consolas" panose="020B0609020204030204" pitchFamily="49" charset="0"/>
+                <a:cs typeface="Consolas" panose="020B0609020204030204" pitchFamily="49" charset="0"/>
+              </a:rPr>
+              <a:t>"DT0170168-1"</a:t>
+            </a:r>
+            <a:r>
+              <a:rPr lang="en" altLang="zh-TW" sz="850" dirty="0">
+                <a:solidFill>
+                  <a:srgbClr val="D4D4D4"/>
+                </a:solidFill>
+                <a:effectLst/>
+                <a:latin typeface="Consolas" panose="020B0609020204030204" pitchFamily="49" charset="0"/>
+                <a:cs typeface="Consolas" panose="020B0609020204030204" pitchFamily="49" charset="0"/>
+              </a:rPr>
+              <a:t>,</a:t>
+            </a:r>
+            <a:br>
+              <a:rPr lang="en" altLang="zh-TW" sz="850" dirty="0">
+                <a:solidFill>
+                  <a:srgbClr val="D4D4D4"/>
+                </a:solidFill>
+                <a:effectLst/>
+                <a:latin typeface="Consolas" panose="020B0609020204030204" pitchFamily="49" charset="0"/>
+                <a:cs typeface="Consolas" panose="020B0609020204030204" pitchFamily="49" charset="0"/>
+              </a:rPr>
+            </a:br>
+            <a:r>
+              <a:rPr lang="en" altLang="zh-TW" sz="850" dirty="0">
+                <a:solidFill>
+                  <a:srgbClr val="D4D4D4"/>
+                </a:solidFill>
+                <a:effectLst/>
+                <a:latin typeface="Consolas" panose="020B0609020204030204" pitchFamily="49" charset="0"/>
+                <a:cs typeface="Consolas" panose="020B0609020204030204" pitchFamily="49" charset="0"/>
+              </a:rPr>
+              <a:t>    </a:t>
+            </a:r>
+            <a:r>
+              <a:rPr lang="en" altLang="zh-TW" sz="850" dirty="0">
+                <a:solidFill>
+                  <a:srgbClr val="D7BA7D"/>
+                </a:solidFill>
+                <a:effectLst/>
+                <a:latin typeface="Consolas" panose="020B0609020204030204" pitchFamily="49" charset="0"/>
+                <a:cs typeface="Consolas" panose="020B0609020204030204" pitchFamily="49" charset="0"/>
+              </a:rPr>
+              <a:t>"Description"</a:t>
+            </a:r>
+            <a:r>
+              <a:rPr lang="en" altLang="zh-TW" sz="850" dirty="0">
+                <a:solidFill>
+                  <a:srgbClr val="D4D4D4"/>
+                </a:solidFill>
+                <a:effectLst/>
+                <a:latin typeface="Consolas" panose="020B0609020204030204" pitchFamily="49" charset="0"/>
+                <a:cs typeface="Consolas" panose="020B0609020204030204" pitchFamily="49" charset="0"/>
+              </a:rPr>
+              <a:t>: </a:t>
+            </a:r>
+            <a:r>
+              <a:rPr lang="en" altLang="zh-TW" sz="850" dirty="0">
+                <a:solidFill>
+                  <a:srgbClr val="D69D85"/>
+                </a:solidFill>
+                <a:effectLst/>
+                <a:latin typeface="Consolas" panose="020B0609020204030204" pitchFamily="49" charset="0"/>
+                <a:cs typeface="Consolas" panose="020B0609020204030204" pitchFamily="49" charset="0"/>
+              </a:rPr>
+              <a:t>"COMMERCIAL INVOICE for SJC2</a:t>
+            </a:r>
+            <a:r>
+              <a:rPr lang="en-US" altLang="zh-TW" sz="850" dirty="0">
+                <a:solidFill>
+                  <a:srgbClr val="D69D85"/>
+                </a:solidFill>
+                <a:effectLst/>
+                <a:latin typeface="Consolas" panose="020B0609020204030204" pitchFamily="49" charset="0"/>
+                <a:cs typeface="Consolas" panose="020B0609020204030204" pitchFamily="49" charset="0"/>
+              </a:rPr>
+              <a:t>…</a:t>
+            </a:r>
+            <a:r>
+              <a:rPr lang="en" altLang="zh-TW" sz="850" dirty="0">
+                <a:solidFill>
+                  <a:srgbClr val="D69D85"/>
+                </a:solidFill>
+                <a:effectLst/>
+                <a:latin typeface="Consolas" panose="020B0609020204030204" pitchFamily="49" charset="0"/>
+                <a:cs typeface="Consolas" panose="020B0609020204030204" pitchFamily="49" charset="0"/>
+              </a:rPr>
+              <a:t>"</a:t>
+            </a:r>
+            <a:r>
+              <a:rPr lang="en" altLang="zh-TW" sz="850" dirty="0">
+                <a:solidFill>
+                  <a:srgbClr val="D4D4D4"/>
+                </a:solidFill>
+                <a:effectLst/>
+                <a:latin typeface="Consolas" panose="020B0609020204030204" pitchFamily="49" charset="0"/>
+                <a:cs typeface="Consolas" panose="020B0609020204030204" pitchFamily="49" charset="0"/>
+              </a:rPr>
+              <a:t>,</a:t>
+            </a:r>
+            <a:br>
+              <a:rPr lang="en" altLang="zh-TW" sz="850" dirty="0">
+                <a:solidFill>
+                  <a:srgbClr val="D4D4D4"/>
+                </a:solidFill>
+                <a:effectLst/>
+                <a:latin typeface="Consolas" panose="020B0609020204030204" pitchFamily="49" charset="0"/>
+                <a:cs typeface="Consolas" panose="020B0609020204030204" pitchFamily="49" charset="0"/>
+              </a:rPr>
+            </a:br>
+            <a:r>
+              <a:rPr lang="en" altLang="zh-TW" sz="850" dirty="0">
+                <a:solidFill>
+                  <a:srgbClr val="D4D4D4"/>
+                </a:solidFill>
+                <a:effectLst/>
+                <a:latin typeface="Consolas" panose="020B0609020204030204" pitchFamily="49" charset="0"/>
+                <a:cs typeface="Consolas" panose="020B0609020204030204" pitchFamily="49" charset="0"/>
+              </a:rPr>
+              <a:t>    </a:t>
+            </a:r>
+            <a:r>
+              <a:rPr lang="en" altLang="zh-TW" sz="850" dirty="0">
+                <a:solidFill>
+                  <a:srgbClr val="D7BA7D"/>
+                </a:solidFill>
+                <a:effectLst/>
+                <a:latin typeface="Consolas" panose="020B0609020204030204" pitchFamily="49" charset="0"/>
+                <a:cs typeface="Consolas" panose="020B0609020204030204" pitchFamily="49" charset="0"/>
+              </a:rPr>
+              <a:t>"SupplierName"</a:t>
+            </a:r>
+            <a:r>
+              <a:rPr lang="en" altLang="zh-TW" sz="850" dirty="0">
+                <a:solidFill>
+                  <a:srgbClr val="D4D4D4"/>
+                </a:solidFill>
+                <a:effectLst/>
+                <a:latin typeface="Consolas" panose="020B0609020204030204" pitchFamily="49" charset="0"/>
+                <a:cs typeface="Consolas" panose="020B0609020204030204" pitchFamily="49" charset="0"/>
+              </a:rPr>
+              <a:t>: </a:t>
+            </a:r>
+            <a:r>
+              <a:rPr lang="en" altLang="zh-TW" sz="850" dirty="0">
+                <a:solidFill>
+                  <a:srgbClr val="D69D85"/>
+                </a:solidFill>
+                <a:effectLst/>
+                <a:latin typeface="Consolas" panose="020B0609020204030204" pitchFamily="49" charset="0"/>
+                <a:cs typeface="Consolas" panose="020B0609020204030204" pitchFamily="49" charset="0"/>
+              </a:rPr>
+              <a:t>"NEC"</a:t>
+            </a:r>
+            <a:r>
+              <a:rPr lang="en" altLang="zh-TW" sz="850" dirty="0">
+                <a:solidFill>
+                  <a:srgbClr val="D4D4D4"/>
+                </a:solidFill>
+                <a:effectLst/>
+                <a:latin typeface="Consolas" panose="020B0609020204030204" pitchFamily="49" charset="0"/>
+                <a:cs typeface="Consolas" panose="020B0609020204030204" pitchFamily="49" charset="0"/>
+              </a:rPr>
+              <a:t>,</a:t>
+            </a:r>
+            <a:br>
+              <a:rPr lang="en" altLang="zh-TW" sz="850" dirty="0">
+                <a:solidFill>
+                  <a:srgbClr val="D4D4D4"/>
+                </a:solidFill>
+                <a:effectLst/>
+                <a:latin typeface="Consolas" panose="020B0609020204030204" pitchFamily="49" charset="0"/>
+                <a:cs typeface="Consolas" panose="020B0609020204030204" pitchFamily="49" charset="0"/>
+              </a:rPr>
+            </a:br>
+            <a:r>
+              <a:rPr lang="en" altLang="zh-TW" sz="850" dirty="0">
+                <a:solidFill>
+                  <a:srgbClr val="D4D4D4"/>
+                </a:solidFill>
+                <a:effectLst/>
+                <a:latin typeface="Consolas" panose="020B0609020204030204" pitchFamily="49" charset="0"/>
+                <a:cs typeface="Consolas" panose="020B0609020204030204" pitchFamily="49" charset="0"/>
+              </a:rPr>
+              <a:t>    </a:t>
+            </a:r>
+            <a:r>
+              <a:rPr lang="en" altLang="zh-TW" sz="850" dirty="0">
+                <a:solidFill>
+                  <a:srgbClr val="D7BA7D"/>
+                </a:solidFill>
+                <a:effectLst/>
+                <a:latin typeface="Consolas" panose="020B0609020204030204" pitchFamily="49" charset="0"/>
+                <a:cs typeface="Consolas" panose="020B0609020204030204" pitchFamily="49" charset="0"/>
+              </a:rPr>
+              <a:t>"SubmarineCable"</a:t>
+            </a:r>
+            <a:r>
+              <a:rPr lang="en" altLang="zh-TW" sz="850" dirty="0">
+                <a:solidFill>
+                  <a:srgbClr val="D4D4D4"/>
+                </a:solidFill>
+                <a:effectLst/>
+                <a:latin typeface="Consolas" panose="020B0609020204030204" pitchFamily="49" charset="0"/>
+                <a:cs typeface="Consolas" panose="020B0609020204030204" pitchFamily="49" charset="0"/>
+              </a:rPr>
+              <a:t>: </a:t>
+            </a:r>
+            <a:r>
+              <a:rPr lang="en" altLang="zh-TW" sz="850" dirty="0">
+                <a:solidFill>
+                  <a:srgbClr val="D69D85"/>
+                </a:solidFill>
+                <a:effectLst/>
+                <a:latin typeface="Consolas" panose="020B0609020204030204" pitchFamily="49" charset="0"/>
+                <a:cs typeface="Consolas" panose="020B0609020204030204" pitchFamily="49" charset="0"/>
+              </a:rPr>
+              <a:t>"SJC2"</a:t>
+            </a:r>
+            <a:r>
+              <a:rPr lang="en" altLang="zh-TW" sz="850" dirty="0">
+                <a:solidFill>
+                  <a:srgbClr val="D4D4D4"/>
+                </a:solidFill>
+                <a:effectLst/>
+                <a:latin typeface="Consolas" panose="020B0609020204030204" pitchFamily="49" charset="0"/>
+                <a:cs typeface="Consolas" panose="020B0609020204030204" pitchFamily="49" charset="0"/>
+              </a:rPr>
+              <a:t>,</a:t>
+            </a:r>
+            <a:br>
+              <a:rPr lang="en" altLang="zh-TW" sz="850" dirty="0">
+                <a:solidFill>
+                  <a:srgbClr val="D4D4D4"/>
+                </a:solidFill>
+                <a:effectLst/>
+                <a:latin typeface="Consolas" panose="020B0609020204030204" pitchFamily="49" charset="0"/>
+                <a:cs typeface="Consolas" panose="020B0609020204030204" pitchFamily="49" charset="0"/>
+              </a:rPr>
+            </a:br>
+            <a:r>
+              <a:rPr lang="en" altLang="zh-TW" sz="850" dirty="0">
+                <a:solidFill>
+                  <a:srgbClr val="D4D4D4"/>
+                </a:solidFill>
+                <a:effectLst/>
+                <a:latin typeface="Consolas" panose="020B0609020204030204" pitchFamily="49" charset="0"/>
+                <a:cs typeface="Consolas" panose="020B0609020204030204" pitchFamily="49" charset="0"/>
+              </a:rPr>
+              <a:t>    </a:t>
+            </a:r>
+            <a:r>
+              <a:rPr lang="en" altLang="zh-TW" sz="850" dirty="0">
+                <a:solidFill>
+                  <a:srgbClr val="D7BA7D"/>
+                </a:solidFill>
+                <a:effectLst/>
+                <a:latin typeface="Consolas" panose="020B0609020204030204" pitchFamily="49" charset="0"/>
+                <a:cs typeface="Consolas" panose="020B0609020204030204" pitchFamily="49" charset="0"/>
+              </a:rPr>
+              <a:t>"WorkTitle"</a:t>
+            </a:r>
+            <a:r>
+              <a:rPr lang="en" altLang="zh-TW" sz="850" dirty="0">
+                <a:solidFill>
+                  <a:srgbClr val="D4D4D4"/>
+                </a:solidFill>
+                <a:effectLst/>
+                <a:latin typeface="Consolas" panose="020B0609020204030204" pitchFamily="49" charset="0"/>
+                <a:cs typeface="Consolas" panose="020B0609020204030204" pitchFamily="49" charset="0"/>
+              </a:rPr>
+              <a:t>: </a:t>
+            </a:r>
+            <a:r>
+              <a:rPr lang="en" altLang="zh-TW" sz="850" dirty="0">
+                <a:solidFill>
+                  <a:srgbClr val="D69D85"/>
+                </a:solidFill>
+                <a:effectLst/>
+                <a:latin typeface="Consolas" panose="020B0609020204030204" pitchFamily="49" charset="0"/>
+                <a:cs typeface="Consolas" panose="020B0609020204030204" pitchFamily="49" charset="0"/>
+              </a:rPr>
+              <a:t>"Construction"</a:t>
+            </a:r>
+            <a:r>
+              <a:rPr lang="en" altLang="zh-TW" sz="850" dirty="0">
+                <a:solidFill>
+                  <a:srgbClr val="D4D4D4"/>
+                </a:solidFill>
+                <a:effectLst/>
+                <a:latin typeface="Consolas" panose="020B0609020204030204" pitchFamily="49" charset="0"/>
+                <a:cs typeface="Consolas" panose="020B0609020204030204" pitchFamily="49" charset="0"/>
+              </a:rPr>
+              <a:t>,</a:t>
+            </a:r>
+            <a:br>
+              <a:rPr lang="en" altLang="zh-TW" sz="850" dirty="0">
+                <a:solidFill>
+                  <a:srgbClr val="D4D4D4"/>
+                </a:solidFill>
+                <a:effectLst/>
+                <a:latin typeface="Consolas" panose="020B0609020204030204" pitchFamily="49" charset="0"/>
+                <a:cs typeface="Consolas" panose="020B0609020204030204" pitchFamily="49" charset="0"/>
+              </a:rPr>
+            </a:br>
+            <a:r>
+              <a:rPr lang="en" altLang="zh-TW" sz="850" dirty="0">
+                <a:solidFill>
+                  <a:srgbClr val="D4D4D4"/>
+                </a:solidFill>
+                <a:effectLst/>
+                <a:latin typeface="Consolas" panose="020B0609020204030204" pitchFamily="49" charset="0"/>
+                <a:cs typeface="Consolas" panose="020B0609020204030204" pitchFamily="49" charset="0"/>
+              </a:rPr>
+              <a:t>    </a:t>
+            </a:r>
+            <a:r>
+              <a:rPr lang="en" altLang="zh-TW" sz="850" dirty="0">
+                <a:solidFill>
+                  <a:srgbClr val="D7BA7D"/>
+                </a:solidFill>
+                <a:effectLst/>
+                <a:latin typeface="Consolas" panose="020B0609020204030204" pitchFamily="49" charset="0"/>
+                <a:cs typeface="Consolas" panose="020B0609020204030204" pitchFamily="49" charset="0"/>
+              </a:rPr>
+              <a:t>"ContractType"</a:t>
+            </a:r>
+            <a:r>
+              <a:rPr lang="en" altLang="zh-TW" sz="850" dirty="0">
+                <a:solidFill>
+                  <a:srgbClr val="D4D4D4"/>
+                </a:solidFill>
+                <a:effectLst/>
+                <a:latin typeface="Consolas" panose="020B0609020204030204" pitchFamily="49" charset="0"/>
+                <a:cs typeface="Consolas" panose="020B0609020204030204" pitchFamily="49" charset="0"/>
+              </a:rPr>
+              <a:t>: </a:t>
+            </a:r>
+            <a:r>
+              <a:rPr lang="en" altLang="zh-TW" sz="850" dirty="0">
+                <a:solidFill>
+                  <a:srgbClr val="D69D85"/>
+                </a:solidFill>
+                <a:effectLst/>
+                <a:latin typeface="Consolas" panose="020B0609020204030204" pitchFamily="49" charset="0"/>
+                <a:cs typeface="Consolas" panose="020B0609020204030204" pitchFamily="49" charset="0"/>
+              </a:rPr>
+              <a:t>"SC"</a:t>
+            </a:r>
+            <a:r>
+              <a:rPr lang="en" altLang="zh-TW" sz="850" dirty="0">
+                <a:solidFill>
+                  <a:srgbClr val="D4D4D4"/>
+                </a:solidFill>
+                <a:effectLst/>
+                <a:latin typeface="Consolas" panose="020B0609020204030204" pitchFamily="49" charset="0"/>
+                <a:cs typeface="Consolas" panose="020B0609020204030204" pitchFamily="49" charset="0"/>
+              </a:rPr>
+              <a:t>,</a:t>
+            </a:r>
+            <a:br>
+              <a:rPr lang="en" altLang="zh-TW" sz="850" dirty="0">
+                <a:solidFill>
+                  <a:srgbClr val="D4D4D4"/>
+                </a:solidFill>
+                <a:effectLst/>
+                <a:latin typeface="Consolas" panose="020B0609020204030204" pitchFamily="49" charset="0"/>
+                <a:cs typeface="Consolas" panose="020B0609020204030204" pitchFamily="49" charset="0"/>
+              </a:rPr>
+            </a:br>
+            <a:r>
+              <a:rPr lang="en" altLang="zh-TW" sz="850" dirty="0">
+                <a:solidFill>
+                  <a:srgbClr val="D4D4D4"/>
+                </a:solidFill>
+                <a:effectLst/>
+                <a:latin typeface="Consolas" panose="020B0609020204030204" pitchFamily="49" charset="0"/>
+                <a:cs typeface="Consolas" panose="020B0609020204030204" pitchFamily="49" charset="0"/>
+              </a:rPr>
+              <a:t>    </a:t>
+            </a:r>
+            <a:r>
+              <a:rPr lang="en" altLang="zh-TW" sz="850" dirty="0">
+                <a:solidFill>
+                  <a:srgbClr val="D7BA7D"/>
+                </a:solidFill>
+                <a:effectLst/>
+                <a:latin typeface="Consolas" panose="020B0609020204030204" pitchFamily="49" charset="0"/>
+                <a:cs typeface="Consolas" panose="020B0609020204030204" pitchFamily="49" charset="0"/>
+              </a:rPr>
+              <a:t>"IssueDate"</a:t>
+            </a:r>
+            <a:r>
+              <a:rPr lang="en" altLang="zh-TW" sz="850" dirty="0">
+                <a:solidFill>
+                  <a:srgbClr val="D4D4D4"/>
+                </a:solidFill>
+                <a:effectLst/>
+                <a:latin typeface="Consolas" panose="020B0609020204030204" pitchFamily="49" charset="0"/>
+                <a:cs typeface="Consolas" panose="020B0609020204030204" pitchFamily="49" charset="0"/>
+              </a:rPr>
+              <a:t>: </a:t>
+            </a:r>
+            <a:r>
+              <a:rPr lang="en" altLang="zh-TW" sz="850" dirty="0">
+                <a:solidFill>
+                  <a:srgbClr val="D69D85"/>
+                </a:solidFill>
+                <a:effectLst/>
+                <a:latin typeface="Consolas" panose="020B0609020204030204" pitchFamily="49" charset="0"/>
+                <a:cs typeface="Consolas" panose="020B0609020204030204" pitchFamily="49" charset="0"/>
+              </a:rPr>
+              <a:t>"2022-09-09 00:00:00"</a:t>
+            </a:r>
+            <a:r>
+              <a:rPr lang="en" altLang="zh-TW" sz="850" dirty="0">
+                <a:solidFill>
+                  <a:srgbClr val="D4D4D4"/>
+                </a:solidFill>
+                <a:effectLst/>
+                <a:latin typeface="Consolas" panose="020B0609020204030204" pitchFamily="49" charset="0"/>
+                <a:cs typeface="Consolas" panose="020B0609020204030204" pitchFamily="49" charset="0"/>
+              </a:rPr>
+              <a:t>,</a:t>
+            </a:r>
+            <a:br>
+              <a:rPr lang="en" altLang="zh-TW" sz="850" dirty="0">
+                <a:solidFill>
+                  <a:srgbClr val="D4D4D4"/>
+                </a:solidFill>
+                <a:effectLst/>
+                <a:latin typeface="Consolas" panose="020B0609020204030204" pitchFamily="49" charset="0"/>
+                <a:cs typeface="Consolas" panose="020B0609020204030204" pitchFamily="49" charset="0"/>
+              </a:rPr>
+            </a:br>
+            <a:r>
+              <a:rPr lang="en" altLang="zh-TW" sz="850" dirty="0">
+                <a:solidFill>
+                  <a:srgbClr val="D4D4D4"/>
+                </a:solidFill>
+                <a:effectLst/>
+                <a:latin typeface="Consolas" panose="020B0609020204030204" pitchFamily="49" charset="0"/>
+                <a:cs typeface="Consolas" panose="020B0609020204030204" pitchFamily="49" charset="0"/>
+              </a:rPr>
+              <a:t>    </a:t>
+            </a:r>
+            <a:r>
+              <a:rPr lang="en" altLang="zh-TW" sz="850" dirty="0">
+                <a:solidFill>
+                  <a:srgbClr val="D7BA7D"/>
+                </a:solidFill>
+                <a:effectLst/>
+                <a:latin typeface="Consolas" panose="020B0609020204030204" pitchFamily="49" charset="0"/>
+                <a:cs typeface="Consolas" panose="020B0609020204030204" pitchFamily="49" charset="0"/>
+              </a:rPr>
+              <a:t>"DueDate"</a:t>
+            </a:r>
+            <a:r>
+              <a:rPr lang="en" altLang="zh-TW" sz="850" dirty="0">
+                <a:solidFill>
+                  <a:srgbClr val="D4D4D4"/>
+                </a:solidFill>
+                <a:effectLst/>
+                <a:latin typeface="Consolas" panose="020B0609020204030204" pitchFamily="49" charset="0"/>
+                <a:cs typeface="Consolas" panose="020B0609020204030204" pitchFamily="49" charset="0"/>
+              </a:rPr>
+              <a:t>: </a:t>
+            </a:r>
+            <a:r>
+              <a:rPr lang="en" altLang="zh-TW" sz="850" dirty="0">
+                <a:solidFill>
+                  <a:srgbClr val="D69D85"/>
+                </a:solidFill>
+                <a:effectLst/>
+                <a:latin typeface="Consolas" panose="020B0609020204030204" pitchFamily="49" charset="0"/>
+                <a:cs typeface="Consolas" panose="020B0609020204030204" pitchFamily="49" charset="0"/>
+              </a:rPr>
+              <a:t>"2022-11-08 00:00:00"</a:t>
+            </a:r>
+            <a:r>
+              <a:rPr lang="en" altLang="zh-TW" sz="850" dirty="0">
+                <a:solidFill>
+                  <a:srgbClr val="D4D4D4"/>
+                </a:solidFill>
+                <a:effectLst/>
+                <a:latin typeface="Consolas" panose="020B0609020204030204" pitchFamily="49" charset="0"/>
+                <a:cs typeface="Consolas" panose="020B0609020204030204" pitchFamily="49" charset="0"/>
+              </a:rPr>
+              <a:t>,</a:t>
+            </a:r>
+            <a:br>
+              <a:rPr lang="en" altLang="zh-TW" sz="850" dirty="0">
+                <a:solidFill>
+                  <a:srgbClr val="D4D4D4"/>
+                </a:solidFill>
+                <a:effectLst/>
+                <a:latin typeface="Consolas" panose="020B0609020204030204" pitchFamily="49" charset="0"/>
+                <a:cs typeface="Consolas" panose="020B0609020204030204" pitchFamily="49" charset="0"/>
+              </a:rPr>
+            </a:br>
+            <a:r>
+              <a:rPr lang="en" altLang="zh-TW" sz="850" dirty="0">
+                <a:solidFill>
+                  <a:srgbClr val="D4D4D4"/>
+                </a:solidFill>
+                <a:effectLst/>
+                <a:latin typeface="Consolas" panose="020B0609020204030204" pitchFamily="49" charset="0"/>
+                <a:cs typeface="Consolas" panose="020B0609020204030204" pitchFamily="49" charset="0"/>
+              </a:rPr>
+              <a:t>    </a:t>
+            </a:r>
+            <a:r>
+              <a:rPr lang="en" altLang="zh-TW" sz="850" dirty="0">
+                <a:solidFill>
+                  <a:srgbClr val="D7BA7D"/>
+                </a:solidFill>
+                <a:effectLst/>
+                <a:latin typeface="Consolas" panose="020B0609020204030204" pitchFamily="49" charset="0"/>
+                <a:cs typeface="Consolas" panose="020B0609020204030204" pitchFamily="49" charset="0"/>
+              </a:rPr>
+              <a:t>"PartyName"</a:t>
+            </a:r>
+            <a:r>
+              <a:rPr lang="en" altLang="zh-TW" sz="850" dirty="0">
+                <a:solidFill>
+                  <a:srgbClr val="D4D4D4"/>
+                </a:solidFill>
+                <a:effectLst/>
+                <a:latin typeface="Consolas" panose="020B0609020204030204" pitchFamily="49" charset="0"/>
+                <a:cs typeface="Consolas" panose="020B0609020204030204" pitchFamily="49" charset="0"/>
+              </a:rPr>
+              <a:t>: </a:t>
+            </a:r>
+            <a:r>
+              <a:rPr lang="en" altLang="zh-TW" sz="850" dirty="0">
+                <a:solidFill>
+                  <a:srgbClr val="D69D85"/>
+                </a:solidFill>
+                <a:effectLst/>
+                <a:latin typeface="Consolas" panose="020B0609020204030204" pitchFamily="49" charset="0"/>
+                <a:cs typeface="Consolas" panose="020B0609020204030204" pitchFamily="49" charset="0"/>
+              </a:rPr>
+              <a:t>"CHT"</a:t>
+            </a:r>
+            <a:r>
+              <a:rPr lang="en" altLang="zh-TW" sz="850" dirty="0">
+                <a:solidFill>
+                  <a:srgbClr val="D4D4D4"/>
+                </a:solidFill>
+                <a:effectLst/>
+                <a:latin typeface="Consolas" panose="020B0609020204030204" pitchFamily="49" charset="0"/>
+                <a:cs typeface="Consolas" panose="020B0609020204030204" pitchFamily="49" charset="0"/>
+              </a:rPr>
+              <a:t>,</a:t>
+            </a:r>
+            <a:br>
+              <a:rPr lang="en" altLang="zh-TW" sz="850" dirty="0">
+                <a:solidFill>
+                  <a:srgbClr val="D4D4D4"/>
+                </a:solidFill>
+                <a:effectLst/>
+                <a:latin typeface="Consolas" panose="020B0609020204030204" pitchFamily="49" charset="0"/>
+                <a:cs typeface="Consolas" panose="020B0609020204030204" pitchFamily="49" charset="0"/>
+              </a:rPr>
+            </a:br>
+            <a:r>
+              <a:rPr lang="en" altLang="zh-TW" sz="850" dirty="0">
+                <a:solidFill>
+                  <a:srgbClr val="D4D4D4"/>
+                </a:solidFill>
+                <a:effectLst/>
+                <a:latin typeface="Consolas" panose="020B0609020204030204" pitchFamily="49" charset="0"/>
+                <a:cs typeface="Consolas" panose="020B0609020204030204" pitchFamily="49" charset="0"/>
+              </a:rPr>
+              <a:t>    </a:t>
+            </a:r>
+            <a:r>
+              <a:rPr lang="en" altLang="zh-TW" sz="850" dirty="0">
+                <a:solidFill>
+                  <a:srgbClr val="D7BA7D"/>
+                </a:solidFill>
+                <a:effectLst/>
+                <a:latin typeface="Consolas" panose="020B0609020204030204" pitchFamily="49" charset="0"/>
+                <a:cs typeface="Consolas" panose="020B0609020204030204" pitchFamily="49" charset="0"/>
+              </a:rPr>
+              <a:t>"Status"</a:t>
+            </a:r>
+            <a:r>
+              <a:rPr lang="en" altLang="zh-TW" sz="850" dirty="0">
+                <a:solidFill>
+                  <a:srgbClr val="D4D4D4"/>
+                </a:solidFill>
+                <a:effectLst/>
+                <a:latin typeface="Consolas" panose="020B0609020204030204" pitchFamily="49" charset="0"/>
+                <a:cs typeface="Consolas" panose="020B0609020204030204" pitchFamily="49" charset="0"/>
+              </a:rPr>
+              <a:t>: </a:t>
+            </a:r>
+            <a:r>
+              <a:rPr lang="en" altLang="zh-TW" sz="850" dirty="0">
+                <a:solidFill>
+                  <a:srgbClr val="D69D85"/>
+                </a:solidFill>
+                <a:effectLst/>
+                <a:latin typeface="Consolas" panose="020B0609020204030204" pitchFamily="49" charset="0"/>
+                <a:cs typeface="Consolas" panose="020B0609020204030204" pitchFamily="49" charset="0"/>
+              </a:rPr>
+              <a:t>”TEMPORARY"</a:t>
+            </a:r>
+            <a:r>
+              <a:rPr lang="en" altLang="zh-TW" sz="850" dirty="0">
+                <a:solidFill>
+                  <a:srgbClr val="D4D4D4"/>
+                </a:solidFill>
+                <a:effectLst/>
+                <a:latin typeface="Consolas" panose="020B0609020204030204" pitchFamily="49" charset="0"/>
+                <a:cs typeface="Consolas" panose="020B0609020204030204" pitchFamily="49" charset="0"/>
+              </a:rPr>
+              <a:t>,</a:t>
+            </a:r>
+            <a:br>
+              <a:rPr lang="en" altLang="zh-TW" sz="850" dirty="0">
+                <a:solidFill>
+                  <a:srgbClr val="D4D4D4"/>
+                </a:solidFill>
+                <a:effectLst/>
+                <a:latin typeface="Consolas" panose="020B0609020204030204" pitchFamily="49" charset="0"/>
+                <a:cs typeface="Consolas" panose="020B0609020204030204" pitchFamily="49" charset="0"/>
+              </a:rPr>
+            </a:br>
+            <a:r>
+              <a:rPr lang="en" altLang="zh-TW" sz="850" dirty="0">
+                <a:solidFill>
+                  <a:srgbClr val="D4D4D4"/>
+                </a:solidFill>
+                <a:effectLst/>
+                <a:latin typeface="Consolas" panose="020B0609020204030204" pitchFamily="49" charset="0"/>
+                <a:cs typeface="Consolas" panose="020B0609020204030204" pitchFamily="49" charset="0"/>
+              </a:rPr>
+              <a:t>    </a:t>
+            </a:r>
+            <a:r>
+              <a:rPr lang="en" altLang="zh-TW" sz="850" dirty="0">
+                <a:solidFill>
+                  <a:srgbClr val="D7BA7D"/>
+                </a:solidFill>
+                <a:effectLst/>
+                <a:latin typeface="Consolas" panose="020B0609020204030204" pitchFamily="49" charset="0"/>
+                <a:cs typeface="Consolas" panose="020B0609020204030204" pitchFamily="49" charset="0"/>
+              </a:rPr>
+              <a:t>"IsPro"</a:t>
+            </a:r>
+            <a:r>
+              <a:rPr lang="en" altLang="zh-TW" sz="850" dirty="0">
+                <a:solidFill>
+                  <a:srgbClr val="D4D4D4"/>
+                </a:solidFill>
+                <a:effectLst/>
+                <a:latin typeface="Consolas" panose="020B0609020204030204" pitchFamily="49" charset="0"/>
+                <a:cs typeface="Consolas" panose="020B0609020204030204" pitchFamily="49" charset="0"/>
+              </a:rPr>
+              <a:t>: </a:t>
+            </a:r>
+            <a:r>
+              <a:rPr lang="en" altLang="zh-TW" sz="850" dirty="0">
+                <a:solidFill>
+                  <a:srgbClr val="B4CDA8"/>
+                </a:solidFill>
+                <a:effectLst/>
+                <a:latin typeface="Consolas" panose="020B0609020204030204" pitchFamily="49" charset="0"/>
+                <a:cs typeface="Consolas" panose="020B0609020204030204" pitchFamily="49" charset="0"/>
+              </a:rPr>
+              <a:t>0</a:t>
+            </a:r>
+            <a:r>
+              <a:rPr lang="en" altLang="zh-TW" sz="850" dirty="0">
+                <a:solidFill>
+                  <a:srgbClr val="D4D4D4"/>
+                </a:solidFill>
+                <a:effectLst/>
+                <a:latin typeface="Consolas" panose="020B0609020204030204" pitchFamily="49" charset="0"/>
+                <a:cs typeface="Consolas" panose="020B0609020204030204" pitchFamily="49" charset="0"/>
+              </a:rPr>
+              <a:t>,</a:t>
+            </a:r>
+            <a:br>
+              <a:rPr lang="en" altLang="zh-TW" sz="850" dirty="0">
+                <a:solidFill>
+                  <a:srgbClr val="D4D4D4"/>
+                </a:solidFill>
+                <a:effectLst/>
+                <a:latin typeface="Consolas" panose="020B0609020204030204" pitchFamily="49" charset="0"/>
+                <a:cs typeface="Consolas" panose="020B0609020204030204" pitchFamily="49" charset="0"/>
+              </a:rPr>
+            </a:br>
+            <a:r>
+              <a:rPr lang="en" altLang="zh-TW" sz="850" dirty="0">
+                <a:solidFill>
+                  <a:srgbClr val="D4D4D4"/>
+                </a:solidFill>
+                <a:effectLst/>
+                <a:latin typeface="Consolas" panose="020B0609020204030204" pitchFamily="49" charset="0"/>
+                <a:cs typeface="Consolas" panose="020B0609020204030204" pitchFamily="49" charset="0"/>
+              </a:rPr>
+              <a:t>    </a:t>
+            </a:r>
+            <a:r>
+              <a:rPr lang="en" altLang="zh-TW" sz="850" dirty="0">
+                <a:solidFill>
+                  <a:srgbClr val="D7BA7D"/>
+                </a:solidFill>
+                <a:effectLst/>
+                <a:latin typeface="Consolas" panose="020B0609020204030204" pitchFamily="49" charset="0"/>
+                <a:cs typeface="Consolas" panose="020B0609020204030204" pitchFamily="49" charset="0"/>
+              </a:rPr>
+              <a:t>"IsRecharge"</a:t>
+            </a:r>
+            <a:r>
+              <a:rPr lang="en" altLang="zh-TW" sz="850" dirty="0">
+                <a:solidFill>
+                  <a:srgbClr val="D4D4D4"/>
+                </a:solidFill>
+                <a:effectLst/>
+                <a:latin typeface="Consolas" panose="020B0609020204030204" pitchFamily="49" charset="0"/>
+                <a:cs typeface="Consolas" panose="020B0609020204030204" pitchFamily="49" charset="0"/>
+              </a:rPr>
+              <a:t>: </a:t>
+            </a:r>
+            <a:r>
+              <a:rPr lang="en" altLang="zh-TW" sz="850" dirty="0">
+                <a:solidFill>
+                  <a:srgbClr val="B4CDA8"/>
+                </a:solidFill>
+                <a:effectLst/>
+                <a:latin typeface="Consolas" panose="020B0609020204030204" pitchFamily="49" charset="0"/>
+                <a:cs typeface="Consolas" panose="020B0609020204030204" pitchFamily="49" charset="0"/>
+              </a:rPr>
+              <a:t>0</a:t>
+            </a:r>
+            <a:r>
+              <a:rPr lang="en" altLang="zh-TW" sz="850" dirty="0">
+                <a:solidFill>
+                  <a:srgbClr val="D4D4D4"/>
+                </a:solidFill>
+                <a:effectLst/>
+                <a:latin typeface="Consolas" panose="020B0609020204030204" pitchFamily="49" charset="0"/>
+                <a:cs typeface="Consolas" panose="020B0609020204030204" pitchFamily="49" charset="0"/>
+              </a:rPr>
+              <a:t>,</a:t>
+            </a:r>
+            <a:br>
+              <a:rPr lang="en" altLang="zh-TW" sz="850" dirty="0">
+                <a:solidFill>
+                  <a:srgbClr val="D4D4D4"/>
+                </a:solidFill>
+                <a:effectLst/>
+                <a:latin typeface="Consolas" panose="020B0609020204030204" pitchFamily="49" charset="0"/>
+                <a:cs typeface="Consolas" panose="020B0609020204030204" pitchFamily="49" charset="0"/>
+              </a:rPr>
+            </a:br>
+            <a:r>
+              <a:rPr lang="en" altLang="zh-TW" sz="850" dirty="0">
+                <a:solidFill>
+                  <a:srgbClr val="D4D4D4"/>
+                </a:solidFill>
+                <a:effectLst/>
+                <a:latin typeface="Consolas" panose="020B0609020204030204" pitchFamily="49" charset="0"/>
+                <a:cs typeface="Consolas" panose="020B0609020204030204" pitchFamily="49" charset="0"/>
+              </a:rPr>
+              <a:t>    </a:t>
+            </a:r>
+            <a:r>
+              <a:rPr lang="en" altLang="zh-TW" sz="850" dirty="0">
+                <a:solidFill>
+                  <a:srgbClr val="D7BA7D"/>
+                </a:solidFill>
+                <a:effectLst/>
+                <a:latin typeface="Consolas" panose="020B0609020204030204" pitchFamily="49" charset="0"/>
+                <a:cs typeface="Consolas" panose="020B0609020204030204" pitchFamily="49" charset="0"/>
+              </a:rPr>
+              <a:t>"IsLiability"</a:t>
+            </a:r>
+            <a:r>
+              <a:rPr lang="en" altLang="zh-TW" sz="850" dirty="0">
+                <a:solidFill>
+                  <a:srgbClr val="D4D4D4"/>
+                </a:solidFill>
+                <a:effectLst/>
+                <a:latin typeface="Consolas" panose="020B0609020204030204" pitchFamily="49" charset="0"/>
+                <a:cs typeface="Consolas" panose="020B0609020204030204" pitchFamily="49" charset="0"/>
+              </a:rPr>
+              <a:t>: </a:t>
+            </a:r>
+            <a:r>
+              <a:rPr lang="en" altLang="zh-TW" sz="850" dirty="0">
+                <a:solidFill>
+                  <a:srgbClr val="B4CDA8"/>
+                </a:solidFill>
+                <a:effectLst/>
+                <a:latin typeface="Consolas" panose="020B0609020204030204" pitchFamily="49" charset="0"/>
+                <a:cs typeface="Consolas" panose="020B0609020204030204" pitchFamily="49" charset="0"/>
+              </a:rPr>
+              <a:t>0</a:t>
+            </a:r>
+            <a:r>
+              <a:rPr lang="en" altLang="zh-TW" sz="850" dirty="0">
+                <a:solidFill>
+                  <a:srgbClr val="D4D4D4"/>
+                </a:solidFill>
+                <a:effectLst/>
+                <a:latin typeface="Consolas" panose="020B0609020204030204" pitchFamily="49" charset="0"/>
+                <a:cs typeface="Consolas" panose="020B0609020204030204" pitchFamily="49" charset="0"/>
+              </a:rPr>
+              <a:t>,</a:t>
+            </a:r>
+            <a:br>
+              <a:rPr lang="en" altLang="zh-TW" sz="850" dirty="0">
+                <a:solidFill>
+                  <a:srgbClr val="D4D4D4"/>
+                </a:solidFill>
+                <a:effectLst/>
+                <a:latin typeface="Consolas" panose="020B0609020204030204" pitchFamily="49" charset="0"/>
+                <a:cs typeface="Consolas" panose="020B0609020204030204" pitchFamily="49" charset="0"/>
+              </a:rPr>
+            </a:br>
+            <a:r>
+              <a:rPr lang="en" altLang="zh-TW" sz="850" dirty="0">
+                <a:solidFill>
+                  <a:srgbClr val="D4D4D4"/>
+                </a:solidFill>
+                <a:effectLst/>
+                <a:latin typeface="Consolas" panose="020B0609020204030204" pitchFamily="49" charset="0"/>
+                <a:cs typeface="Consolas" panose="020B0609020204030204" pitchFamily="49" charset="0"/>
+              </a:rPr>
+              <a:t>    </a:t>
+            </a:r>
+            <a:r>
+              <a:rPr lang="en" altLang="zh-TW" sz="850" dirty="0">
+                <a:solidFill>
+                  <a:srgbClr val="D7BA7D"/>
+                </a:solidFill>
+                <a:effectLst/>
+                <a:latin typeface="Consolas" panose="020B0609020204030204" pitchFamily="49" charset="0"/>
+                <a:cs typeface="Consolas" panose="020B0609020204030204" pitchFamily="49" charset="0"/>
+              </a:rPr>
+              <a:t>"TotalAmount"</a:t>
+            </a:r>
+            <a:r>
+              <a:rPr lang="en" altLang="zh-TW" sz="850" dirty="0">
+                <a:solidFill>
+                  <a:srgbClr val="D4D4D4"/>
+                </a:solidFill>
+                <a:effectLst/>
+                <a:latin typeface="Consolas" panose="020B0609020204030204" pitchFamily="49" charset="0"/>
+                <a:cs typeface="Consolas" panose="020B0609020204030204" pitchFamily="49" charset="0"/>
+              </a:rPr>
+              <a:t>: </a:t>
+            </a:r>
+            <a:r>
+              <a:rPr lang="en" altLang="zh-TW" sz="850" dirty="0">
+                <a:solidFill>
+                  <a:srgbClr val="B4CDA8"/>
+                </a:solidFill>
+                <a:effectLst/>
+                <a:latin typeface="Consolas" panose="020B0609020204030204" pitchFamily="49" charset="0"/>
+                <a:cs typeface="Consolas" panose="020B0609020204030204" pitchFamily="49" charset="0"/>
+              </a:rPr>
+              <a:t>5582012.72,</a:t>
+            </a:r>
+          </a:p>
+          <a:p>
+            <a:r>
+              <a:rPr lang="en" altLang="zh-TW" sz="850" dirty="0">
+                <a:solidFill>
+                  <a:srgbClr val="D7BA7D"/>
+                </a:solidFill>
+                <a:effectLst/>
+                <a:latin typeface="Consolas" panose="020B0609020204030204" pitchFamily="49" charset="0"/>
+                <a:cs typeface="Consolas" panose="020B0609020204030204" pitchFamily="49" charset="0"/>
+              </a:rPr>
+              <a:t>    "</a:t>
+            </a:r>
+            <a:r>
+              <a:rPr lang="en" altLang="zh-TW" sz="850" dirty="0" err="1">
+                <a:solidFill>
+                  <a:srgbClr val="D7BA7D"/>
+                </a:solidFill>
+                <a:effectLst/>
+                <a:latin typeface="Consolas" panose="020B0609020204030204" pitchFamily="49" charset="0"/>
+                <a:cs typeface="Consolas" panose="020B0609020204030204" pitchFamily="49" charset="0"/>
+              </a:rPr>
+              <a:t>CreateDate</a:t>
+            </a:r>
+            <a:r>
+              <a:rPr lang="en" altLang="zh-TW" sz="850" dirty="0">
+                <a:solidFill>
+                  <a:srgbClr val="D7BA7D"/>
+                </a:solidFill>
+                <a:effectLst/>
+                <a:latin typeface="Consolas" panose="020B0609020204030204" pitchFamily="49" charset="0"/>
+                <a:cs typeface="Consolas" panose="020B0609020204030204" pitchFamily="49" charset="0"/>
+              </a:rPr>
+              <a:t>"</a:t>
+            </a:r>
+            <a:r>
+              <a:rPr lang="en" altLang="zh-TW" sz="850" dirty="0">
+                <a:solidFill>
+                  <a:srgbClr val="D4D4D4"/>
+                </a:solidFill>
+                <a:effectLst/>
+                <a:latin typeface="Consolas" panose="020B0609020204030204" pitchFamily="49" charset="0"/>
+                <a:cs typeface="Consolas" panose="020B0609020204030204" pitchFamily="49" charset="0"/>
+              </a:rPr>
+              <a:t>: </a:t>
+            </a:r>
+            <a:r>
+              <a:rPr lang="en" altLang="zh-TW" sz="850" dirty="0">
+                <a:solidFill>
+                  <a:srgbClr val="D69D85"/>
+                </a:solidFill>
+                <a:effectLst/>
+                <a:latin typeface="Consolas" panose="020B0609020204030204" pitchFamily="49" charset="0"/>
+                <a:cs typeface="Consolas" panose="020B0609020204030204" pitchFamily="49" charset="0"/>
+              </a:rPr>
+              <a:t>”YYYY-MM-DD HH:MM:SS"</a:t>
+            </a:r>
+            <a:br>
+              <a:rPr lang="en" altLang="zh-TW" sz="850" dirty="0">
+                <a:solidFill>
+                  <a:srgbClr val="B4CDA8"/>
+                </a:solidFill>
+                <a:effectLst/>
+                <a:latin typeface="Consolas" panose="020B0609020204030204" pitchFamily="49" charset="0"/>
+                <a:cs typeface="Consolas" panose="020B0609020204030204" pitchFamily="49" charset="0"/>
+              </a:rPr>
+            </a:br>
+            <a:r>
+              <a:rPr lang="en" altLang="zh-TW" sz="850" dirty="0">
+                <a:solidFill>
+                  <a:srgbClr val="B4CDA8"/>
+                </a:solidFill>
+                <a:effectLst/>
+                <a:latin typeface="Consolas" panose="020B0609020204030204" pitchFamily="49" charset="0"/>
+                <a:cs typeface="Consolas" panose="020B0609020204030204" pitchFamily="49" charset="0"/>
+              </a:rPr>
+              <a:t>  </a:t>
+            </a:r>
+            <a:r>
+              <a:rPr lang="en" altLang="zh-TW" sz="850" dirty="0">
+                <a:solidFill>
+                  <a:srgbClr val="D4D4D4"/>
+                </a:solidFill>
+                <a:effectLst/>
+                <a:latin typeface="Consolas" panose="020B0609020204030204" pitchFamily="49" charset="0"/>
+                <a:cs typeface="Consolas" panose="020B0609020204030204" pitchFamily="49" charset="0"/>
+              </a:rPr>
+              <a:t>},</a:t>
+            </a:r>
+            <a:br>
+              <a:rPr lang="en" altLang="zh-TW" sz="850" dirty="0">
+                <a:solidFill>
+                  <a:srgbClr val="D4D4D4"/>
+                </a:solidFill>
+                <a:effectLst/>
+                <a:latin typeface="Consolas" panose="020B0609020204030204" pitchFamily="49" charset="0"/>
+                <a:cs typeface="Consolas" panose="020B0609020204030204" pitchFamily="49" charset="0"/>
+              </a:rPr>
+            </a:br>
+            <a:r>
+              <a:rPr lang="en" altLang="zh-TW" sz="850" dirty="0">
+                <a:solidFill>
+                  <a:srgbClr val="D4D4D4"/>
+                </a:solidFill>
+                <a:effectLst/>
+                <a:latin typeface="Consolas" panose="020B0609020204030204" pitchFamily="49" charset="0"/>
+                <a:cs typeface="Consolas" panose="020B0609020204030204" pitchFamily="49" charset="0"/>
+              </a:rPr>
+              <a:t>  </a:t>
+            </a:r>
+            <a:r>
+              <a:rPr lang="en" altLang="zh-TW" sz="850" dirty="0">
+                <a:solidFill>
+                  <a:srgbClr val="D7BA7D"/>
+                </a:solidFill>
+                <a:effectLst/>
+                <a:latin typeface="Consolas" panose="020B0609020204030204" pitchFamily="49" charset="0"/>
+                <a:cs typeface="Consolas" panose="020B0609020204030204" pitchFamily="49" charset="0"/>
+              </a:rPr>
+              <a:t>"InvoiceWKDetail"</a:t>
+            </a:r>
+            <a:r>
+              <a:rPr lang="en" altLang="zh-TW" sz="850" dirty="0">
+                <a:solidFill>
+                  <a:srgbClr val="D4D4D4"/>
+                </a:solidFill>
+                <a:effectLst/>
+                <a:latin typeface="Consolas" panose="020B0609020204030204" pitchFamily="49" charset="0"/>
+                <a:cs typeface="Consolas" panose="020B0609020204030204" pitchFamily="49" charset="0"/>
+              </a:rPr>
+              <a:t>: [</a:t>
+            </a:r>
+            <a:br>
+              <a:rPr lang="en" altLang="zh-TW" sz="850" dirty="0">
+                <a:solidFill>
+                  <a:srgbClr val="D4D4D4"/>
+                </a:solidFill>
+                <a:effectLst/>
+                <a:latin typeface="Consolas" panose="020B0609020204030204" pitchFamily="49" charset="0"/>
+                <a:cs typeface="Consolas" panose="020B0609020204030204" pitchFamily="49" charset="0"/>
+              </a:rPr>
+            </a:br>
+            <a:r>
+              <a:rPr lang="en" altLang="zh-TW" sz="850" dirty="0">
+                <a:solidFill>
+                  <a:srgbClr val="D4D4D4"/>
+                </a:solidFill>
+                <a:effectLst/>
+                <a:latin typeface="Consolas" panose="020B0609020204030204" pitchFamily="49" charset="0"/>
+                <a:cs typeface="Consolas" panose="020B0609020204030204" pitchFamily="49" charset="0"/>
+              </a:rPr>
+              <a:t>    {</a:t>
+            </a:r>
+            <a:br>
+              <a:rPr lang="en" altLang="zh-TW" sz="850" dirty="0">
+                <a:solidFill>
+                  <a:srgbClr val="D4D4D4"/>
+                </a:solidFill>
+                <a:effectLst/>
+                <a:latin typeface="Consolas" panose="020B0609020204030204" pitchFamily="49" charset="0"/>
+                <a:cs typeface="Consolas" panose="020B0609020204030204" pitchFamily="49" charset="0"/>
+              </a:rPr>
+            </a:br>
+            <a:r>
+              <a:rPr lang="en" altLang="zh-TW" sz="850" dirty="0">
+                <a:solidFill>
+                  <a:srgbClr val="D4D4D4"/>
+                </a:solidFill>
+                <a:effectLst/>
+                <a:latin typeface="Consolas" panose="020B0609020204030204" pitchFamily="49" charset="0"/>
+                <a:cs typeface="Consolas" panose="020B0609020204030204" pitchFamily="49" charset="0"/>
+              </a:rPr>
+              <a:t>      </a:t>
+            </a:r>
+            <a:r>
+              <a:rPr lang="en" altLang="zh-TW" sz="850" dirty="0">
+                <a:solidFill>
+                  <a:srgbClr val="D7BA7D"/>
+                </a:solidFill>
+                <a:effectLst/>
+                <a:latin typeface="Consolas" panose="020B0609020204030204" pitchFamily="49" charset="0"/>
+                <a:cs typeface="Consolas" panose="020B0609020204030204" pitchFamily="49" charset="0"/>
+              </a:rPr>
+              <a:t>"BillMilestone"</a:t>
+            </a:r>
+            <a:r>
+              <a:rPr lang="en" altLang="zh-TW" sz="850" dirty="0">
+                <a:solidFill>
+                  <a:srgbClr val="D4D4D4"/>
+                </a:solidFill>
+                <a:effectLst/>
+                <a:latin typeface="Consolas" panose="020B0609020204030204" pitchFamily="49" charset="0"/>
+                <a:cs typeface="Consolas" panose="020B0609020204030204" pitchFamily="49" charset="0"/>
+              </a:rPr>
+              <a:t>: </a:t>
+            </a:r>
+            <a:r>
+              <a:rPr lang="en" altLang="zh-TW" sz="850" dirty="0">
+                <a:solidFill>
+                  <a:srgbClr val="D69D85"/>
+                </a:solidFill>
+                <a:effectLst/>
+                <a:latin typeface="Consolas" panose="020B0609020204030204" pitchFamily="49" charset="0"/>
+                <a:cs typeface="Consolas" panose="020B0609020204030204" pitchFamily="49" charset="0"/>
+              </a:rPr>
+              <a:t>"BM9a"</a:t>
+            </a:r>
+            <a:r>
+              <a:rPr lang="en" altLang="zh-TW" sz="850" dirty="0">
+                <a:solidFill>
+                  <a:srgbClr val="D4D4D4"/>
+                </a:solidFill>
+                <a:effectLst/>
+                <a:latin typeface="Consolas" panose="020B0609020204030204" pitchFamily="49" charset="0"/>
+                <a:cs typeface="Consolas" panose="020B0609020204030204" pitchFamily="49" charset="0"/>
+              </a:rPr>
+              <a:t>,</a:t>
+            </a:r>
+            <a:br>
+              <a:rPr lang="en" altLang="zh-TW" sz="850" dirty="0">
+                <a:solidFill>
+                  <a:srgbClr val="D4D4D4"/>
+                </a:solidFill>
+                <a:effectLst/>
+                <a:latin typeface="Consolas" panose="020B0609020204030204" pitchFamily="49" charset="0"/>
+                <a:cs typeface="Consolas" panose="020B0609020204030204" pitchFamily="49" charset="0"/>
+              </a:rPr>
+            </a:br>
+            <a:r>
+              <a:rPr lang="en" altLang="zh-TW" sz="850" dirty="0">
+                <a:solidFill>
+                  <a:srgbClr val="D4D4D4"/>
+                </a:solidFill>
+                <a:effectLst/>
+                <a:latin typeface="Consolas" panose="020B0609020204030204" pitchFamily="49" charset="0"/>
+                <a:cs typeface="Consolas" panose="020B0609020204030204" pitchFamily="49" charset="0"/>
+              </a:rPr>
+              <a:t>      </a:t>
+            </a:r>
+            <a:r>
+              <a:rPr lang="en" altLang="zh-TW" sz="850" dirty="0">
+                <a:solidFill>
+                  <a:srgbClr val="D7BA7D"/>
+                </a:solidFill>
+                <a:effectLst/>
+                <a:latin typeface="Consolas" panose="020B0609020204030204" pitchFamily="49" charset="0"/>
+                <a:cs typeface="Consolas" panose="020B0609020204030204" pitchFamily="49" charset="0"/>
+              </a:rPr>
+              <a:t>"FeeAmount"</a:t>
+            </a:r>
+            <a:r>
+              <a:rPr lang="en" altLang="zh-TW" sz="850" dirty="0">
+                <a:solidFill>
+                  <a:srgbClr val="D4D4D4"/>
+                </a:solidFill>
+                <a:effectLst/>
+                <a:latin typeface="Consolas" panose="020B0609020204030204" pitchFamily="49" charset="0"/>
+                <a:cs typeface="Consolas" panose="020B0609020204030204" pitchFamily="49" charset="0"/>
+              </a:rPr>
+              <a:t>: </a:t>
+            </a:r>
+            <a:r>
+              <a:rPr lang="en" altLang="zh-TW" sz="850" dirty="0">
+                <a:solidFill>
+                  <a:srgbClr val="B4CDA8"/>
+                </a:solidFill>
+                <a:effectLst/>
+                <a:latin typeface="Consolas" panose="020B0609020204030204" pitchFamily="49" charset="0"/>
+                <a:cs typeface="Consolas" panose="020B0609020204030204" pitchFamily="49" charset="0"/>
+              </a:rPr>
+              <a:t>1288822.32</a:t>
+            </a:r>
+            <a:r>
+              <a:rPr lang="en" altLang="zh-TW" sz="850" dirty="0">
+                <a:solidFill>
+                  <a:srgbClr val="D4D4D4"/>
+                </a:solidFill>
+                <a:effectLst/>
+                <a:latin typeface="Consolas" panose="020B0609020204030204" pitchFamily="49" charset="0"/>
+                <a:cs typeface="Consolas" panose="020B0609020204030204" pitchFamily="49" charset="0"/>
+              </a:rPr>
+              <a:t>,</a:t>
+            </a:r>
+            <a:br>
+              <a:rPr lang="en" altLang="zh-TW" sz="850" dirty="0">
+                <a:solidFill>
+                  <a:srgbClr val="D4D4D4"/>
+                </a:solidFill>
+                <a:effectLst/>
+                <a:latin typeface="Consolas" panose="020B0609020204030204" pitchFamily="49" charset="0"/>
+                <a:cs typeface="Consolas" panose="020B0609020204030204" pitchFamily="49" charset="0"/>
+              </a:rPr>
+            </a:br>
+            <a:r>
+              <a:rPr lang="en" altLang="zh-TW" sz="850" dirty="0">
+                <a:solidFill>
+                  <a:srgbClr val="D4D4D4"/>
+                </a:solidFill>
+                <a:effectLst/>
+                <a:latin typeface="Consolas" panose="020B0609020204030204" pitchFamily="49" charset="0"/>
+                <a:cs typeface="Consolas" panose="020B0609020204030204" pitchFamily="49" charset="0"/>
+              </a:rPr>
+              <a:t>      </a:t>
+            </a:r>
+            <a:r>
+              <a:rPr lang="en" altLang="zh-TW" sz="850" dirty="0">
+                <a:solidFill>
+                  <a:srgbClr val="D7BA7D"/>
+                </a:solidFill>
+                <a:effectLst/>
+                <a:latin typeface="Consolas" panose="020B0609020204030204" pitchFamily="49" charset="0"/>
+                <a:cs typeface="Consolas" panose="020B0609020204030204" pitchFamily="49" charset="0"/>
+              </a:rPr>
+              <a:t>"FeeItem"</a:t>
+            </a:r>
+            <a:r>
+              <a:rPr lang="en" altLang="zh-TW" sz="850" dirty="0">
+                <a:solidFill>
+                  <a:srgbClr val="D4D4D4"/>
+                </a:solidFill>
+                <a:effectLst/>
+                <a:latin typeface="Consolas" panose="020B0609020204030204" pitchFamily="49" charset="0"/>
+                <a:cs typeface="Consolas" panose="020B0609020204030204" pitchFamily="49" charset="0"/>
+              </a:rPr>
+              <a:t>: </a:t>
+            </a:r>
+            <a:r>
+              <a:rPr lang="en" altLang="zh-TW" sz="850" dirty="0">
+                <a:solidFill>
+                  <a:srgbClr val="D69D85"/>
+                </a:solidFill>
+                <a:effectLst/>
+                <a:latin typeface="Consolas" panose="020B0609020204030204" pitchFamily="49" charset="0"/>
+                <a:cs typeface="Consolas" panose="020B0609020204030204" pitchFamily="49" charset="0"/>
+              </a:rPr>
+              <a:t>"BM9a Sea cable </a:t>
+            </a:r>
+            <a:r>
+              <a:rPr lang="en-US" altLang="zh-TW" sz="850" dirty="0">
+                <a:solidFill>
+                  <a:srgbClr val="D69D85"/>
+                </a:solidFill>
+                <a:effectLst/>
+                <a:latin typeface="Consolas" panose="020B0609020204030204" pitchFamily="49" charset="0"/>
+                <a:cs typeface="Consolas" panose="020B0609020204030204" pitchFamily="49" charset="0"/>
+              </a:rPr>
+              <a:t>…</a:t>
+            </a:r>
+            <a:r>
+              <a:rPr lang="en" altLang="zh-TW" sz="850" dirty="0">
+                <a:solidFill>
+                  <a:srgbClr val="D69D85"/>
+                </a:solidFill>
+                <a:effectLst/>
+                <a:latin typeface="Consolas" panose="020B0609020204030204" pitchFamily="49" charset="0"/>
+                <a:cs typeface="Consolas" panose="020B0609020204030204" pitchFamily="49" charset="0"/>
+              </a:rPr>
+              <a:t>"</a:t>
+            </a:r>
+            <a:br>
+              <a:rPr lang="en" altLang="zh-TW" sz="850" dirty="0">
+                <a:solidFill>
+                  <a:srgbClr val="D69D85"/>
+                </a:solidFill>
+                <a:effectLst/>
+                <a:latin typeface="Consolas" panose="020B0609020204030204" pitchFamily="49" charset="0"/>
+                <a:cs typeface="Consolas" panose="020B0609020204030204" pitchFamily="49" charset="0"/>
+              </a:rPr>
+            </a:br>
+            <a:r>
+              <a:rPr lang="en" altLang="zh-TW" sz="850" dirty="0">
+                <a:solidFill>
+                  <a:srgbClr val="D69D85"/>
+                </a:solidFill>
+                <a:effectLst/>
+                <a:latin typeface="Consolas" panose="020B0609020204030204" pitchFamily="49" charset="0"/>
+                <a:cs typeface="Consolas" panose="020B0609020204030204" pitchFamily="49" charset="0"/>
+              </a:rPr>
+              <a:t>    </a:t>
+            </a:r>
+            <a:r>
+              <a:rPr lang="en" altLang="zh-TW" sz="850" dirty="0">
+                <a:solidFill>
+                  <a:srgbClr val="D4D4D4"/>
+                </a:solidFill>
+                <a:effectLst/>
+                <a:latin typeface="Consolas" panose="020B0609020204030204" pitchFamily="49" charset="0"/>
+                <a:cs typeface="Consolas" panose="020B0609020204030204" pitchFamily="49" charset="0"/>
+              </a:rPr>
+              <a:t>},</a:t>
+            </a:r>
+            <a:br>
+              <a:rPr lang="en" altLang="zh-TW" sz="850" dirty="0">
+                <a:solidFill>
+                  <a:srgbClr val="D4D4D4"/>
+                </a:solidFill>
+                <a:effectLst/>
+                <a:latin typeface="Consolas" panose="020B0609020204030204" pitchFamily="49" charset="0"/>
+                <a:cs typeface="Consolas" panose="020B0609020204030204" pitchFamily="49" charset="0"/>
+              </a:rPr>
+            </a:br>
+            <a:r>
+              <a:rPr lang="en" altLang="zh-TW" sz="850" dirty="0">
+                <a:solidFill>
+                  <a:srgbClr val="D4D4D4"/>
+                </a:solidFill>
+                <a:effectLst/>
+                <a:latin typeface="Consolas" panose="020B0609020204030204" pitchFamily="49" charset="0"/>
+                <a:cs typeface="Consolas" panose="020B0609020204030204" pitchFamily="49" charset="0"/>
+              </a:rPr>
+              <a:t>    {</a:t>
+            </a:r>
+            <a:br>
+              <a:rPr lang="en" altLang="zh-TW" sz="850" dirty="0">
+                <a:solidFill>
+                  <a:srgbClr val="D4D4D4"/>
+                </a:solidFill>
+                <a:effectLst/>
+                <a:latin typeface="Consolas" panose="020B0609020204030204" pitchFamily="49" charset="0"/>
+                <a:cs typeface="Consolas" panose="020B0609020204030204" pitchFamily="49" charset="0"/>
+              </a:rPr>
+            </a:br>
+            <a:r>
+              <a:rPr lang="en" altLang="zh-TW" sz="850" dirty="0">
+                <a:solidFill>
+                  <a:srgbClr val="D4D4D4"/>
+                </a:solidFill>
+                <a:effectLst/>
+                <a:latin typeface="Consolas" panose="020B0609020204030204" pitchFamily="49" charset="0"/>
+                <a:cs typeface="Consolas" panose="020B0609020204030204" pitchFamily="49" charset="0"/>
+              </a:rPr>
+              <a:t>      </a:t>
+            </a:r>
+            <a:r>
+              <a:rPr lang="en" altLang="zh-TW" sz="850" dirty="0">
+                <a:solidFill>
+                  <a:srgbClr val="D7BA7D"/>
+                </a:solidFill>
+                <a:effectLst/>
+                <a:latin typeface="Consolas" panose="020B0609020204030204" pitchFamily="49" charset="0"/>
+                <a:cs typeface="Consolas" panose="020B0609020204030204" pitchFamily="49" charset="0"/>
+              </a:rPr>
+              <a:t>"BillMilestone"</a:t>
+            </a:r>
+            <a:r>
+              <a:rPr lang="en" altLang="zh-TW" sz="850" dirty="0">
+                <a:solidFill>
+                  <a:srgbClr val="D4D4D4"/>
+                </a:solidFill>
+                <a:effectLst/>
+                <a:latin typeface="Consolas" panose="020B0609020204030204" pitchFamily="49" charset="0"/>
+                <a:cs typeface="Consolas" panose="020B0609020204030204" pitchFamily="49" charset="0"/>
+              </a:rPr>
+              <a:t>: </a:t>
+            </a:r>
+            <a:r>
+              <a:rPr lang="en" altLang="zh-TW" sz="850" dirty="0">
+                <a:solidFill>
+                  <a:srgbClr val="D69D85"/>
+                </a:solidFill>
+                <a:effectLst/>
+                <a:latin typeface="Consolas" panose="020B0609020204030204" pitchFamily="49" charset="0"/>
+                <a:cs typeface="Consolas" panose="020B0609020204030204" pitchFamily="49" charset="0"/>
+              </a:rPr>
+              <a:t>"BM9a"</a:t>
+            </a:r>
+            <a:r>
+              <a:rPr lang="en" altLang="zh-TW" sz="850" dirty="0">
+                <a:solidFill>
+                  <a:srgbClr val="D4D4D4"/>
+                </a:solidFill>
+                <a:effectLst/>
+                <a:latin typeface="Consolas" panose="020B0609020204030204" pitchFamily="49" charset="0"/>
+                <a:cs typeface="Consolas" panose="020B0609020204030204" pitchFamily="49" charset="0"/>
+              </a:rPr>
+              <a:t>,</a:t>
+            </a:r>
+            <a:br>
+              <a:rPr lang="en" altLang="zh-TW" sz="850" dirty="0">
+                <a:solidFill>
+                  <a:srgbClr val="D4D4D4"/>
+                </a:solidFill>
+                <a:effectLst/>
+                <a:latin typeface="Consolas" panose="020B0609020204030204" pitchFamily="49" charset="0"/>
+                <a:cs typeface="Consolas" panose="020B0609020204030204" pitchFamily="49" charset="0"/>
+              </a:rPr>
+            </a:br>
+            <a:r>
+              <a:rPr lang="en" altLang="zh-TW" sz="850" dirty="0">
+                <a:solidFill>
+                  <a:srgbClr val="D4D4D4"/>
+                </a:solidFill>
+                <a:effectLst/>
+                <a:latin typeface="Consolas" panose="020B0609020204030204" pitchFamily="49" charset="0"/>
+                <a:cs typeface="Consolas" panose="020B0609020204030204" pitchFamily="49" charset="0"/>
+              </a:rPr>
+              <a:t>      </a:t>
+            </a:r>
+            <a:r>
+              <a:rPr lang="en" altLang="zh-TW" sz="850" dirty="0">
+                <a:solidFill>
+                  <a:srgbClr val="D7BA7D"/>
+                </a:solidFill>
+                <a:effectLst/>
+                <a:latin typeface="Consolas" panose="020B0609020204030204" pitchFamily="49" charset="0"/>
+                <a:cs typeface="Consolas" panose="020B0609020204030204" pitchFamily="49" charset="0"/>
+              </a:rPr>
+              <a:t>"FeeAmount"</a:t>
+            </a:r>
+            <a:r>
+              <a:rPr lang="en" altLang="zh-TW" sz="850" dirty="0">
+                <a:solidFill>
+                  <a:srgbClr val="D4D4D4"/>
+                </a:solidFill>
+                <a:effectLst/>
+                <a:latin typeface="Consolas" panose="020B0609020204030204" pitchFamily="49" charset="0"/>
+                <a:cs typeface="Consolas" panose="020B0609020204030204" pitchFamily="49" charset="0"/>
+              </a:rPr>
+              <a:t>: </a:t>
+            </a:r>
+            <a:r>
+              <a:rPr lang="en" altLang="zh-TW" sz="850" dirty="0">
+                <a:solidFill>
+                  <a:srgbClr val="B4CDA8"/>
+                </a:solidFill>
+                <a:effectLst/>
+                <a:latin typeface="Consolas" panose="020B0609020204030204" pitchFamily="49" charset="0"/>
+                <a:cs typeface="Consolas" panose="020B0609020204030204" pitchFamily="49" charset="0"/>
+              </a:rPr>
+              <a:t>1178227.94</a:t>
+            </a:r>
+            <a:r>
+              <a:rPr lang="en" altLang="zh-TW" sz="850" dirty="0">
+                <a:solidFill>
+                  <a:srgbClr val="D4D4D4"/>
+                </a:solidFill>
+                <a:effectLst/>
+                <a:latin typeface="Consolas" panose="020B0609020204030204" pitchFamily="49" charset="0"/>
+                <a:cs typeface="Consolas" panose="020B0609020204030204" pitchFamily="49" charset="0"/>
+              </a:rPr>
+              <a:t>,</a:t>
+            </a:r>
+            <a:br>
+              <a:rPr lang="en" altLang="zh-TW" sz="850" dirty="0">
+                <a:solidFill>
+                  <a:srgbClr val="D4D4D4"/>
+                </a:solidFill>
+                <a:effectLst/>
+                <a:latin typeface="Consolas" panose="020B0609020204030204" pitchFamily="49" charset="0"/>
+                <a:cs typeface="Consolas" panose="020B0609020204030204" pitchFamily="49" charset="0"/>
+              </a:rPr>
+            </a:br>
+            <a:r>
+              <a:rPr lang="en" altLang="zh-TW" sz="850" dirty="0">
+                <a:solidFill>
+                  <a:srgbClr val="D4D4D4"/>
+                </a:solidFill>
+                <a:effectLst/>
+                <a:latin typeface="Consolas" panose="020B0609020204030204" pitchFamily="49" charset="0"/>
+                <a:cs typeface="Consolas" panose="020B0609020204030204" pitchFamily="49" charset="0"/>
+              </a:rPr>
+              <a:t>      </a:t>
+            </a:r>
+            <a:r>
+              <a:rPr lang="en" altLang="zh-TW" sz="850" dirty="0">
+                <a:solidFill>
+                  <a:srgbClr val="D7BA7D"/>
+                </a:solidFill>
+                <a:effectLst/>
+                <a:latin typeface="Consolas" panose="020B0609020204030204" pitchFamily="49" charset="0"/>
+                <a:cs typeface="Consolas" panose="020B0609020204030204" pitchFamily="49" charset="0"/>
+              </a:rPr>
+              <a:t>"FeeItem"</a:t>
+            </a:r>
+            <a:r>
+              <a:rPr lang="en" altLang="zh-TW" sz="850" dirty="0">
+                <a:solidFill>
+                  <a:srgbClr val="D4D4D4"/>
+                </a:solidFill>
+                <a:effectLst/>
+                <a:latin typeface="Consolas" panose="020B0609020204030204" pitchFamily="49" charset="0"/>
+                <a:cs typeface="Consolas" panose="020B0609020204030204" pitchFamily="49" charset="0"/>
+              </a:rPr>
+              <a:t>: </a:t>
+            </a:r>
+            <a:r>
+              <a:rPr lang="en" altLang="zh-TW" sz="850" dirty="0">
+                <a:solidFill>
+                  <a:srgbClr val="D69D85"/>
+                </a:solidFill>
+                <a:effectLst/>
+                <a:latin typeface="Consolas" panose="020B0609020204030204" pitchFamily="49" charset="0"/>
+                <a:cs typeface="Consolas" panose="020B0609020204030204" pitchFamily="49" charset="0"/>
+              </a:rPr>
+              <a:t>"BM9a Sea cable </a:t>
+            </a:r>
+            <a:r>
+              <a:rPr lang="en-US" altLang="zh-TW" sz="850" dirty="0">
+                <a:solidFill>
+                  <a:srgbClr val="D69D85"/>
+                </a:solidFill>
+                <a:effectLst/>
+                <a:latin typeface="Consolas" panose="020B0609020204030204" pitchFamily="49" charset="0"/>
+                <a:cs typeface="Consolas" panose="020B0609020204030204" pitchFamily="49" charset="0"/>
+              </a:rPr>
+              <a:t>…</a:t>
+            </a:r>
+            <a:r>
+              <a:rPr lang="en" altLang="zh-TW" sz="850" dirty="0">
+                <a:solidFill>
+                  <a:srgbClr val="D69D85"/>
+                </a:solidFill>
+                <a:effectLst/>
+                <a:latin typeface="Consolas" panose="020B0609020204030204" pitchFamily="49" charset="0"/>
+                <a:cs typeface="Consolas" panose="020B0609020204030204" pitchFamily="49" charset="0"/>
+              </a:rPr>
+              <a:t>"</a:t>
+            </a:r>
+            <a:br>
+              <a:rPr lang="en" altLang="zh-TW" sz="850" dirty="0">
+                <a:solidFill>
+                  <a:srgbClr val="D69D85"/>
+                </a:solidFill>
+                <a:effectLst/>
+                <a:latin typeface="Consolas" panose="020B0609020204030204" pitchFamily="49" charset="0"/>
+                <a:cs typeface="Consolas" panose="020B0609020204030204" pitchFamily="49" charset="0"/>
+              </a:rPr>
+            </a:br>
+            <a:r>
+              <a:rPr lang="en" altLang="zh-TW" sz="850" dirty="0">
+                <a:solidFill>
+                  <a:srgbClr val="D69D85"/>
+                </a:solidFill>
+                <a:effectLst/>
+                <a:latin typeface="Consolas" panose="020B0609020204030204" pitchFamily="49" charset="0"/>
+                <a:cs typeface="Consolas" panose="020B0609020204030204" pitchFamily="49" charset="0"/>
+              </a:rPr>
+              <a:t>    </a:t>
+            </a:r>
+            <a:r>
+              <a:rPr lang="en" altLang="zh-TW" sz="850" dirty="0">
+                <a:solidFill>
+                  <a:srgbClr val="D4D4D4"/>
+                </a:solidFill>
+                <a:effectLst/>
+                <a:latin typeface="Consolas" panose="020B0609020204030204" pitchFamily="49" charset="0"/>
+                <a:cs typeface="Consolas" panose="020B0609020204030204" pitchFamily="49" charset="0"/>
+              </a:rPr>
+              <a:t>},</a:t>
+            </a:r>
+            <a:br>
+              <a:rPr lang="en" altLang="zh-TW" sz="850" dirty="0">
+                <a:solidFill>
+                  <a:srgbClr val="D4D4D4"/>
+                </a:solidFill>
+                <a:effectLst/>
+                <a:latin typeface="Consolas" panose="020B0609020204030204" pitchFamily="49" charset="0"/>
+                <a:cs typeface="Consolas" panose="020B0609020204030204" pitchFamily="49" charset="0"/>
+              </a:rPr>
+            </a:br>
+            <a:r>
+              <a:rPr lang="en" altLang="zh-TW" sz="850" dirty="0">
+                <a:solidFill>
+                  <a:srgbClr val="D4D4D4"/>
+                </a:solidFill>
+                <a:effectLst/>
+                <a:latin typeface="Consolas" panose="020B0609020204030204" pitchFamily="49" charset="0"/>
+                <a:cs typeface="Consolas" panose="020B0609020204030204" pitchFamily="49" charset="0"/>
+              </a:rPr>
+              <a:t>    {</a:t>
+            </a:r>
+            <a:br>
+              <a:rPr lang="en" altLang="zh-TW" sz="850" dirty="0">
+                <a:solidFill>
+                  <a:srgbClr val="D4D4D4"/>
+                </a:solidFill>
+                <a:effectLst/>
+                <a:latin typeface="Consolas" panose="020B0609020204030204" pitchFamily="49" charset="0"/>
+                <a:cs typeface="Consolas" panose="020B0609020204030204" pitchFamily="49" charset="0"/>
+              </a:rPr>
+            </a:br>
+            <a:r>
+              <a:rPr lang="en" altLang="zh-TW" sz="850" dirty="0">
+                <a:solidFill>
+                  <a:srgbClr val="D4D4D4"/>
+                </a:solidFill>
+                <a:effectLst/>
+                <a:latin typeface="Consolas" panose="020B0609020204030204" pitchFamily="49" charset="0"/>
+                <a:cs typeface="Consolas" panose="020B0609020204030204" pitchFamily="49" charset="0"/>
+              </a:rPr>
+              <a:t>      </a:t>
+            </a:r>
+            <a:r>
+              <a:rPr lang="en" altLang="zh-TW" sz="850" dirty="0">
+                <a:solidFill>
+                  <a:srgbClr val="D7BA7D"/>
+                </a:solidFill>
+                <a:effectLst/>
+                <a:latin typeface="Consolas" panose="020B0609020204030204" pitchFamily="49" charset="0"/>
+                <a:cs typeface="Consolas" panose="020B0609020204030204" pitchFamily="49" charset="0"/>
+              </a:rPr>
+              <a:t>"BillMilestone"</a:t>
+            </a:r>
+            <a:r>
+              <a:rPr lang="en" altLang="zh-TW" sz="850" dirty="0">
+                <a:solidFill>
+                  <a:srgbClr val="D4D4D4"/>
+                </a:solidFill>
+                <a:effectLst/>
+                <a:latin typeface="Consolas" panose="020B0609020204030204" pitchFamily="49" charset="0"/>
+                <a:cs typeface="Consolas" panose="020B0609020204030204" pitchFamily="49" charset="0"/>
+              </a:rPr>
+              <a:t>: </a:t>
+            </a:r>
+            <a:r>
+              <a:rPr lang="en" altLang="zh-TW" sz="850" dirty="0">
+                <a:solidFill>
+                  <a:srgbClr val="D69D85"/>
+                </a:solidFill>
+                <a:effectLst/>
+                <a:latin typeface="Consolas" panose="020B0609020204030204" pitchFamily="49" charset="0"/>
+                <a:cs typeface="Consolas" panose="020B0609020204030204" pitchFamily="49" charset="0"/>
+              </a:rPr>
+              <a:t>"BM12"</a:t>
+            </a:r>
+            <a:r>
+              <a:rPr lang="en" altLang="zh-TW" sz="850" dirty="0">
+                <a:solidFill>
+                  <a:srgbClr val="D4D4D4"/>
+                </a:solidFill>
+                <a:effectLst/>
+                <a:latin typeface="Consolas" panose="020B0609020204030204" pitchFamily="49" charset="0"/>
+                <a:cs typeface="Consolas" panose="020B0609020204030204" pitchFamily="49" charset="0"/>
+              </a:rPr>
+              <a:t>,</a:t>
+            </a:r>
+            <a:br>
+              <a:rPr lang="en" altLang="zh-TW" sz="850" dirty="0">
+                <a:solidFill>
+                  <a:srgbClr val="D4D4D4"/>
+                </a:solidFill>
+                <a:effectLst/>
+                <a:latin typeface="Consolas" panose="020B0609020204030204" pitchFamily="49" charset="0"/>
+                <a:cs typeface="Consolas" panose="020B0609020204030204" pitchFamily="49" charset="0"/>
+              </a:rPr>
+            </a:br>
+            <a:r>
+              <a:rPr lang="en" altLang="zh-TW" sz="850" dirty="0">
+                <a:solidFill>
+                  <a:srgbClr val="D4D4D4"/>
+                </a:solidFill>
+                <a:effectLst/>
+                <a:latin typeface="Consolas" panose="020B0609020204030204" pitchFamily="49" charset="0"/>
+                <a:cs typeface="Consolas" panose="020B0609020204030204" pitchFamily="49" charset="0"/>
+              </a:rPr>
+              <a:t>      </a:t>
+            </a:r>
+            <a:r>
+              <a:rPr lang="en" altLang="zh-TW" sz="850" dirty="0">
+                <a:solidFill>
+                  <a:srgbClr val="D7BA7D"/>
+                </a:solidFill>
+                <a:effectLst/>
+                <a:latin typeface="Consolas" panose="020B0609020204030204" pitchFamily="49" charset="0"/>
+                <a:cs typeface="Consolas" panose="020B0609020204030204" pitchFamily="49" charset="0"/>
+              </a:rPr>
+              <a:t>"FeeAmount"</a:t>
+            </a:r>
+            <a:r>
+              <a:rPr lang="en" altLang="zh-TW" sz="850" dirty="0">
+                <a:solidFill>
+                  <a:srgbClr val="D4D4D4"/>
+                </a:solidFill>
+                <a:effectLst/>
+                <a:latin typeface="Consolas" panose="020B0609020204030204" pitchFamily="49" charset="0"/>
+                <a:cs typeface="Consolas" panose="020B0609020204030204" pitchFamily="49" charset="0"/>
+              </a:rPr>
+              <a:t>: </a:t>
+            </a:r>
+            <a:r>
+              <a:rPr lang="en" altLang="zh-TW" sz="850" dirty="0">
+                <a:solidFill>
+                  <a:srgbClr val="B4CDA8"/>
+                </a:solidFill>
+                <a:effectLst/>
+                <a:latin typeface="Consolas" panose="020B0609020204030204" pitchFamily="49" charset="0"/>
+                <a:cs typeface="Consolas" panose="020B0609020204030204" pitchFamily="49" charset="0"/>
+              </a:rPr>
+              <a:t>1627300.92</a:t>
+            </a:r>
+            <a:r>
+              <a:rPr lang="en" altLang="zh-TW" sz="850" dirty="0">
+                <a:solidFill>
+                  <a:srgbClr val="D4D4D4"/>
+                </a:solidFill>
+                <a:effectLst/>
+                <a:latin typeface="Consolas" panose="020B0609020204030204" pitchFamily="49" charset="0"/>
+                <a:cs typeface="Consolas" panose="020B0609020204030204" pitchFamily="49" charset="0"/>
+              </a:rPr>
+              <a:t>,</a:t>
+            </a:r>
+            <a:br>
+              <a:rPr lang="en" altLang="zh-TW" sz="850" dirty="0">
+                <a:solidFill>
+                  <a:srgbClr val="D4D4D4"/>
+                </a:solidFill>
+                <a:effectLst/>
+                <a:latin typeface="Consolas" panose="020B0609020204030204" pitchFamily="49" charset="0"/>
+                <a:cs typeface="Consolas" panose="020B0609020204030204" pitchFamily="49" charset="0"/>
+              </a:rPr>
+            </a:br>
+            <a:r>
+              <a:rPr lang="en" altLang="zh-TW" sz="850" dirty="0">
+                <a:solidFill>
+                  <a:srgbClr val="D4D4D4"/>
+                </a:solidFill>
+                <a:effectLst/>
+                <a:latin typeface="Consolas" panose="020B0609020204030204" pitchFamily="49" charset="0"/>
+                <a:cs typeface="Consolas" panose="020B0609020204030204" pitchFamily="49" charset="0"/>
+              </a:rPr>
+              <a:t>      </a:t>
+            </a:r>
+            <a:r>
+              <a:rPr lang="en" altLang="zh-TW" sz="850" dirty="0">
+                <a:solidFill>
+                  <a:srgbClr val="D7BA7D"/>
+                </a:solidFill>
+                <a:effectLst/>
+                <a:latin typeface="Consolas" panose="020B0609020204030204" pitchFamily="49" charset="0"/>
+                <a:cs typeface="Consolas" panose="020B0609020204030204" pitchFamily="49" charset="0"/>
+              </a:rPr>
+              <a:t>"FeeItem"</a:t>
+            </a:r>
+            <a:r>
+              <a:rPr lang="en" altLang="zh-TW" sz="850" dirty="0">
+                <a:solidFill>
+                  <a:srgbClr val="D4D4D4"/>
+                </a:solidFill>
+                <a:effectLst/>
+                <a:latin typeface="Consolas" panose="020B0609020204030204" pitchFamily="49" charset="0"/>
+                <a:cs typeface="Consolas" panose="020B0609020204030204" pitchFamily="49" charset="0"/>
+              </a:rPr>
+              <a:t>: </a:t>
+            </a:r>
+            <a:r>
+              <a:rPr lang="en" altLang="zh-TW" sz="850" dirty="0">
+                <a:solidFill>
+                  <a:srgbClr val="D69D85"/>
+                </a:solidFill>
+                <a:effectLst/>
+                <a:latin typeface="Consolas" panose="020B0609020204030204" pitchFamily="49" charset="0"/>
+                <a:cs typeface="Consolas" panose="020B0609020204030204" pitchFamily="49" charset="0"/>
+              </a:rPr>
+              <a:t>"BM12 Branching Units (100%)-Equipment"</a:t>
+            </a:r>
+            <a:br>
+              <a:rPr lang="en" altLang="zh-TW" sz="850" dirty="0">
+                <a:solidFill>
+                  <a:srgbClr val="D69D85"/>
+                </a:solidFill>
+                <a:effectLst/>
+                <a:latin typeface="Consolas" panose="020B0609020204030204" pitchFamily="49" charset="0"/>
+                <a:cs typeface="Consolas" panose="020B0609020204030204" pitchFamily="49" charset="0"/>
+              </a:rPr>
+            </a:br>
+            <a:r>
+              <a:rPr lang="en" altLang="zh-TW" sz="850" dirty="0">
+                <a:solidFill>
+                  <a:srgbClr val="D69D85"/>
+                </a:solidFill>
+                <a:effectLst/>
+                <a:latin typeface="Consolas" panose="020B0609020204030204" pitchFamily="49" charset="0"/>
+                <a:cs typeface="Consolas" panose="020B0609020204030204" pitchFamily="49" charset="0"/>
+              </a:rPr>
+              <a:t>    </a:t>
+            </a:r>
+            <a:r>
+              <a:rPr lang="en" altLang="zh-TW" sz="850" dirty="0">
+                <a:solidFill>
+                  <a:srgbClr val="D4D4D4"/>
+                </a:solidFill>
+                <a:effectLst/>
+                <a:latin typeface="Consolas" panose="020B0609020204030204" pitchFamily="49" charset="0"/>
+                <a:cs typeface="Consolas" panose="020B0609020204030204" pitchFamily="49" charset="0"/>
+              </a:rPr>
+              <a:t>},</a:t>
+            </a:r>
+            <a:br>
+              <a:rPr lang="en" altLang="zh-TW" sz="850" dirty="0">
+                <a:solidFill>
+                  <a:srgbClr val="D4D4D4"/>
+                </a:solidFill>
+                <a:effectLst/>
+                <a:latin typeface="Consolas" panose="020B0609020204030204" pitchFamily="49" charset="0"/>
+                <a:cs typeface="Consolas" panose="020B0609020204030204" pitchFamily="49" charset="0"/>
+              </a:rPr>
+            </a:br>
+            <a:r>
+              <a:rPr lang="en" altLang="zh-TW" sz="850" dirty="0">
+                <a:solidFill>
+                  <a:srgbClr val="D4D4D4"/>
+                </a:solidFill>
+                <a:effectLst/>
+                <a:latin typeface="Consolas" panose="020B0609020204030204" pitchFamily="49" charset="0"/>
+                <a:cs typeface="Consolas" panose="020B0609020204030204" pitchFamily="49" charset="0"/>
+              </a:rPr>
+              <a:t>    {</a:t>
+            </a:r>
+            <a:br>
+              <a:rPr lang="en" altLang="zh-TW" sz="850" dirty="0">
+                <a:solidFill>
+                  <a:srgbClr val="D4D4D4"/>
+                </a:solidFill>
+                <a:effectLst/>
+                <a:latin typeface="Consolas" panose="020B0609020204030204" pitchFamily="49" charset="0"/>
+                <a:cs typeface="Consolas" panose="020B0609020204030204" pitchFamily="49" charset="0"/>
+              </a:rPr>
+            </a:br>
+            <a:r>
+              <a:rPr lang="en" altLang="zh-TW" sz="850" dirty="0">
+                <a:solidFill>
+                  <a:srgbClr val="D4D4D4"/>
+                </a:solidFill>
+                <a:effectLst/>
+                <a:latin typeface="Consolas" panose="020B0609020204030204" pitchFamily="49" charset="0"/>
+                <a:cs typeface="Consolas" panose="020B0609020204030204" pitchFamily="49" charset="0"/>
+              </a:rPr>
+              <a:t>      </a:t>
+            </a:r>
+            <a:r>
+              <a:rPr lang="en" altLang="zh-TW" sz="850" dirty="0">
+                <a:solidFill>
+                  <a:srgbClr val="D7BA7D"/>
+                </a:solidFill>
+                <a:effectLst/>
+                <a:latin typeface="Consolas" panose="020B0609020204030204" pitchFamily="49" charset="0"/>
+                <a:cs typeface="Consolas" panose="020B0609020204030204" pitchFamily="49" charset="0"/>
+              </a:rPr>
+              <a:t>"BillMilestone"</a:t>
+            </a:r>
+            <a:r>
+              <a:rPr lang="en" altLang="zh-TW" sz="850" dirty="0">
+                <a:solidFill>
+                  <a:srgbClr val="D4D4D4"/>
+                </a:solidFill>
+                <a:effectLst/>
+                <a:latin typeface="Consolas" panose="020B0609020204030204" pitchFamily="49" charset="0"/>
+                <a:cs typeface="Consolas" panose="020B0609020204030204" pitchFamily="49" charset="0"/>
+              </a:rPr>
+              <a:t>: </a:t>
+            </a:r>
+            <a:r>
+              <a:rPr lang="en" altLang="zh-TW" sz="850" dirty="0">
+                <a:solidFill>
+                  <a:srgbClr val="D69D85"/>
+                </a:solidFill>
+                <a:effectLst/>
+                <a:latin typeface="Consolas" panose="020B0609020204030204" pitchFamily="49" charset="0"/>
+                <a:cs typeface="Consolas" panose="020B0609020204030204" pitchFamily="49" charset="0"/>
+              </a:rPr>
+              <a:t>"BM12"</a:t>
+            </a:r>
+            <a:r>
+              <a:rPr lang="en" altLang="zh-TW" sz="850" dirty="0">
+                <a:solidFill>
+                  <a:srgbClr val="D4D4D4"/>
+                </a:solidFill>
+                <a:effectLst/>
+                <a:latin typeface="Consolas" panose="020B0609020204030204" pitchFamily="49" charset="0"/>
+                <a:cs typeface="Consolas" panose="020B0609020204030204" pitchFamily="49" charset="0"/>
+              </a:rPr>
+              <a:t>,</a:t>
+            </a:r>
+            <a:br>
+              <a:rPr lang="en" altLang="zh-TW" sz="850" dirty="0">
+                <a:solidFill>
+                  <a:srgbClr val="D4D4D4"/>
+                </a:solidFill>
+                <a:effectLst/>
+                <a:latin typeface="Consolas" panose="020B0609020204030204" pitchFamily="49" charset="0"/>
+                <a:cs typeface="Consolas" panose="020B0609020204030204" pitchFamily="49" charset="0"/>
+              </a:rPr>
+            </a:br>
+            <a:r>
+              <a:rPr lang="en" altLang="zh-TW" sz="850" dirty="0">
+                <a:solidFill>
+                  <a:srgbClr val="D4D4D4"/>
+                </a:solidFill>
+                <a:effectLst/>
+                <a:latin typeface="Consolas" panose="020B0609020204030204" pitchFamily="49" charset="0"/>
+                <a:cs typeface="Consolas" panose="020B0609020204030204" pitchFamily="49" charset="0"/>
+              </a:rPr>
+              <a:t>      </a:t>
+            </a:r>
+            <a:r>
+              <a:rPr lang="en" altLang="zh-TW" sz="850" dirty="0">
+                <a:solidFill>
+                  <a:srgbClr val="D7BA7D"/>
+                </a:solidFill>
+                <a:effectLst/>
+                <a:latin typeface="Consolas" panose="020B0609020204030204" pitchFamily="49" charset="0"/>
+                <a:cs typeface="Consolas" panose="020B0609020204030204" pitchFamily="49" charset="0"/>
+              </a:rPr>
+              <a:t>"FeeAmount"</a:t>
+            </a:r>
+            <a:r>
+              <a:rPr lang="en" altLang="zh-TW" sz="850" dirty="0">
+                <a:solidFill>
+                  <a:srgbClr val="D4D4D4"/>
+                </a:solidFill>
+                <a:effectLst/>
+                <a:latin typeface="Consolas" panose="020B0609020204030204" pitchFamily="49" charset="0"/>
+                <a:cs typeface="Consolas" panose="020B0609020204030204" pitchFamily="49" charset="0"/>
+              </a:rPr>
+              <a:t>: </a:t>
+            </a:r>
+            <a:r>
+              <a:rPr lang="en" altLang="zh-TW" sz="850" dirty="0">
+                <a:solidFill>
+                  <a:srgbClr val="B4CDA8"/>
+                </a:solidFill>
+                <a:effectLst/>
+                <a:latin typeface="Consolas" panose="020B0609020204030204" pitchFamily="49" charset="0"/>
+                <a:cs typeface="Consolas" panose="020B0609020204030204" pitchFamily="49" charset="0"/>
+              </a:rPr>
+              <a:t>1487661.54</a:t>
+            </a:r>
+            <a:r>
+              <a:rPr lang="en" altLang="zh-TW" sz="850" dirty="0">
+                <a:solidFill>
+                  <a:srgbClr val="D4D4D4"/>
+                </a:solidFill>
+                <a:effectLst/>
+                <a:latin typeface="Consolas" panose="020B0609020204030204" pitchFamily="49" charset="0"/>
+                <a:cs typeface="Consolas" panose="020B0609020204030204" pitchFamily="49" charset="0"/>
+              </a:rPr>
+              <a:t>,</a:t>
+            </a:r>
+            <a:br>
+              <a:rPr lang="en" altLang="zh-TW" sz="850" dirty="0">
+                <a:solidFill>
+                  <a:srgbClr val="D4D4D4"/>
+                </a:solidFill>
+                <a:effectLst/>
+                <a:latin typeface="Consolas" panose="020B0609020204030204" pitchFamily="49" charset="0"/>
+                <a:cs typeface="Consolas" panose="020B0609020204030204" pitchFamily="49" charset="0"/>
+              </a:rPr>
+            </a:br>
+            <a:r>
+              <a:rPr lang="en" altLang="zh-TW" sz="850" dirty="0">
+                <a:solidFill>
+                  <a:srgbClr val="D4D4D4"/>
+                </a:solidFill>
+                <a:effectLst/>
+                <a:latin typeface="Consolas" panose="020B0609020204030204" pitchFamily="49" charset="0"/>
+                <a:cs typeface="Consolas" panose="020B0609020204030204" pitchFamily="49" charset="0"/>
+              </a:rPr>
+              <a:t>      </a:t>
+            </a:r>
+            <a:r>
+              <a:rPr lang="en" altLang="zh-TW" sz="850" dirty="0">
+                <a:solidFill>
+                  <a:srgbClr val="D7BA7D"/>
+                </a:solidFill>
+                <a:effectLst/>
+                <a:latin typeface="Consolas" panose="020B0609020204030204" pitchFamily="49" charset="0"/>
+                <a:cs typeface="Consolas" panose="020B0609020204030204" pitchFamily="49" charset="0"/>
+              </a:rPr>
+              <a:t>"FeeItem"</a:t>
+            </a:r>
+            <a:r>
+              <a:rPr lang="en" altLang="zh-TW" sz="850" dirty="0">
+                <a:solidFill>
+                  <a:srgbClr val="D4D4D4"/>
+                </a:solidFill>
+                <a:effectLst/>
+                <a:latin typeface="Consolas" panose="020B0609020204030204" pitchFamily="49" charset="0"/>
+                <a:cs typeface="Consolas" panose="020B0609020204030204" pitchFamily="49" charset="0"/>
+              </a:rPr>
+              <a:t>: </a:t>
+            </a:r>
+            <a:r>
+              <a:rPr lang="en" altLang="zh-TW" sz="850" dirty="0">
+                <a:solidFill>
+                  <a:srgbClr val="D69D85"/>
+                </a:solidFill>
+                <a:effectLst/>
+                <a:latin typeface="Consolas" panose="020B0609020204030204" pitchFamily="49" charset="0"/>
+                <a:cs typeface="Consolas" panose="020B0609020204030204" pitchFamily="49" charset="0"/>
+              </a:rPr>
+              <a:t>"BM12 Branching Units (100%)-Service"</a:t>
+            </a:r>
+            <a:br>
+              <a:rPr lang="en" altLang="zh-TW" sz="850" dirty="0">
+                <a:solidFill>
+                  <a:srgbClr val="D69D85"/>
+                </a:solidFill>
+                <a:effectLst/>
+                <a:latin typeface="Consolas" panose="020B0609020204030204" pitchFamily="49" charset="0"/>
+                <a:cs typeface="Consolas" panose="020B0609020204030204" pitchFamily="49" charset="0"/>
+              </a:rPr>
+            </a:br>
+            <a:r>
+              <a:rPr lang="en" altLang="zh-TW" sz="850" dirty="0">
+                <a:solidFill>
+                  <a:srgbClr val="D69D85"/>
+                </a:solidFill>
+                <a:effectLst/>
+                <a:latin typeface="Consolas" panose="020B0609020204030204" pitchFamily="49" charset="0"/>
+                <a:cs typeface="Consolas" panose="020B0609020204030204" pitchFamily="49" charset="0"/>
+              </a:rPr>
+              <a:t>    </a:t>
+            </a:r>
+            <a:r>
+              <a:rPr lang="en" altLang="zh-TW" sz="850" dirty="0">
+                <a:solidFill>
+                  <a:srgbClr val="D4D4D4"/>
+                </a:solidFill>
+                <a:effectLst/>
+                <a:latin typeface="Consolas" panose="020B0609020204030204" pitchFamily="49" charset="0"/>
+                <a:cs typeface="Consolas" panose="020B0609020204030204" pitchFamily="49" charset="0"/>
+              </a:rPr>
+              <a:t>}</a:t>
+            </a:r>
+            <a:br>
+              <a:rPr lang="en" altLang="zh-TW" sz="850" dirty="0">
+                <a:solidFill>
+                  <a:srgbClr val="D4D4D4"/>
+                </a:solidFill>
+                <a:effectLst/>
+                <a:latin typeface="Consolas" panose="020B0609020204030204" pitchFamily="49" charset="0"/>
+                <a:cs typeface="Consolas" panose="020B0609020204030204" pitchFamily="49" charset="0"/>
+              </a:rPr>
+            </a:br>
+            <a:r>
+              <a:rPr lang="en" altLang="zh-TW" sz="850" dirty="0">
+                <a:solidFill>
+                  <a:srgbClr val="D4D4D4"/>
+                </a:solidFill>
+                <a:effectLst/>
+                <a:latin typeface="Consolas" panose="020B0609020204030204" pitchFamily="49" charset="0"/>
+                <a:cs typeface="Consolas" panose="020B0609020204030204" pitchFamily="49" charset="0"/>
+              </a:rPr>
+              <a:t>  ]</a:t>
+            </a:r>
+            <a:br>
+              <a:rPr lang="en" altLang="zh-TW" sz="850" dirty="0">
+                <a:solidFill>
+                  <a:srgbClr val="D4D4D4"/>
+                </a:solidFill>
+                <a:effectLst/>
+                <a:latin typeface="Consolas" panose="020B0609020204030204" pitchFamily="49" charset="0"/>
+                <a:cs typeface="Consolas" panose="020B0609020204030204" pitchFamily="49" charset="0"/>
+              </a:rPr>
+            </a:br>
+            <a:r>
+              <a:rPr lang="en" altLang="zh-TW" sz="850" dirty="0">
+                <a:solidFill>
+                  <a:srgbClr val="D4D4D4"/>
+                </a:solidFill>
+                <a:effectLst/>
+                <a:latin typeface="Consolas" panose="020B0609020204030204" pitchFamily="49" charset="0"/>
+                <a:cs typeface="Consolas" panose="020B0609020204030204" pitchFamily="49" charset="0"/>
+              </a:rPr>
+              <a:t>}</a:t>
+            </a:r>
+          </a:p>
+        </p:txBody>
+      </p:sp>
+      <p:pic>
+        <p:nvPicPr>
+          <p:cNvPr id="10" name="圖片 9">
+            <a:extLst>
+              <a:ext uri="{FF2B5EF4-FFF2-40B4-BE49-F238E27FC236}">
+                <a16:creationId xmlns:a16="http://schemas.microsoft.com/office/drawing/2014/main" id="{1BC534F5-D35D-762D-E2D4-BD2A63C74382}"/>
+              </a:ext>
+            </a:extLst>
+          </p:cNvPr>
+          <p:cNvPicPr>
+            <a:picLocks noChangeAspect="1"/>
+          </p:cNvPicPr>
+          <p:nvPr/>
+        </p:nvPicPr>
+        <p:blipFill>
+          <a:blip r:embed="rId2"/>
+          <a:stretch>
+            <a:fillRect/>
+          </a:stretch>
+        </p:blipFill>
+        <p:spPr>
+          <a:xfrm>
+            <a:off x="838200" y="1690688"/>
+            <a:ext cx="5502635" cy="3095232"/>
+          </a:xfrm>
+          <a:prstGeom prst="rect">
+            <a:avLst/>
+          </a:prstGeom>
+        </p:spPr>
+      </p:pic>
+      <p:cxnSp>
+        <p:nvCxnSpPr>
+          <p:cNvPr id="12" name="肘形接點 11">
+            <a:extLst>
+              <a:ext uri="{FF2B5EF4-FFF2-40B4-BE49-F238E27FC236}">
+                <a16:creationId xmlns:a16="http://schemas.microsoft.com/office/drawing/2014/main" id="{32AEBC36-7039-FC04-9CB6-DAAFC2E5E8C7}"/>
+              </a:ext>
+            </a:extLst>
+          </p:cNvPr>
+          <p:cNvCxnSpPr>
+            <a:cxnSpLocks/>
+            <a:stCxn id="11" idx="2"/>
+            <a:endCxn id="8" idx="1"/>
+          </p:cNvCxnSpPr>
+          <p:nvPr/>
+        </p:nvCxnSpPr>
+        <p:spPr>
+          <a:xfrm rot="5400000" flipH="1" flipV="1">
+            <a:off x="4802684" y="2748389"/>
+            <a:ext cx="1109601" cy="2833713"/>
+          </a:xfrm>
+          <a:prstGeom prst="bentConnector4">
+            <a:avLst>
+              <a:gd name="adj1" fmla="val -20602"/>
+              <a:gd name="adj2" fmla="val 54994"/>
+            </a:avLst>
+          </a:prstGeom>
+          <a:ln w="25400">
+            <a:solidFill>
+              <a:srgbClr val="FF0000"/>
+            </a:solidFill>
+            <a:tailEnd type="triangle" w="lg" len="med"/>
+          </a:ln>
+        </p:spPr>
+        <p:style>
+          <a:lnRef idx="1">
+            <a:schemeClr val="accent1"/>
+          </a:lnRef>
+          <a:fillRef idx="0">
+            <a:schemeClr val="accent1"/>
+          </a:fillRef>
+          <a:effectRef idx="0">
+            <a:schemeClr val="accent1"/>
+          </a:effectRef>
+          <a:fontRef idx="minor">
+            <a:schemeClr val="tx1"/>
+          </a:fontRef>
+        </p:style>
+      </p:cxnSp>
+      <p:sp>
+        <p:nvSpPr>
+          <p:cNvPr id="14" name="文字方塊 13">
+            <a:extLst>
+              <a:ext uri="{FF2B5EF4-FFF2-40B4-BE49-F238E27FC236}">
+                <a16:creationId xmlns:a16="http://schemas.microsoft.com/office/drawing/2014/main" id="{3A777102-9282-D898-C548-3DBAECFA9745}"/>
+              </a:ext>
+            </a:extLst>
+          </p:cNvPr>
+          <p:cNvSpPr txBox="1"/>
+          <p:nvPr/>
+        </p:nvSpPr>
+        <p:spPr>
+          <a:xfrm>
+            <a:off x="462642" y="5820459"/>
+            <a:ext cx="10663162" cy="461665"/>
+          </a:xfrm>
+          <a:prstGeom prst="rect">
+            <a:avLst/>
+          </a:prstGeom>
+          <a:noFill/>
+        </p:spPr>
+        <p:txBody>
+          <a:bodyPr wrap="square">
+            <a:spAutoFit/>
+          </a:bodyPr>
+          <a:lstStyle/>
+          <a:p>
+            <a:r>
+              <a:rPr lang="en-US" altLang="zh-TW" sz="1200" dirty="0">
+                <a:latin typeface="Consolas" panose="020B0609020204030204" pitchFamily="49" charset="0"/>
+                <a:cs typeface="Consolas" panose="020B0609020204030204" pitchFamily="49" charset="0"/>
+              </a:rPr>
+              <a:t>Method: POST</a:t>
+            </a:r>
+          </a:p>
+          <a:p>
+            <a:r>
+              <a:rPr lang="en-US" altLang="zh-TW" sz="1200" dirty="0">
+                <a:latin typeface="Consolas" panose="020B0609020204030204" pitchFamily="49" charset="0"/>
+                <a:cs typeface="Consolas" panose="020B0609020204030204" pitchFamily="49" charset="0"/>
+              </a:rPr>
+              <a:t>URL: </a:t>
+            </a:r>
+            <a:r>
+              <a:rPr lang="zh-TW" altLang="en-US" sz="1200" dirty="0">
+                <a:latin typeface="Consolas" panose="020B0609020204030204" pitchFamily="49" charset="0"/>
+                <a:cs typeface="Consolas" panose="020B0609020204030204" pitchFamily="49" charset="0"/>
+                <a:hlinkClick r:id="rId3"/>
+              </a:rPr>
+              <a:t>http://127.0.0.1:8000/api/v1/generateInvoiceWKMaster&amp;InvoiceWKDetail</a:t>
+            </a:r>
+            <a:endParaRPr lang="zh-TW" altLang="en-US" sz="1200" dirty="0">
+              <a:latin typeface="Consolas" panose="020B0609020204030204" pitchFamily="49" charset="0"/>
+              <a:cs typeface="Consolas" panose="020B0609020204030204" pitchFamily="49" charset="0"/>
+            </a:endParaRPr>
+          </a:p>
+        </p:txBody>
+      </p:sp>
+      <p:sp>
+        <p:nvSpPr>
+          <p:cNvPr id="15" name="文字方塊 14">
+            <a:extLst>
+              <a:ext uri="{FF2B5EF4-FFF2-40B4-BE49-F238E27FC236}">
+                <a16:creationId xmlns:a16="http://schemas.microsoft.com/office/drawing/2014/main" id="{92B7206E-F0FB-1190-A1AC-BC01A57CFF0B}"/>
+              </a:ext>
+            </a:extLst>
+          </p:cNvPr>
+          <p:cNvSpPr txBox="1"/>
+          <p:nvPr/>
+        </p:nvSpPr>
+        <p:spPr>
+          <a:xfrm>
+            <a:off x="2103220" y="4957695"/>
+            <a:ext cx="4671122" cy="276999"/>
+          </a:xfrm>
+          <a:prstGeom prst="rect">
+            <a:avLst/>
+          </a:prstGeom>
+          <a:noFill/>
+        </p:spPr>
+        <p:txBody>
+          <a:bodyPr wrap="square">
+            <a:spAutoFit/>
+          </a:bodyPr>
+          <a:lstStyle/>
+          <a:p>
+            <a:r>
+              <a:rPr lang="zh-TW" altLang="en-US" sz="1200" dirty="0">
+                <a:latin typeface="Consolas" panose="020B0609020204030204" pitchFamily="49" charset="0"/>
+                <a:ea typeface="標楷體" panose="03000509000000000000" pitchFamily="65" charset="-120"/>
+                <a:cs typeface="Consolas" panose="020B0609020204030204" pitchFamily="49" charset="0"/>
+              </a:rPr>
+              <a:t>若有</a:t>
+            </a:r>
+            <a:r>
+              <a:rPr lang="en-US" altLang="zh-TW" sz="1200" dirty="0">
+                <a:latin typeface="Consolas" panose="020B0609020204030204" pitchFamily="49" charset="0"/>
+                <a:ea typeface="標楷體" panose="03000509000000000000" pitchFamily="65" charset="-120"/>
+                <a:cs typeface="Consolas" panose="020B0609020204030204" pitchFamily="49" charset="0"/>
+              </a:rPr>
+              <a:t>n</a:t>
+            </a:r>
+            <a:r>
+              <a:rPr lang="zh-TW" altLang="en-US" sz="1200" dirty="0">
+                <a:latin typeface="Consolas" panose="020B0609020204030204" pitchFamily="49" charset="0"/>
+                <a:ea typeface="標楷體" panose="03000509000000000000" pitchFamily="65" charset="-120"/>
+                <a:cs typeface="Consolas" panose="020B0609020204030204" pitchFamily="49" charset="0"/>
+              </a:rPr>
+              <a:t>張發票，請發送</a:t>
+            </a:r>
+            <a:r>
+              <a:rPr lang="en-US" altLang="zh-TW" sz="1200" dirty="0">
+                <a:latin typeface="Consolas" panose="020B0609020204030204" pitchFamily="49" charset="0"/>
+                <a:ea typeface="標楷體" panose="03000509000000000000" pitchFamily="65" charset="-120"/>
+                <a:cs typeface="Consolas" panose="020B0609020204030204" pitchFamily="49" charset="0"/>
+              </a:rPr>
+              <a:t>n</a:t>
+            </a:r>
+            <a:r>
+              <a:rPr lang="zh-TW" altLang="en-US" sz="1200" dirty="0">
+                <a:latin typeface="Consolas" panose="020B0609020204030204" pitchFamily="49" charset="0"/>
+                <a:ea typeface="標楷體" panose="03000509000000000000" pitchFamily="65" charset="-120"/>
+                <a:cs typeface="Consolas" panose="020B0609020204030204" pitchFamily="49" charset="0"/>
+              </a:rPr>
+              <a:t>個</a:t>
+            </a:r>
+            <a:r>
+              <a:rPr lang="en-US" altLang="zh-TW" sz="1200" dirty="0">
+                <a:latin typeface="Consolas" panose="020B0609020204030204" pitchFamily="49" charset="0"/>
+                <a:ea typeface="標楷體" panose="03000509000000000000" pitchFamily="65" charset="-120"/>
+                <a:cs typeface="Consolas" panose="020B0609020204030204" pitchFamily="49" charset="0"/>
+              </a:rPr>
+              <a:t>requests</a:t>
+            </a:r>
+            <a:r>
+              <a:rPr lang="zh-TW" altLang="en-US" sz="1200" dirty="0">
+                <a:latin typeface="Consolas" panose="020B0609020204030204" pitchFamily="49" charset="0"/>
+                <a:ea typeface="標楷體" panose="03000509000000000000" pitchFamily="65" charset="-120"/>
+                <a:cs typeface="Consolas" panose="020B0609020204030204" pitchFamily="49" charset="0"/>
+              </a:rPr>
+              <a:t>，每個</a:t>
+            </a:r>
+            <a:r>
+              <a:rPr lang="en-US" altLang="zh-TW" sz="1200" dirty="0">
+                <a:latin typeface="Consolas" panose="020B0609020204030204" pitchFamily="49" charset="0"/>
+                <a:ea typeface="標楷體" panose="03000509000000000000" pitchFamily="65" charset="-120"/>
+                <a:cs typeface="Consolas" panose="020B0609020204030204" pitchFamily="49" charset="0"/>
+              </a:rPr>
+              <a:t>request</a:t>
+            </a:r>
+            <a:r>
+              <a:rPr lang="zh-TW" altLang="en-US" sz="1200" dirty="0">
+                <a:latin typeface="Consolas" panose="020B0609020204030204" pitchFamily="49" charset="0"/>
+                <a:ea typeface="標楷體" panose="03000509000000000000" pitchFamily="65" charset="-120"/>
+                <a:cs typeface="Consolas" panose="020B0609020204030204" pitchFamily="49" charset="0"/>
+              </a:rPr>
+              <a:t>內容如右邊格式</a:t>
+            </a:r>
+          </a:p>
+        </p:txBody>
+      </p:sp>
+      <p:sp>
+        <p:nvSpPr>
+          <p:cNvPr id="11" name="矩形 10">
+            <a:extLst>
+              <a:ext uri="{FF2B5EF4-FFF2-40B4-BE49-F238E27FC236}">
+                <a16:creationId xmlns:a16="http://schemas.microsoft.com/office/drawing/2014/main" id="{4D92AFB0-D686-4B44-B767-568AFFF30C2A}"/>
+              </a:ext>
+            </a:extLst>
+          </p:cNvPr>
+          <p:cNvSpPr/>
+          <p:nvPr/>
+        </p:nvSpPr>
+        <p:spPr>
+          <a:xfrm>
+            <a:off x="3657600" y="4455506"/>
+            <a:ext cx="566057" cy="264540"/>
+          </a:xfrm>
+          <a:prstGeom prst="rect">
+            <a:avLst/>
+          </a:prstGeom>
+          <a:noFill/>
+          <a:ln w="38100">
+            <a:solidFill>
+              <a:srgbClr val="FF0000"/>
+            </a:solidFill>
+          </a:ln>
+        </p:spPr>
+        <p:style>
+          <a:lnRef idx="2">
+            <a:schemeClr val="accent1">
+              <a:shade val="50000"/>
+            </a:schemeClr>
+          </a:lnRef>
+          <a:fillRef idx="1">
+            <a:schemeClr val="accent1"/>
+          </a:fillRef>
+          <a:effectRef idx="0">
+            <a:schemeClr val="accent1"/>
+          </a:effectRef>
+          <a:fontRef idx="minor">
+            <a:schemeClr val="lt1"/>
+          </a:fontRef>
+        </p:style>
+        <p:txBody>
+          <a:bodyPr rtlCol="0" anchor="ctr"/>
+          <a:lstStyle/>
+          <a:p>
+            <a:pPr algn="ctr"/>
+            <a:endParaRPr lang="zh-TW" altLang="en-US"/>
+          </a:p>
+        </p:txBody>
+      </p:sp>
+    </p:spTree>
+    <p:extLst>
+      <p:ext uri="{BB962C8B-B14F-4D97-AF65-F5344CB8AC3E}">
+        <p14:creationId xmlns:p14="http://schemas.microsoft.com/office/powerpoint/2010/main" val="2904654531"/>
+      </p:ext>
+    </p:extLst>
+  </p:cSld>
+  <p:clrMapOvr>
+    <a:masterClrMapping/>
+  </p:clrMapOvr>
+</p:sld>
+</file>
+
+<file path=ppt/slides/slide6.xml><?xml version="1.0" encoding="utf-8"?>
 <p:sld xmlns:a="http://schemas.openxmlformats.org/drawingml/2006/main" xmlns:r="http://schemas.openxmlformats.org/officeDocument/2006/relationships" xmlns:p="http://schemas.openxmlformats.org/presentationml/2006/main">
   <p:cSld>
     <p:spTree>
@@ -9502,7 +13040,7 @@
 </p:sld>
 </file>
 
-<file path=ppt/slides/slide4.xml><?xml version="1.0" encoding="utf-8"?>
+<file path=ppt/slides/slide7.xml><?xml version="1.0" encoding="utf-8"?>
 <p:sld xmlns:a="http://schemas.openxmlformats.org/drawingml/2006/main" xmlns:r="http://schemas.openxmlformats.org/officeDocument/2006/relationships" xmlns:p="http://schemas.openxmlformats.org/presentationml/2006/main">
   <p:cSld>
     <p:spTree>
@@ -10007,7 +13545,7 @@
 </p:sld>
 </file>
 
-<file path=ppt/slides/slide5.xml><?xml version="1.0" encoding="utf-8"?>
+<file path=ppt/slides/slide8.xml><?xml version="1.0" encoding="utf-8"?>
 <p:sld xmlns:a="http://schemas.openxmlformats.org/drawingml/2006/main" xmlns:r="http://schemas.openxmlformats.org/officeDocument/2006/relationships" xmlns:p="http://schemas.openxmlformats.org/presentationml/2006/main">
   <p:cSld>
     <p:spTree>
@@ -10909,7 +14447,7 @@
         <p:spPr>
           <a:xfrm>
             <a:off x="6082136" y="1707790"/>
-            <a:ext cx="3109329" cy="2492990"/>
+            <a:ext cx="3109329" cy="2862322"/>
           </a:xfrm>
           <a:prstGeom prst="rect">
             <a:avLst/>
@@ -10997,6 +14535,46 @@
               </a:rPr>
               <a:t>BillMilestone</a:t>
             </a:r>
+            <a:endParaRPr lang="en-US" altLang="zh-TW" sz="1200" dirty="0">
+              <a:latin typeface="Consolas" panose="020B0609020204030204" pitchFamily="49" charset="0"/>
+              <a:ea typeface="標楷體" panose="03000509000000000000" pitchFamily="65" charset="-120"/>
+            </a:endParaRPr>
+          </a:p>
+          <a:p>
+            <a:r>
+              <a:rPr lang="en-US" altLang="zh-TW" sz="1200" dirty="0">
+                <a:latin typeface="Consolas" panose="020B0609020204030204" pitchFamily="49" charset="0"/>
+                <a:ea typeface="標楷體" panose="03000509000000000000" pitchFamily="65" charset="-120"/>
+              </a:rPr>
+              <a:t> 5. </a:t>
+            </a:r>
+            <a:r>
+              <a:rPr lang="en-US" altLang="zh-TW" sz="1200" dirty="0" err="1">
+                <a:latin typeface="Consolas" panose="020B0609020204030204" pitchFamily="49" charset="0"/>
+                <a:ea typeface="標楷體" panose="03000509000000000000" pitchFamily="65" charset="-120"/>
+              </a:rPr>
+              <a:t>PartyName</a:t>
+            </a:r>
+            <a:endParaRPr lang="en-US" altLang="zh-TW" sz="1200" dirty="0">
+              <a:latin typeface="Consolas" panose="020B0609020204030204" pitchFamily="49" charset="0"/>
+              <a:ea typeface="標楷體" panose="03000509000000000000" pitchFamily="65" charset="-120"/>
+            </a:endParaRPr>
+          </a:p>
+          <a:p>
+            <a:r>
+              <a:rPr lang="en-US" altLang="zh-TW" sz="1200" dirty="0">
+                <a:latin typeface="Consolas" panose="020B0609020204030204" pitchFamily="49" charset="0"/>
+                <a:ea typeface="標楷體" panose="03000509000000000000" pitchFamily="65" charset="-120"/>
+              </a:rPr>
+              <a:t> 6. </a:t>
+            </a:r>
+            <a:r>
+              <a:rPr lang="en-US" altLang="zh-TW" sz="1200" dirty="0" err="1">
+                <a:latin typeface="Consolas" panose="020B0609020204030204" pitchFamily="49" charset="0"/>
+                <a:ea typeface="標楷體" panose="03000509000000000000" pitchFamily="65" charset="-120"/>
+              </a:rPr>
+              <a:t>InvoiceNo</a:t>
+            </a:r>
             <a:endParaRPr lang="zh-TW" altLang="en-US" sz="1200" dirty="0">
               <a:latin typeface="Consolas" panose="020B0609020204030204" pitchFamily="49" charset="0"/>
               <a:ea typeface="標楷體" panose="03000509000000000000" pitchFamily="65" charset="-120"/>
@@ -11011,7 +14589,7 @@
                 <a:latin typeface="Consolas" panose="020B0609020204030204" pitchFamily="49" charset="0"/>
                 <a:ea typeface="標楷體" panose="03000509000000000000" pitchFamily="65" charset="-120"/>
               </a:rPr>
-              <a:t> 5</a:t>
+              <a:t> 7</a:t>
             </a:r>
             <a:r>
               <a:rPr lang="zh-TW" altLang="en-US" sz="1200" dirty="0">
@@ -11033,7 +14611,7 @@
                 <a:latin typeface="Consolas" panose="020B0609020204030204" pitchFamily="49" charset="0"/>
                 <a:ea typeface="標楷體" panose="03000509000000000000" pitchFamily="65" charset="-120"/>
               </a:rPr>
-              <a:t> 6</a:t>
+              <a:t> 8</a:t>
             </a:r>
             <a:r>
               <a:rPr lang="zh-TW" altLang="en-US" sz="1200" dirty="0">
@@ -11055,7 +14633,7 @@
                 <a:latin typeface="Consolas" panose="020B0609020204030204" pitchFamily="49" charset="0"/>
                 <a:ea typeface="標楷體" panose="03000509000000000000" pitchFamily="65" charset="-120"/>
               </a:rPr>
-              <a:t> 7</a:t>
+              <a:t> 9</a:t>
             </a:r>
             <a:r>
               <a:rPr lang="zh-TW" altLang="en-US" sz="1200" dirty="0">
@@ -11077,7 +14655,7 @@
                 <a:latin typeface="Consolas" panose="020B0609020204030204" pitchFamily="49" charset="0"/>
                 <a:ea typeface="標楷體" panose="03000509000000000000" pitchFamily="65" charset="-120"/>
               </a:rPr>
-              <a:t> 8</a:t>
+              <a:t>10</a:t>
             </a:r>
             <a:r>
               <a:rPr lang="zh-TW" altLang="en-US" sz="1200" dirty="0">
@@ -11099,7 +14677,7 @@
                 <a:latin typeface="Consolas" panose="020B0609020204030204" pitchFamily="49" charset="0"/>
                 <a:ea typeface="標楷體" panose="03000509000000000000" pitchFamily="65" charset="-120"/>
               </a:rPr>
-              <a:t> 9</a:t>
+              <a:t>11</a:t>
             </a:r>
             <a:r>
               <a:rPr lang="zh-TW" altLang="en-US" sz="1200" dirty="0">
@@ -11121,7 +14699,7 @@
                 <a:latin typeface="Consolas" panose="020B0609020204030204" pitchFamily="49" charset="0"/>
                 <a:ea typeface="標楷體" panose="03000509000000000000" pitchFamily="65" charset="-120"/>
               </a:rPr>
-              <a:t>10</a:t>
+              <a:t>12</a:t>
             </a:r>
             <a:r>
               <a:rPr lang="zh-TW" altLang="en-US" sz="1200" dirty="0">
@@ -11157,6 +14735,13 @@
               </a:rPr>
               <a:t>   b. VALIDATED</a:t>
             </a:r>
+            <a:endParaRPr lang="en-US" altLang="zh-TW" sz="1200" dirty="0">
+              <a:solidFill>
+                <a:srgbClr val="7030A0"/>
+              </a:solidFill>
+              <a:latin typeface="Consolas" panose="020B0609020204030204" pitchFamily="49" charset="0"/>
+              <a:ea typeface="標楷體" panose="03000509000000000000" pitchFamily="65" charset="-120"/>
+            </a:endParaRPr>
           </a:p>
         </p:txBody>
       </p:sp>
@@ -11314,7 +14899,7 @@
 </p:sld>
 </file>
 
-<file path=ppt/slides/slide6.xml><?xml version="1.0" encoding="utf-8"?>
+<file path=ppt/slides/slide9.xml><?xml version="1.0" encoding="utf-8"?>
 <p:sld xmlns:a="http://schemas.openxmlformats.org/drawingml/2006/main" xmlns:r="http://schemas.openxmlformats.org/officeDocument/2006/relationships" xmlns:p="http://schemas.openxmlformats.org/presentationml/2006/main">
   <p:cSld>
     <p:spTree>
@@ -11613,7 +15198,7 @@
                 <a:cs typeface="Consolas" panose="020B0609020204030204" pitchFamily="49" charset="0"/>
                 <a:hlinkClick r:id="rId4"/>
               </a:rPr>
-              <a:t>http://127.0.0.1:8000/api/vi/deleteInvoiceWKDetail</a:t>
+              <a:t>http://127.0.0.1:8000/api/v1/deleteInvoiceWKDetail</a:t>
             </a:r>
             <a:endParaRPr lang="en-US" altLang="zh-TW" sz="1000" dirty="0">
               <a:latin typeface="Consolas" panose="020B0609020204030204" pitchFamily="49" charset="0"/>

--- a/CBP專案/發票工作主檔&發票工作明細檔API.pptx
+++ b/CBP專案/發票工作主檔&發票工作明細檔API.pptx
@@ -5,18 +5,19 @@
     <p:sldMasterId id="2147483648" r:id="rId1"/>
   </p:sldMasterIdLst>
   <p:notesMasterIdLst>
-    <p:notesMasterId r:id="rId11"/>
+    <p:notesMasterId r:id="rId12"/>
   </p:notesMasterIdLst>
   <p:sldIdLst>
     <p:sldId id="256" r:id="rId2"/>
     <p:sldId id="264" r:id="rId3"/>
     <p:sldId id="265" r:id="rId4"/>
-    <p:sldId id="257" r:id="rId5"/>
-    <p:sldId id="263" r:id="rId6"/>
-    <p:sldId id="261" r:id="rId7"/>
-    <p:sldId id="262" r:id="rId8"/>
-    <p:sldId id="260" r:id="rId9"/>
-    <p:sldId id="258" r:id="rId10"/>
+    <p:sldId id="266" r:id="rId5"/>
+    <p:sldId id="257" r:id="rId6"/>
+    <p:sldId id="263" r:id="rId7"/>
+    <p:sldId id="261" r:id="rId8"/>
+    <p:sldId id="262" r:id="rId9"/>
+    <p:sldId id="260" r:id="rId10"/>
+    <p:sldId id="258" r:id="rId11"/>
   </p:sldIdLst>
   <p:sldSz cx="12192000" cy="6858000"/>
   <p:notesSz cx="6858000" cy="9144000"/>
@@ -205,7 +206,7 @@
           <a:p>
             <a:fld id="{4F6DC5C1-F7A1-8244-AAEF-1E972466537C}" type="datetimeFigureOut">
               <a:rPr kumimoji="1" lang="zh-TW" altLang="en-US" smtClean="0"/>
-              <a:t>2023/1/19</a:t>
+              <a:t>2023/1/30</a:t>
             </a:fld>
             <a:endParaRPr kumimoji="1" lang="zh-TW" altLang="en-US"/>
           </a:p>
@@ -537,7 +538,7 @@
           <a:p>
             <a:fld id="{94AD528A-0A45-4E45-B784-D4E688A15F8C}" type="slidenum">
               <a:rPr kumimoji="1" lang="zh-TW" altLang="en-US" smtClean="0"/>
-              <a:t>6</a:t>
+              <a:t>7</a:t>
             </a:fld>
             <a:endParaRPr kumimoji="1" lang="zh-TW" altLang="en-US"/>
           </a:p>
@@ -703,7 +704,7 @@
           <a:p>
             <a:fld id="{F492F45A-959C-8C4B-842D-3C960535203F}" type="datetimeFigureOut">
               <a:rPr kumimoji="1" lang="zh-TW" altLang="en-US" smtClean="0"/>
-              <a:t>2023/1/19</a:t>
+              <a:t>2023/1/30</a:t>
             </a:fld>
             <a:endParaRPr kumimoji="1" lang="zh-TW" altLang="en-US"/>
           </a:p>
@@ -901,7 +902,7 @@
           <a:p>
             <a:fld id="{F492F45A-959C-8C4B-842D-3C960535203F}" type="datetimeFigureOut">
               <a:rPr kumimoji="1" lang="zh-TW" altLang="en-US" smtClean="0"/>
-              <a:t>2023/1/19</a:t>
+              <a:t>2023/1/30</a:t>
             </a:fld>
             <a:endParaRPr kumimoji="1" lang="zh-TW" altLang="en-US"/>
           </a:p>
@@ -1109,7 +1110,7 @@
           <a:p>
             <a:fld id="{F492F45A-959C-8C4B-842D-3C960535203F}" type="datetimeFigureOut">
               <a:rPr kumimoji="1" lang="zh-TW" altLang="en-US" smtClean="0"/>
-              <a:t>2023/1/19</a:t>
+              <a:t>2023/1/30</a:t>
             </a:fld>
             <a:endParaRPr kumimoji="1" lang="zh-TW" altLang="en-US"/>
           </a:p>
@@ -1307,7 +1308,7 @@
           <a:p>
             <a:fld id="{F492F45A-959C-8C4B-842D-3C960535203F}" type="datetimeFigureOut">
               <a:rPr kumimoji="1" lang="zh-TW" altLang="en-US" smtClean="0"/>
-              <a:t>2023/1/19</a:t>
+              <a:t>2023/1/30</a:t>
             </a:fld>
             <a:endParaRPr kumimoji="1" lang="zh-TW" altLang="en-US"/>
           </a:p>
@@ -1582,7 +1583,7 @@
           <a:p>
             <a:fld id="{F492F45A-959C-8C4B-842D-3C960535203F}" type="datetimeFigureOut">
               <a:rPr kumimoji="1" lang="zh-TW" altLang="en-US" smtClean="0"/>
-              <a:t>2023/1/19</a:t>
+              <a:t>2023/1/30</a:t>
             </a:fld>
             <a:endParaRPr kumimoji="1" lang="zh-TW" altLang="en-US"/>
           </a:p>
@@ -1847,7 +1848,7 @@
           <a:p>
             <a:fld id="{F492F45A-959C-8C4B-842D-3C960535203F}" type="datetimeFigureOut">
               <a:rPr kumimoji="1" lang="zh-TW" altLang="en-US" smtClean="0"/>
-              <a:t>2023/1/19</a:t>
+              <a:t>2023/1/30</a:t>
             </a:fld>
             <a:endParaRPr kumimoji="1" lang="zh-TW" altLang="en-US"/>
           </a:p>
@@ -2259,7 +2260,7 @@
           <a:p>
             <a:fld id="{F492F45A-959C-8C4B-842D-3C960535203F}" type="datetimeFigureOut">
               <a:rPr kumimoji="1" lang="zh-TW" altLang="en-US" smtClean="0"/>
-              <a:t>2023/1/19</a:t>
+              <a:t>2023/1/30</a:t>
             </a:fld>
             <a:endParaRPr kumimoji="1" lang="zh-TW" altLang="en-US"/>
           </a:p>
@@ -2400,7 +2401,7 @@
           <a:p>
             <a:fld id="{F492F45A-959C-8C4B-842D-3C960535203F}" type="datetimeFigureOut">
               <a:rPr kumimoji="1" lang="zh-TW" altLang="en-US" smtClean="0"/>
-              <a:t>2023/1/19</a:t>
+              <a:t>2023/1/30</a:t>
             </a:fld>
             <a:endParaRPr kumimoji="1" lang="zh-TW" altLang="en-US"/>
           </a:p>
@@ -2513,7 +2514,7 @@
           <a:p>
             <a:fld id="{F492F45A-959C-8C4B-842D-3C960535203F}" type="datetimeFigureOut">
               <a:rPr kumimoji="1" lang="zh-TW" altLang="en-US" smtClean="0"/>
-              <a:t>2023/1/19</a:t>
+              <a:t>2023/1/30</a:t>
             </a:fld>
             <a:endParaRPr kumimoji="1" lang="zh-TW" altLang="en-US"/>
           </a:p>
@@ -2824,7 +2825,7 @@
           <a:p>
             <a:fld id="{F492F45A-959C-8C4B-842D-3C960535203F}" type="datetimeFigureOut">
               <a:rPr kumimoji="1" lang="zh-TW" altLang="en-US" smtClean="0"/>
-              <a:t>2023/1/19</a:t>
+              <a:t>2023/1/30</a:t>
             </a:fld>
             <a:endParaRPr kumimoji="1" lang="zh-TW" altLang="en-US"/>
           </a:p>
@@ -3112,7 +3113,7 @@
           <a:p>
             <a:fld id="{F492F45A-959C-8C4B-842D-3C960535203F}" type="datetimeFigureOut">
               <a:rPr kumimoji="1" lang="zh-TW" altLang="en-US" smtClean="0"/>
-              <a:t>2023/1/19</a:t>
+              <a:t>2023/1/30</a:t>
             </a:fld>
             <a:endParaRPr kumimoji="1" lang="zh-TW" altLang="en-US"/>
           </a:p>
@@ -3353,7 +3354,7 @@
           <a:p>
             <a:fld id="{F492F45A-959C-8C4B-842D-3C960535203F}" type="datetimeFigureOut">
               <a:rPr kumimoji="1" lang="zh-TW" altLang="en-US" smtClean="0"/>
-              <a:t>2023/1/19</a:t>
+              <a:t>2023/1/30</a:t>
             </a:fld>
             <a:endParaRPr kumimoji="1" lang="zh-TW" altLang="en-US"/>
           </a:p>
@@ -3860,6 +3861,427 @@
 </p:sld>
 </file>
 
+<file path=ppt/slides/slide10.xml><?xml version="1.0" encoding="utf-8"?>
+<p:sld xmlns:a="http://schemas.openxmlformats.org/drawingml/2006/main" xmlns:r="http://schemas.openxmlformats.org/officeDocument/2006/relationships" xmlns:p="http://schemas.openxmlformats.org/presentationml/2006/main">
+  <p:cSld>
+    <p:spTree>
+      <p:nvGrpSpPr>
+        <p:cNvPr id="1" name=""/>
+        <p:cNvGrpSpPr/>
+        <p:nvPr/>
+      </p:nvGrpSpPr>
+      <p:grpSpPr>
+        <a:xfrm>
+          <a:off x="0" y="0"/>
+          <a:ext cx="0" cy="0"/>
+          <a:chOff x="0" y="0"/>
+          <a:chExt cx="0" cy="0"/>
+        </a:xfrm>
+      </p:grpSpPr>
+      <p:sp>
+        <p:nvSpPr>
+          <p:cNvPr id="2" name="標題 1">
+            <a:extLst>
+              <a:ext uri="{FF2B5EF4-FFF2-40B4-BE49-F238E27FC236}">
+                <a16:creationId xmlns:a16="http://schemas.microsoft.com/office/drawing/2014/main" id="{89613077-F7D8-DE07-F022-87AA7645A69C}"/>
+              </a:ext>
+            </a:extLst>
+          </p:cNvPr>
+          <p:cNvSpPr>
+            <a:spLocks noGrp="1"/>
+          </p:cNvSpPr>
+          <p:nvPr>
+            <p:ph type="title"/>
+          </p:nvPr>
+        </p:nvSpPr>
+        <p:spPr/>
+        <p:txBody>
+          <a:bodyPr/>
+          <a:lstStyle/>
+          <a:p>
+            <a:r>
+              <a:rPr kumimoji="1" lang="zh-TW" altLang="en-US" dirty="0">
+                <a:latin typeface="BiauKai" panose="02010601000101010101" pitchFamily="2" charset="-120"/>
+                <a:ea typeface="BiauKai" panose="02010601000101010101" pitchFamily="2" charset="-120"/>
+              </a:rPr>
+              <a:t>刪除發票工作檔</a:t>
+            </a:r>
+          </a:p>
+        </p:txBody>
+      </p:sp>
+      <p:pic>
+        <p:nvPicPr>
+          <p:cNvPr id="4" name="圖片 3">
+            <a:extLst>
+              <a:ext uri="{FF2B5EF4-FFF2-40B4-BE49-F238E27FC236}">
+                <a16:creationId xmlns:a16="http://schemas.microsoft.com/office/drawing/2014/main" id="{C189C85A-44C7-4BCD-D336-040510966645}"/>
+              </a:ext>
+            </a:extLst>
+          </p:cNvPr>
+          <p:cNvPicPr>
+            <a:picLocks noChangeAspect="1"/>
+          </p:cNvPicPr>
+          <p:nvPr/>
+        </p:nvPicPr>
+        <p:blipFill>
+          <a:blip r:embed="rId2"/>
+          <a:stretch>
+            <a:fillRect/>
+          </a:stretch>
+        </p:blipFill>
+        <p:spPr>
+          <a:xfrm>
+            <a:off x="838200" y="1690689"/>
+            <a:ext cx="6062763" cy="3410304"/>
+          </a:xfrm>
+          <a:prstGeom prst="rect">
+            <a:avLst/>
+          </a:prstGeom>
+        </p:spPr>
+      </p:pic>
+      <p:sp>
+        <p:nvSpPr>
+          <p:cNvPr id="12" name="文字方塊 11">
+            <a:extLst>
+              <a:ext uri="{FF2B5EF4-FFF2-40B4-BE49-F238E27FC236}">
+                <a16:creationId xmlns:a16="http://schemas.microsoft.com/office/drawing/2014/main" id="{A8C1078E-4600-D1B2-F5FD-BEB98E7935D9}"/>
+              </a:ext>
+            </a:extLst>
+          </p:cNvPr>
+          <p:cNvSpPr txBox="1"/>
+          <p:nvPr/>
+        </p:nvSpPr>
+        <p:spPr>
+          <a:xfrm>
+            <a:off x="8197279" y="2642116"/>
+            <a:ext cx="2524897" cy="1015663"/>
+          </a:xfrm>
+          <a:prstGeom prst="rect">
+            <a:avLst/>
+          </a:prstGeom>
+          <a:noFill/>
+          <a:ln>
+            <a:solidFill>
+              <a:schemeClr val="tx1"/>
+            </a:solidFill>
+          </a:ln>
+        </p:spPr>
+        <p:txBody>
+          <a:bodyPr wrap="square">
+            <a:spAutoFit/>
+          </a:bodyPr>
+          <a:lstStyle/>
+          <a:p>
+            <a:r>
+              <a:rPr lang="en-US" altLang="zh-TW" sz="1000" dirty="0">
+                <a:latin typeface="Consolas" panose="020B0609020204030204" pitchFamily="49" charset="0"/>
+                <a:cs typeface="Consolas" panose="020B0609020204030204" pitchFamily="49" charset="0"/>
+              </a:rPr>
+              <a:t>Body Content:</a:t>
+            </a:r>
+          </a:p>
+          <a:p>
+            <a:r>
+              <a:rPr lang="en-US" altLang="zh-TW" sz="1000" dirty="0">
+                <a:latin typeface="Consolas" panose="020B0609020204030204" pitchFamily="49" charset="0"/>
+                <a:cs typeface="Consolas" panose="020B0609020204030204" pitchFamily="49" charset="0"/>
+              </a:rPr>
+              <a:t>```JSON</a:t>
+            </a:r>
+          </a:p>
+          <a:p>
+            <a:r>
+              <a:rPr lang="en-US" altLang="zh-TW" sz="1000" dirty="0">
+                <a:latin typeface="Consolas" panose="020B0609020204030204" pitchFamily="49" charset="0"/>
+                <a:cs typeface="Consolas" panose="020B0609020204030204" pitchFamily="49" charset="0"/>
+              </a:rPr>
+              <a:t>{</a:t>
+            </a:r>
+          </a:p>
+          <a:p>
+            <a:r>
+              <a:rPr lang="en-US" altLang="zh-TW" sz="1000" dirty="0">
+                <a:latin typeface="Consolas" panose="020B0609020204030204" pitchFamily="49" charset="0"/>
+                <a:cs typeface="Consolas" panose="020B0609020204030204" pitchFamily="49" charset="0"/>
+              </a:rPr>
+              <a:t>    "</a:t>
+            </a:r>
+            <a:r>
+              <a:rPr lang="en-US" altLang="zh-TW" sz="1000" dirty="0" err="1">
+                <a:latin typeface="Consolas" panose="020B0609020204030204" pitchFamily="49" charset="0"/>
+                <a:cs typeface="Consolas" panose="020B0609020204030204" pitchFamily="49" charset="0"/>
+              </a:rPr>
+              <a:t>WKMasterID</a:t>
+            </a:r>
+            <a:r>
+              <a:rPr lang="en-US" altLang="zh-TW" sz="1000" dirty="0">
+                <a:latin typeface="Consolas" panose="020B0609020204030204" pitchFamily="49" charset="0"/>
+                <a:cs typeface="Consolas" panose="020B0609020204030204" pitchFamily="49" charset="0"/>
+              </a:rPr>
+              <a:t>": int(ex. 1, 2, …)</a:t>
+            </a:r>
+          </a:p>
+          <a:p>
+            <a:r>
+              <a:rPr lang="en-US" altLang="zh-TW" sz="1000" dirty="0">
+                <a:latin typeface="Consolas" panose="020B0609020204030204" pitchFamily="49" charset="0"/>
+                <a:cs typeface="Consolas" panose="020B0609020204030204" pitchFamily="49" charset="0"/>
+              </a:rPr>
+              <a:t>}</a:t>
+            </a:r>
+          </a:p>
+          <a:p>
+            <a:r>
+              <a:rPr lang="en-US" altLang="zh-TW" sz="1000" dirty="0">
+                <a:latin typeface="Consolas" panose="020B0609020204030204" pitchFamily="49" charset="0"/>
+                <a:cs typeface="Consolas" panose="020B0609020204030204" pitchFamily="49" charset="0"/>
+              </a:rPr>
+              <a:t>```</a:t>
+            </a:r>
+          </a:p>
+        </p:txBody>
+      </p:sp>
+      <p:sp>
+        <p:nvSpPr>
+          <p:cNvPr id="13" name="文字方塊 12">
+            <a:extLst>
+              <a:ext uri="{FF2B5EF4-FFF2-40B4-BE49-F238E27FC236}">
+                <a16:creationId xmlns:a16="http://schemas.microsoft.com/office/drawing/2014/main" id="{44165A89-51FF-4FBA-7A39-98C7387E8A27}"/>
+              </a:ext>
+            </a:extLst>
+          </p:cNvPr>
+          <p:cNvSpPr txBox="1"/>
+          <p:nvPr/>
+        </p:nvSpPr>
+        <p:spPr>
+          <a:xfrm>
+            <a:off x="771225" y="5319711"/>
+            <a:ext cx="8688503" cy="707886"/>
+          </a:xfrm>
+          <a:prstGeom prst="rect">
+            <a:avLst/>
+          </a:prstGeom>
+          <a:noFill/>
+          <a:ln>
+            <a:solidFill>
+              <a:schemeClr val="bg1">
+                <a:alpha val="0"/>
+              </a:schemeClr>
+            </a:solidFill>
+          </a:ln>
+        </p:spPr>
+        <p:txBody>
+          <a:bodyPr wrap="square">
+            <a:spAutoFit/>
+          </a:bodyPr>
+          <a:lstStyle/>
+          <a:p>
+            <a:pPr marL="228600" indent="-228600">
+              <a:buFont typeface="+mj-lt"/>
+              <a:buAutoNum type="arabicPeriod"/>
+            </a:pPr>
+            <a:r>
+              <a:rPr lang="en-US" altLang="zh-TW" sz="1000" dirty="0">
+                <a:latin typeface="Consolas" panose="020B0609020204030204" pitchFamily="49" charset="0"/>
+                <a:cs typeface="Consolas" panose="020B0609020204030204" pitchFamily="49" charset="0"/>
+              </a:rPr>
+              <a:t>Method: POST</a:t>
+            </a:r>
+            <a:br>
+              <a:rPr lang="en-US" altLang="zh-TW" sz="1000" dirty="0">
+                <a:latin typeface="Consolas" panose="020B0609020204030204" pitchFamily="49" charset="0"/>
+                <a:cs typeface="Consolas" panose="020B0609020204030204" pitchFamily="49" charset="0"/>
+              </a:rPr>
+            </a:br>
+            <a:r>
+              <a:rPr lang="en-US" altLang="zh-TW" sz="1000" dirty="0">
+                <a:latin typeface="Consolas" panose="020B0609020204030204" pitchFamily="49" charset="0"/>
+                <a:cs typeface="Consolas" panose="020B0609020204030204" pitchFamily="49" charset="0"/>
+              </a:rPr>
+              <a:t>URL: </a:t>
+            </a:r>
+            <a:r>
+              <a:rPr lang="zh-TW" altLang="en-US" sz="1000" dirty="0">
+                <a:latin typeface="Consolas" panose="020B0609020204030204" pitchFamily="49" charset="0"/>
+                <a:cs typeface="Consolas" panose="020B0609020204030204" pitchFamily="49" charset="0"/>
+                <a:hlinkClick r:id="rId3"/>
+              </a:rPr>
+              <a:t>http://127.0.0.1:8000/api/v1/</a:t>
+            </a:r>
+            <a:r>
+              <a:rPr lang="en-US" altLang="zh-TW" sz="1000" dirty="0">
+                <a:latin typeface="Consolas" panose="020B0609020204030204" pitchFamily="49" charset="0"/>
+                <a:cs typeface="Consolas" panose="020B0609020204030204" pitchFamily="49" charset="0"/>
+                <a:hlinkClick r:id="rId3"/>
+              </a:rPr>
+              <a:t>delete</a:t>
+            </a:r>
+            <a:r>
+              <a:rPr lang="zh-TW" altLang="en-US" sz="1000" dirty="0">
+                <a:latin typeface="Consolas" panose="020B0609020204030204" pitchFamily="49" charset="0"/>
+                <a:cs typeface="Consolas" panose="020B0609020204030204" pitchFamily="49" charset="0"/>
+                <a:hlinkClick r:id="rId3"/>
+              </a:rPr>
+              <a:t>InvoiceWKMaster</a:t>
+            </a:r>
+            <a:endParaRPr lang="en-US" altLang="zh-TW" sz="1000" dirty="0">
+              <a:latin typeface="Consolas" panose="020B0609020204030204" pitchFamily="49" charset="0"/>
+              <a:cs typeface="Consolas" panose="020B0609020204030204" pitchFamily="49" charset="0"/>
+            </a:endParaRPr>
+          </a:p>
+          <a:p>
+            <a:pPr marL="228600" indent="-228600">
+              <a:buFont typeface="+mj-lt"/>
+              <a:buAutoNum type="arabicPeriod"/>
+            </a:pPr>
+            <a:r>
+              <a:rPr lang="en-US" altLang="zh-TW" sz="1000" dirty="0">
+                <a:latin typeface="Consolas" panose="020B0609020204030204" pitchFamily="49" charset="0"/>
+                <a:cs typeface="Consolas" panose="020B0609020204030204" pitchFamily="49" charset="0"/>
+              </a:rPr>
+              <a:t>Method: POST</a:t>
+            </a:r>
+            <a:br>
+              <a:rPr lang="en-US" altLang="zh-TW" sz="1000" dirty="0">
+                <a:latin typeface="Consolas" panose="020B0609020204030204" pitchFamily="49" charset="0"/>
+                <a:cs typeface="Consolas" panose="020B0609020204030204" pitchFamily="49" charset="0"/>
+              </a:rPr>
+            </a:br>
+            <a:r>
+              <a:rPr lang="en-US" altLang="zh-TW" sz="1000" dirty="0">
+                <a:latin typeface="Consolas" panose="020B0609020204030204" pitchFamily="49" charset="0"/>
+                <a:cs typeface="Consolas" panose="020B0609020204030204" pitchFamily="49" charset="0"/>
+              </a:rPr>
+              <a:t>URL: </a:t>
+            </a:r>
+            <a:r>
+              <a:rPr lang="en-US" altLang="zh-TW" sz="1000" dirty="0">
+                <a:latin typeface="Consolas" panose="020B0609020204030204" pitchFamily="49" charset="0"/>
+                <a:cs typeface="Consolas" panose="020B0609020204030204" pitchFamily="49" charset="0"/>
+                <a:hlinkClick r:id="rId4"/>
+              </a:rPr>
+              <a:t>http://127.0.0.1:8000/api/v1/deleteInvoiceWKDetail</a:t>
+            </a:r>
+            <a:endParaRPr lang="en-US" altLang="zh-TW" sz="1000" dirty="0">
+              <a:latin typeface="Consolas" panose="020B0609020204030204" pitchFamily="49" charset="0"/>
+              <a:cs typeface="Consolas" panose="020B0609020204030204" pitchFamily="49" charset="0"/>
+            </a:endParaRPr>
+          </a:p>
+        </p:txBody>
+      </p:sp>
+      <p:sp>
+        <p:nvSpPr>
+          <p:cNvPr id="14" name="左大括弧 13">
+            <a:extLst>
+              <a:ext uri="{FF2B5EF4-FFF2-40B4-BE49-F238E27FC236}">
+                <a16:creationId xmlns:a16="http://schemas.microsoft.com/office/drawing/2014/main" id="{6DBBB1A7-8BA0-A51B-7FCC-F40DCC3CD7C5}"/>
+              </a:ext>
+            </a:extLst>
+          </p:cNvPr>
+          <p:cNvSpPr/>
+          <p:nvPr/>
+        </p:nvSpPr>
+        <p:spPr>
+          <a:xfrm>
+            <a:off x="273091" y="5410396"/>
+            <a:ext cx="498134" cy="321537"/>
+          </a:xfrm>
+          <a:prstGeom prst="leftBrace">
+            <a:avLst>
+              <a:gd name="adj1" fmla="val 0"/>
+              <a:gd name="adj2" fmla="val 47406"/>
+            </a:avLst>
+          </a:prstGeom>
+          <a:ln>
+            <a:solidFill>
+              <a:schemeClr val="tx1"/>
+            </a:solidFill>
+          </a:ln>
+        </p:spPr>
+        <p:style>
+          <a:lnRef idx="1">
+            <a:schemeClr val="accent1"/>
+          </a:lnRef>
+          <a:fillRef idx="0">
+            <a:schemeClr val="accent1"/>
+          </a:fillRef>
+          <a:effectRef idx="0">
+            <a:schemeClr val="accent1"/>
+          </a:effectRef>
+          <a:fontRef idx="minor">
+            <a:schemeClr val="tx1"/>
+          </a:fontRef>
+        </p:style>
+        <p:txBody>
+          <a:bodyPr rtlCol="0" anchor="ctr"/>
+          <a:lstStyle/>
+          <a:p>
+            <a:pPr algn="ctr"/>
+            <a:endParaRPr kumimoji="1" lang="zh-TW" altLang="en-US"/>
+          </a:p>
+        </p:txBody>
+      </p:sp>
+      <p:cxnSp>
+        <p:nvCxnSpPr>
+          <p:cNvPr id="16" name="曲線接點 15">
+            <a:extLst>
+              <a:ext uri="{FF2B5EF4-FFF2-40B4-BE49-F238E27FC236}">
+                <a16:creationId xmlns:a16="http://schemas.microsoft.com/office/drawing/2014/main" id="{62AC0024-A7D6-043A-0402-3C7C3449D4D3}"/>
+              </a:ext>
+            </a:extLst>
+          </p:cNvPr>
+          <p:cNvCxnSpPr>
+            <a:cxnSpLocks/>
+            <a:stCxn id="14" idx="1"/>
+            <a:endCxn id="12" idx="1"/>
+          </p:cNvCxnSpPr>
+          <p:nvPr/>
+        </p:nvCxnSpPr>
+        <p:spPr>
+          <a:xfrm rot="10800000" flipH="1">
+            <a:off x="273091" y="3149948"/>
+            <a:ext cx="7924188" cy="2412876"/>
+          </a:xfrm>
+          <a:prstGeom prst="curvedConnector3">
+            <a:avLst>
+              <a:gd name="adj1" fmla="val -2885"/>
+            </a:avLst>
+          </a:prstGeom>
+          <a:ln>
+            <a:solidFill>
+              <a:schemeClr val="tx1"/>
+            </a:solidFill>
+            <a:tailEnd type="triangle"/>
+          </a:ln>
+        </p:spPr>
+        <p:style>
+          <a:lnRef idx="1">
+            <a:schemeClr val="accent1"/>
+          </a:lnRef>
+          <a:fillRef idx="0">
+            <a:schemeClr val="accent1"/>
+          </a:fillRef>
+          <a:effectRef idx="0">
+            <a:schemeClr val="accent1"/>
+          </a:effectRef>
+          <a:fontRef idx="minor">
+            <a:schemeClr val="tx1"/>
+          </a:fontRef>
+        </p:style>
+      </p:cxnSp>
+    </p:spTree>
+    <p:extLst>
+      <p:ext uri="{BB962C8B-B14F-4D97-AF65-F5344CB8AC3E}">
+        <p14:creationId xmlns:p14="http://schemas.microsoft.com/office/powerpoint/2010/main" val="1282195180"/>
+      </p:ext>
+    </p:extLst>
+  </p:cSld>
+  <p:clrMapOvr>
+    <a:masterClrMapping/>
+  </p:clrMapOvr>
+</p:sld>
+</file>
+
 <file path=ppt/slides/slide2.xml><?xml version="1.0" encoding="utf-8"?>
 <p:sld xmlns:a="http://schemas.openxmlformats.org/drawingml/2006/main" xmlns:r="http://schemas.openxmlformats.org/officeDocument/2006/relationships" xmlns:p="http://schemas.openxmlformats.org/presentationml/2006/main">
   <p:cSld>
@@ -4573,7 +4995,7 @@
         <p:spPr>
           <a:xfrm>
             <a:off x="7391760" y="1823849"/>
-            <a:ext cx="2991084" cy="1754326"/>
+            <a:ext cx="2991084" cy="1938992"/>
           </a:xfrm>
           <a:prstGeom prst="rect">
             <a:avLst/>
@@ -4617,15 +5039,25 @@
                 <a:ea typeface="BiauKai" panose="02010601000101010101" pitchFamily="2" charset="-120"/>
                 <a:cs typeface="Consolas" panose="020B0609020204030204" pitchFamily="49" charset="0"/>
               </a:rPr>
-              <a:t>      "</a:t>
-            </a:r>
-            <a:r>
-              <a:rPr lang="en" altLang="zh-TW" sz="1200" dirty="0" err="1">
+              <a:t>      "CableID": 1,</a:t>
+            </a:r>
+          </a:p>
+          <a:p>
+            <a:r>
+              <a:rPr lang="en" altLang="zh-TW" sz="1200" dirty="0">
                 <a:latin typeface="Consolas" panose="020B0609020204030204" pitchFamily="49" charset="0"/>
                 <a:ea typeface="BiauKai" panose="02010601000101010101" pitchFamily="2" charset="-120"/>
                 <a:cs typeface="Consolas" panose="020B0609020204030204" pitchFamily="49" charset="0"/>
               </a:rPr>
-              <a:t>SupplierID</a:t>
+              <a:t>      "CableName": "</a:t>
+            </a:r>
+            <a:r>
+              <a:rPr lang="zh-TW" altLang="en-US" sz="1200" dirty="0">
+                <a:latin typeface="Consolas" panose="020B0609020204030204" pitchFamily="49" charset="0"/>
+                <a:ea typeface="BiauKai" panose="02010601000101010101" pitchFamily="2" charset="-120"/>
+                <a:cs typeface="Consolas" panose="020B0609020204030204" pitchFamily="49" charset="0"/>
+              </a:rPr>
+              <a:t>海纜名稱</a:t>
             </a:r>
             <a:r>
               <a:rPr lang="en" altLang="zh-TW" sz="1200" dirty="0">
@@ -4633,25 +5065,41 @@
                 <a:ea typeface="BiauKai" panose="02010601000101010101" pitchFamily="2" charset="-120"/>
                 <a:cs typeface="Consolas" panose="020B0609020204030204" pitchFamily="49" charset="0"/>
               </a:rPr>
-              <a:t>": 2,</a:t>
-            </a:r>
-          </a:p>
-          <a:p>
+              <a:t>"</a:t>
+            </a:r>
+            <a:r>
+              <a:rPr lang="en-US" altLang="zh-TW" sz="1200" dirty="0">
+                <a:latin typeface="Consolas" panose="020B0609020204030204" pitchFamily="49" charset="0"/>
+                <a:ea typeface="BiauKai" panose="02010601000101010101" pitchFamily="2" charset="-120"/>
+                <a:cs typeface="Consolas" panose="020B0609020204030204" pitchFamily="49" charset="0"/>
+              </a:rPr>
+              <a:t>,</a:t>
+            </a:r>
+          </a:p>
+          <a:p>
+            <a:r>
+              <a:rPr lang="en-US" altLang="zh-TW" sz="1200" dirty="0">
+                <a:latin typeface="Consolas" panose="020B0609020204030204" pitchFamily="49" charset="0"/>
+                <a:ea typeface="BiauKai" panose="02010601000101010101" pitchFamily="2" charset="-120"/>
+                <a:cs typeface="Consolas" panose="020B0609020204030204" pitchFamily="49" charset="0"/>
+              </a:rPr>
+              <a:t>      </a:t>
+            </a:r>
             <a:r>
               <a:rPr lang="en" altLang="zh-TW" sz="1200" dirty="0">
                 <a:latin typeface="Consolas" panose="020B0609020204030204" pitchFamily="49" charset="0"/>
                 <a:ea typeface="BiauKai" panose="02010601000101010101" pitchFamily="2" charset="-120"/>
                 <a:cs typeface="Consolas" panose="020B0609020204030204" pitchFamily="49" charset="0"/>
               </a:rPr>
-              <a:t>      "</a:t>
-            </a:r>
-            <a:r>
-              <a:rPr lang="en" altLang="zh-TW" sz="1200" dirty="0" err="1">
+              <a:t>"</a:t>
+            </a:r>
+            <a:r>
+              <a:rPr lang="en-US" altLang="zh-TW" sz="1200" dirty="0">
                 <a:latin typeface="Consolas" panose="020B0609020204030204" pitchFamily="49" charset="0"/>
                 <a:ea typeface="BiauKai" panose="02010601000101010101" pitchFamily="2" charset="-120"/>
                 <a:cs typeface="Consolas" panose="020B0609020204030204" pitchFamily="49" charset="0"/>
               </a:rPr>
-              <a:t>SupplierName</a:t>
+              <a:t>Note</a:t>
             </a:r>
             <a:r>
               <a:rPr lang="en" altLang="zh-TW" sz="1200" dirty="0">
@@ -4659,7 +5107,23 @@
                 <a:ea typeface="BiauKai" panose="02010601000101010101" pitchFamily="2" charset="-120"/>
                 <a:cs typeface="Consolas" panose="020B0609020204030204" pitchFamily="49" charset="0"/>
               </a:rPr>
-              <a:t>": "</a:t>
+              <a:t>"</a:t>
+            </a:r>
+            <a:r>
+              <a:rPr lang="en-US" altLang="zh-TW" sz="1200" dirty="0">
+                <a:latin typeface="Consolas" panose="020B0609020204030204" pitchFamily="49" charset="0"/>
+                <a:ea typeface="BiauKai" panose="02010601000101010101" pitchFamily="2" charset="-120"/>
+                <a:cs typeface="Consolas" panose="020B0609020204030204" pitchFamily="49" charset="0"/>
+              </a:rPr>
+              <a:t>: </a:t>
+            </a:r>
+            <a:r>
+              <a:rPr lang="en" altLang="zh-TW" sz="1200" dirty="0">
+                <a:latin typeface="Consolas" panose="020B0609020204030204" pitchFamily="49" charset="0"/>
+                <a:ea typeface="BiauKai" panose="02010601000101010101" pitchFamily="2" charset="-120"/>
+                <a:cs typeface="Consolas" panose="020B0609020204030204" pitchFamily="49" charset="0"/>
+              </a:rPr>
+              <a:t>"</a:t>
             </a:r>
             <a:r>
               <a:rPr lang="zh-TW" altLang="en-US" sz="1200" dirty="0">
@@ -4667,7 +5131,15 @@
                 <a:ea typeface="BiauKai" panose="02010601000101010101" pitchFamily="2" charset="-120"/>
                 <a:cs typeface="Consolas" panose="020B0609020204030204" pitchFamily="49" charset="0"/>
               </a:rPr>
-              <a:t>供應商名稱</a:t>
+              <a:t>筆記</a:t>
+            </a:r>
+            <a:r>
+              <a:rPr lang="en" altLang="zh-TW" sz="1200" dirty="0">
+                <a:latin typeface="Consolas" panose="020B0609020204030204" pitchFamily="49" charset="0"/>
+                <a:ea typeface="BiauKai" panose="02010601000101010101" pitchFamily="2" charset="-120"/>
+                <a:cs typeface="Consolas" panose="020B0609020204030204" pitchFamily="49" charset="0"/>
+              </a:rPr>
+              <a:t>"</a:t>
             </a:r>
             <a:r>
               <a:rPr lang="en-US" altLang="zh-TW" sz="1200" dirty="0">
@@ -4675,7 +5147,7 @@
                 <a:ea typeface="BiauKai" panose="02010601000101010101" pitchFamily="2" charset="-120"/>
                 <a:cs typeface="Consolas" panose="020B0609020204030204" pitchFamily="49" charset="0"/>
               </a:rPr>
-              <a:t>"  </a:t>
+              <a:t>  </a:t>
             </a:r>
           </a:p>
           <a:p>
@@ -4791,8 +5263,8 @@
         </p:nvCxnSpPr>
         <p:spPr>
           <a:xfrm flipV="1">
-            <a:off x="5585988" y="2701012"/>
-            <a:ext cx="1805772" cy="2410345"/>
+            <a:off x="5585988" y="2793345"/>
+            <a:ext cx="1805772" cy="2318012"/>
           </a:xfrm>
           <a:prstGeom prst="curvedConnector3">
             <a:avLst>
@@ -4891,6 +5363,847 @@
                 <a:ea typeface="BiauKai" panose="02010601000101010101" pitchFamily="2" charset="-120"/>
                 <a:cs typeface="Consolas" panose="020B0609020204030204" pitchFamily="49" charset="0"/>
               </a:rPr>
+              <a:t>-</a:t>
+            </a:r>
+            <a:r>
+              <a:rPr kumimoji="1" lang="zh-TW" altLang="en-US" dirty="0">
+                <a:latin typeface="Consolas" panose="020B0609020204030204" pitchFamily="49" charset="0"/>
+                <a:ea typeface="BiauKai" panose="02010601000101010101" pitchFamily="2" charset="-120"/>
+                <a:cs typeface="Consolas" panose="020B0609020204030204" pitchFamily="49" charset="0"/>
+              </a:rPr>
+              <a:t>記帳段號下拉選單</a:t>
+            </a:r>
+          </a:p>
+        </p:txBody>
+      </p:sp>
+      <p:pic>
+        <p:nvPicPr>
+          <p:cNvPr id="10" name="圖片 9">
+            <a:extLst>
+              <a:ext uri="{FF2B5EF4-FFF2-40B4-BE49-F238E27FC236}">
+                <a16:creationId xmlns:a16="http://schemas.microsoft.com/office/drawing/2014/main" id="{1BC534F5-D35D-762D-E2D4-BD2A63C74382}"/>
+              </a:ext>
+            </a:extLst>
+          </p:cNvPr>
+          <p:cNvPicPr>
+            <a:picLocks noChangeAspect="1"/>
+          </p:cNvPicPr>
+          <p:nvPr/>
+        </p:nvPicPr>
+        <p:blipFill>
+          <a:blip r:embed="rId2"/>
+          <a:stretch>
+            <a:fillRect/>
+          </a:stretch>
+        </p:blipFill>
+        <p:spPr>
+          <a:xfrm>
+            <a:off x="822960" y="1500188"/>
+            <a:ext cx="5502635" cy="3095232"/>
+          </a:xfrm>
+          <a:prstGeom prst="rect">
+            <a:avLst/>
+          </a:prstGeom>
+        </p:spPr>
+      </p:pic>
+      <p:sp>
+        <p:nvSpPr>
+          <p:cNvPr id="14" name="文字方塊 13">
+            <a:extLst>
+              <a:ext uri="{FF2B5EF4-FFF2-40B4-BE49-F238E27FC236}">
+                <a16:creationId xmlns:a16="http://schemas.microsoft.com/office/drawing/2014/main" id="{3A777102-9282-D898-C548-3DBAECFA9745}"/>
+              </a:ext>
+            </a:extLst>
+          </p:cNvPr>
+          <p:cNvSpPr txBox="1"/>
+          <p:nvPr/>
+        </p:nvSpPr>
+        <p:spPr>
+          <a:xfrm>
+            <a:off x="762000" y="4880524"/>
+            <a:ext cx="7715250" cy="461665"/>
+          </a:xfrm>
+          <a:prstGeom prst="rect">
+            <a:avLst/>
+          </a:prstGeom>
+          <a:noFill/>
+          <a:ln>
+            <a:solidFill>
+              <a:schemeClr val="tx1"/>
+            </a:solidFill>
+          </a:ln>
+        </p:spPr>
+        <p:txBody>
+          <a:bodyPr wrap="square">
+            <a:spAutoFit/>
+          </a:bodyPr>
+          <a:lstStyle/>
+          <a:p>
+            <a:r>
+              <a:rPr lang="en-US" altLang="zh-TW" sz="1200" dirty="0">
+                <a:latin typeface="Consolas" panose="020B0609020204030204" pitchFamily="49" charset="0"/>
+                <a:cs typeface="Consolas" panose="020B0609020204030204" pitchFamily="49" charset="0"/>
+              </a:rPr>
+              <a:t>Method: GET</a:t>
+            </a:r>
+          </a:p>
+          <a:p>
+            <a:r>
+              <a:rPr lang="en-US" altLang="zh-TW" sz="1200" dirty="0">
+                <a:latin typeface="Consolas" panose="020B0609020204030204" pitchFamily="49" charset="0"/>
+                <a:cs typeface="Consolas" panose="020B0609020204030204" pitchFamily="49" charset="0"/>
+              </a:rPr>
+              <a:t>URL: </a:t>
+            </a:r>
+            <a:r>
+              <a:rPr lang="en-US" altLang="zh-TW" sz="1200" u="sng" dirty="0">
+                <a:solidFill>
+                  <a:srgbClr val="0563C1"/>
+                </a:solidFill>
+                <a:latin typeface="Consolas" panose="020B0609020204030204" pitchFamily="49" charset="0"/>
+                <a:ea typeface="標楷體" panose="03000509000000000000" pitchFamily="65" charset="-120"/>
+                <a:cs typeface="Consolas" panose="020B0609020204030204" pitchFamily="49" charset="0"/>
+              </a:rPr>
+              <a:t>http://127.0.0.1:8000/api/v1/BillMilestone/SubmarineCable=</a:t>
+            </a:r>
+            <a:r>
+              <a:rPr lang="zh-TW" altLang="en-US" sz="1200" u="sng" dirty="0">
+                <a:solidFill>
+                  <a:srgbClr val="0563C1"/>
+                </a:solidFill>
+                <a:latin typeface="Consolas" panose="020B0609020204030204" pitchFamily="49" charset="0"/>
+                <a:ea typeface="標楷體" panose="03000509000000000000" pitchFamily="65" charset="-120"/>
+                <a:cs typeface="Consolas" panose="020B0609020204030204" pitchFamily="49" charset="0"/>
+              </a:rPr>
+              <a:t>海纜名稱</a:t>
+            </a:r>
+            <a:r>
+              <a:rPr lang="en-US" altLang="zh-TW" sz="1200" u="sng" dirty="0">
+                <a:solidFill>
+                  <a:srgbClr val="0563C1"/>
+                </a:solidFill>
+                <a:latin typeface="Consolas" panose="020B0609020204030204" pitchFamily="49" charset="0"/>
+                <a:ea typeface="標楷體" panose="03000509000000000000" pitchFamily="65" charset="-120"/>
+                <a:cs typeface="Consolas" panose="020B0609020204030204" pitchFamily="49" charset="0"/>
+              </a:rPr>
+              <a:t>&amp;</a:t>
+            </a:r>
+            <a:r>
+              <a:rPr lang="en-US" altLang="zh-TW" sz="1200" u="sng" dirty="0" err="1">
+                <a:solidFill>
+                  <a:srgbClr val="0563C1"/>
+                </a:solidFill>
+                <a:latin typeface="Consolas" panose="020B0609020204030204" pitchFamily="49" charset="0"/>
+                <a:ea typeface="標楷體" panose="03000509000000000000" pitchFamily="65" charset="-120"/>
+                <a:cs typeface="Consolas" panose="020B0609020204030204" pitchFamily="49" charset="0"/>
+              </a:rPr>
+              <a:t>WorkTitle</a:t>
+            </a:r>
+            <a:r>
+              <a:rPr lang="en-US" altLang="zh-TW" sz="1200" u="sng" dirty="0">
+                <a:solidFill>
+                  <a:srgbClr val="0563C1"/>
+                </a:solidFill>
+                <a:latin typeface="Consolas" panose="020B0609020204030204" pitchFamily="49" charset="0"/>
+                <a:ea typeface="標楷體" panose="03000509000000000000" pitchFamily="65" charset="-120"/>
+                <a:cs typeface="Consolas" panose="020B0609020204030204" pitchFamily="49" charset="0"/>
+              </a:rPr>
+              <a:t>=</a:t>
+            </a:r>
+            <a:r>
+              <a:rPr lang="zh-TW" altLang="en-US" sz="1200" u="sng" dirty="0">
+                <a:solidFill>
+                  <a:srgbClr val="0563C1"/>
+                </a:solidFill>
+                <a:latin typeface="Consolas" panose="020B0609020204030204" pitchFamily="49" charset="0"/>
+                <a:ea typeface="標楷體" panose="03000509000000000000" pitchFamily="65" charset="-120"/>
+                <a:cs typeface="Consolas" panose="020B0609020204030204" pitchFamily="49" charset="0"/>
+              </a:rPr>
+              <a:t>海纜作業</a:t>
+            </a:r>
+            <a:endParaRPr lang="en-US" altLang="zh-TW" sz="1200" u="sng" dirty="0">
+              <a:solidFill>
+                <a:srgbClr val="0563C1"/>
+              </a:solidFill>
+              <a:latin typeface="Consolas" panose="020B0609020204030204" pitchFamily="49" charset="0"/>
+              <a:ea typeface="標楷體" panose="03000509000000000000" pitchFamily="65" charset="-120"/>
+              <a:cs typeface="Consolas" panose="020B0609020204030204" pitchFamily="49" charset="0"/>
+            </a:endParaRPr>
+          </a:p>
+        </p:txBody>
+      </p:sp>
+      <p:sp>
+        <p:nvSpPr>
+          <p:cNvPr id="3" name="矩形 2">
+            <a:extLst>
+              <a:ext uri="{FF2B5EF4-FFF2-40B4-BE49-F238E27FC236}">
+                <a16:creationId xmlns:a16="http://schemas.microsoft.com/office/drawing/2014/main" id="{2C542116-8D9A-AF7F-5989-A73CEACC60E5}"/>
+              </a:ext>
+            </a:extLst>
+          </p:cNvPr>
+          <p:cNvSpPr/>
+          <p:nvPr/>
+        </p:nvSpPr>
+        <p:spPr>
+          <a:xfrm>
+            <a:off x="4046537" y="2012871"/>
+            <a:ext cx="949325" cy="146050"/>
+          </a:xfrm>
+          <a:prstGeom prst="rect">
+            <a:avLst/>
+          </a:prstGeom>
+          <a:noFill/>
+          <a:ln>
+            <a:solidFill>
+              <a:srgbClr val="FF0000"/>
+            </a:solidFill>
+          </a:ln>
+        </p:spPr>
+        <p:style>
+          <a:lnRef idx="2">
+            <a:schemeClr val="accent1">
+              <a:shade val="50000"/>
+            </a:schemeClr>
+          </a:lnRef>
+          <a:fillRef idx="1">
+            <a:schemeClr val="accent1"/>
+          </a:fillRef>
+          <a:effectRef idx="0">
+            <a:schemeClr val="accent1"/>
+          </a:effectRef>
+          <a:fontRef idx="minor">
+            <a:schemeClr val="lt1"/>
+          </a:fontRef>
+        </p:style>
+        <p:txBody>
+          <a:bodyPr rtlCol="0" anchor="ctr"/>
+          <a:lstStyle/>
+          <a:p>
+            <a:pPr algn="ctr"/>
+            <a:endParaRPr kumimoji="1" lang="zh-TW" altLang="en-US"/>
+          </a:p>
+        </p:txBody>
+      </p:sp>
+      <p:sp>
+        <p:nvSpPr>
+          <p:cNvPr id="5" name="文字方塊 4">
+            <a:extLst>
+              <a:ext uri="{FF2B5EF4-FFF2-40B4-BE49-F238E27FC236}">
+                <a16:creationId xmlns:a16="http://schemas.microsoft.com/office/drawing/2014/main" id="{6727BEBD-F698-88B0-5F8C-50E6FC98A622}"/>
+              </a:ext>
+            </a:extLst>
+          </p:cNvPr>
+          <p:cNvSpPr txBox="1"/>
+          <p:nvPr/>
+        </p:nvSpPr>
+        <p:spPr>
+          <a:xfrm>
+            <a:off x="8956944" y="4731283"/>
+            <a:ext cx="2991084" cy="1384995"/>
+          </a:xfrm>
+          <a:prstGeom prst="rect">
+            <a:avLst/>
+          </a:prstGeom>
+          <a:noFill/>
+          <a:ln>
+            <a:solidFill>
+              <a:schemeClr val="tx1"/>
+            </a:solidFill>
+          </a:ln>
+        </p:spPr>
+        <p:txBody>
+          <a:bodyPr wrap="square">
+            <a:spAutoFit/>
+          </a:bodyPr>
+          <a:lstStyle/>
+          <a:p>
+            <a:r>
+              <a:rPr lang="en" altLang="zh-TW" sz="1200" dirty="0">
+                <a:latin typeface="Consolas" panose="020B0609020204030204" pitchFamily="49" charset="0"/>
+                <a:ea typeface="BiauKai" panose="02010601000101010101" pitchFamily="2" charset="-120"/>
+                <a:cs typeface="Consolas" panose="020B0609020204030204" pitchFamily="49" charset="0"/>
+              </a:rPr>
+              <a:t>[</a:t>
+            </a:r>
+          </a:p>
+          <a:p>
+            <a:r>
+              <a:rPr lang="zh-TW" altLang="en-US" sz="1200" dirty="0">
+                <a:latin typeface="Consolas" panose="020B0609020204030204" pitchFamily="49" charset="0"/>
+                <a:ea typeface="BiauKai" panose="02010601000101010101" pitchFamily="2" charset="-120"/>
+                <a:cs typeface="Consolas" panose="020B0609020204030204" pitchFamily="49" charset="0"/>
+              </a:rPr>
+              <a:t>    </a:t>
+            </a:r>
+            <a:r>
+              <a:rPr lang="en-US" altLang="zh-TW" sz="1200" dirty="0">
+                <a:latin typeface="Consolas" panose="020B0609020204030204" pitchFamily="49" charset="0"/>
+                <a:ea typeface="BiauKai" panose="02010601000101010101" pitchFamily="2" charset="-120"/>
+                <a:cs typeface="Consolas" panose="020B0609020204030204" pitchFamily="49" charset="0"/>
+              </a:rPr>
+              <a:t>BillMilestoneName1,</a:t>
+            </a:r>
+          </a:p>
+          <a:p>
+            <a:r>
+              <a:rPr lang="en-US" altLang="zh-TW" sz="1200" dirty="0">
+                <a:latin typeface="Consolas" panose="020B0609020204030204" pitchFamily="49" charset="0"/>
+                <a:ea typeface="BiauKai" panose="02010601000101010101" pitchFamily="2" charset="-120"/>
+                <a:cs typeface="Consolas" panose="020B0609020204030204" pitchFamily="49" charset="0"/>
+              </a:rPr>
+              <a:t>    BillMilestoneName2,</a:t>
+            </a:r>
+          </a:p>
+          <a:p>
+            <a:r>
+              <a:rPr lang="en-US" altLang="zh-TW" sz="1200" dirty="0">
+                <a:latin typeface="Consolas" panose="020B0609020204030204" pitchFamily="49" charset="0"/>
+                <a:ea typeface="BiauKai" panose="02010601000101010101" pitchFamily="2" charset="-120"/>
+                <a:cs typeface="Consolas" panose="020B0609020204030204" pitchFamily="49" charset="0"/>
+              </a:rPr>
+              <a:t>    .</a:t>
+            </a:r>
+          </a:p>
+          <a:p>
+            <a:r>
+              <a:rPr lang="en-US" altLang="zh-TW" sz="1200" dirty="0">
+                <a:latin typeface="Consolas" panose="020B0609020204030204" pitchFamily="49" charset="0"/>
+                <a:ea typeface="BiauKai" panose="02010601000101010101" pitchFamily="2" charset="-120"/>
+                <a:cs typeface="Consolas" panose="020B0609020204030204" pitchFamily="49" charset="0"/>
+              </a:rPr>
+              <a:t>    .</a:t>
+            </a:r>
+          </a:p>
+          <a:p>
+            <a:r>
+              <a:rPr lang="en-US" altLang="zh-TW" sz="1200" dirty="0">
+                <a:latin typeface="Consolas" panose="020B0609020204030204" pitchFamily="49" charset="0"/>
+                <a:ea typeface="BiauKai" panose="02010601000101010101" pitchFamily="2" charset="-120"/>
+                <a:cs typeface="Consolas" panose="020B0609020204030204" pitchFamily="49" charset="0"/>
+              </a:rPr>
+              <a:t>    .</a:t>
+            </a:r>
+          </a:p>
+          <a:p>
+            <a:r>
+              <a:rPr lang="en-US" altLang="zh-TW" sz="1200" dirty="0">
+                <a:latin typeface="Consolas" panose="020B0609020204030204" pitchFamily="49" charset="0"/>
+                <a:ea typeface="BiauKai" panose="02010601000101010101" pitchFamily="2" charset="-120"/>
+                <a:cs typeface="Consolas" panose="020B0609020204030204" pitchFamily="49" charset="0"/>
+              </a:rPr>
+              <a:t>]</a:t>
+            </a:r>
+            <a:endParaRPr lang="zh-TW" altLang="en-US" sz="1200" dirty="0">
+              <a:latin typeface="Consolas" panose="020B0609020204030204" pitchFamily="49" charset="0"/>
+              <a:ea typeface="BiauKai" panose="02010601000101010101" pitchFamily="2" charset="-120"/>
+              <a:cs typeface="Consolas" panose="020B0609020204030204" pitchFamily="49" charset="0"/>
+            </a:endParaRPr>
+          </a:p>
+        </p:txBody>
+      </p:sp>
+      <p:sp>
+        <p:nvSpPr>
+          <p:cNvPr id="7" name="文字方塊 6">
+            <a:extLst>
+              <a:ext uri="{FF2B5EF4-FFF2-40B4-BE49-F238E27FC236}">
+                <a16:creationId xmlns:a16="http://schemas.microsoft.com/office/drawing/2014/main" id="{86F352FF-C589-4E4B-29F0-E335DFCF9638}"/>
+              </a:ext>
+            </a:extLst>
+          </p:cNvPr>
+          <p:cNvSpPr txBox="1"/>
+          <p:nvPr/>
+        </p:nvSpPr>
+        <p:spPr>
+          <a:xfrm>
+            <a:off x="8905281" y="4361951"/>
+            <a:ext cx="1233534" cy="369332"/>
+          </a:xfrm>
+          <a:prstGeom prst="rect">
+            <a:avLst/>
+          </a:prstGeom>
+          <a:noFill/>
+        </p:spPr>
+        <p:txBody>
+          <a:bodyPr wrap="square">
+            <a:spAutoFit/>
+          </a:bodyPr>
+          <a:lstStyle/>
+          <a:p>
+            <a:r>
+              <a:rPr lang="zh-TW" altLang="en-US" dirty="0">
+                <a:latin typeface="Consolas" panose="020B0609020204030204" pitchFamily="49" charset="0"/>
+                <a:cs typeface="Consolas" panose="020B0609020204030204" pitchFamily="49" charset="0"/>
+              </a:rPr>
+              <a:t>Response</a:t>
+            </a:r>
+          </a:p>
+        </p:txBody>
+      </p:sp>
+      <p:cxnSp>
+        <p:nvCxnSpPr>
+          <p:cNvPr id="13" name="曲線接點 12">
+            <a:extLst>
+              <a:ext uri="{FF2B5EF4-FFF2-40B4-BE49-F238E27FC236}">
+                <a16:creationId xmlns:a16="http://schemas.microsoft.com/office/drawing/2014/main" id="{8DCFF927-987C-5A87-1314-D6B75F65FFB9}"/>
+              </a:ext>
+            </a:extLst>
+          </p:cNvPr>
+          <p:cNvCxnSpPr>
+            <a:cxnSpLocks/>
+            <a:stCxn id="14" idx="3"/>
+            <a:endCxn id="5" idx="1"/>
+          </p:cNvCxnSpPr>
+          <p:nvPr/>
+        </p:nvCxnSpPr>
+        <p:spPr>
+          <a:xfrm>
+            <a:off x="8477250" y="5111357"/>
+            <a:ext cx="479694" cy="312424"/>
+          </a:xfrm>
+          <a:prstGeom prst="curvedConnector3">
+            <a:avLst>
+              <a:gd name="adj1" fmla="val 50000"/>
+            </a:avLst>
+          </a:prstGeom>
+          <a:ln>
+            <a:solidFill>
+              <a:schemeClr val="tx1"/>
+            </a:solidFill>
+            <a:tailEnd type="triangle"/>
+          </a:ln>
+        </p:spPr>
+        <p:style>
+          <a:lnRef idx="1">
+            <a:schemeClr val="accent1"/>
+          </a:lnRef>
+          <a:fillRef idx="0">
+            <a:schemeClr val="accent1"/>
+          </a:fillRef>
+          <a:effectRef idx="0">
+            <a:schemeClr val="accent1"/>
+          </a:effectRef>
+          <a:fontRef idx="minor">
+            <a:schemeClr val="tx1"/>
+          </a:fontRef>
+        </p:style>
+      </p:cxnSp>
+      <p:sp>
+        <p:nvSpPr>
+          <p:cNvPr id="12" name="矩形 11">
+            <a:extLst>
+              <a:ext uri="{FF2B5EF4-FFF2-40B4-BE49-F238E27FC236}">
+                <a16:creationId xmlns:a16="http://schemas.microsoft.com/office/drawing/2014/main" id="{7DEFE211-FCB4-4002-880C-7C271C445BDA}"/>
+              </a:ext>
+            </a:extLst>
+          </p:cNvPr>
+          <p:cNvSpPr/>
+          <p:nvPr/>
+        </p:nvSpPr>
+        <p:spPr>
+          <a:xfrm>
+            <a:off x="1917699" y="2158921"/>
+            <a:ext cx="882651" cy="146050"/>
+          </a:xfrm>
+          <a:prstGeom prst="rect">
+            <a:avLst/>
+          </a:prstGeom>
+          <a:noFill/>
+          <a:ln>
+            <a:solidFill>
+              <a:srgbClr val="FF0000"/>
+            </a:solidFill>
+          </a:ln>
+        </p:spPr>
+        <p:style>
+          <a:lnRef idx="2">
+            <a:schemeClr val="accent1">
+              <a:shade val="50000"/>
+            </a:schemeClr>
+          </a:lnRef>
+          <a:fillRef idx="1">
+            <a:schemeClr val="accent1"/>
+          </a:fillRef>
+          <a:effectRef idx="0">
+            <a:schemeClr val="accent1"/>
+          </a:effectRef>
+          <a:fontRef idx="minor">
+            <a:schemeClr val="lt1"/>
+          </a:fontRef>
+        </p:style>
+        <p:txBody>
+          <a:bodyPr rtlCol="0" anchor="ctr"/>
+          <a:lstStyle/>
+          <a:p>
+            <a:pPr algn="ctr"/>
+            <a:endParaRPr kumimoji="1" lang="zh-TW" altLang="en-US"/>
+          </a:p>
+        </p:txBody>
+      </p:sp>
+      <p:sp>
+        <p:nvSpPr>
+          <p:cNvPr id="15" name="矩形 14">
+            <a:extLst>
+              <a:ext uri="{FF2B5EF4-FFF2-40B4-BE49-F238E27FC236}">
+                <a16:creationId xmlns:a16="http://schemas.microsoft.com/office/drawing/2014/main" id="{47EAB03C-58B2-470F-8A5D-9243DB2AC022}"/>
+              </a:ext>
+            </a:extLst>
+          </p:cNvPr>
+          <p:cNvSpPr/>
+          <p:nvPr/>
+        </p:nvSpPr>
+        <p:spPr>
+          <a:xfrm>
+            <a:off x="2923380" y="2155667"/>
+            <a:ext cx="882652" cy="146050"/>
+          </a:xfrm>
+          <a:prstGeom prst="rect">
+            <a:avLst/>
+          </a:prstGeom>
+          <a:noFill/>
+          <a:ln>
+            <a:solidFill>
+              <a:srgbClr val="FF0000"/>
+            </a:solidFill>
+          </a:ln>
+        </p:spPr>
+        <p:style>
+          <a:lnRef idx="2">
+            <a:schemeClr val="accent1">
+              <a:shade val="50000"/>
+            </a:schemeClr>
+          </a:lnRef>
+          <a:fillRef idx="1">
+            <a:schemeClr val="accent1"/>
+          </a:fillRef>
+          <a:effectRef idx="0">
+            <a:schemeClr val="accent1"/>
+          </a:effectRef>
+          <a:fontRef idx="minor">
+            <a:schemeClr val="lt1"/>
+          </a:fontRef>
+        </p:style>
+        <p:txBody>
+          <a:bodyPr rtlCol="0" anchor="ctr"/>
+          <a:lstStyle/>
+          <a:p>
+            <a:pPr algn="ctr"/>
+            <a:endParaRPr kumimoji="1" lang="zh-TW" altLang="en-US"/>
+          </a:p>
+        </p:txBody>
+      </p:sp>
+      <p:sp>
+        <p:nvSpPr>
+          <p:cNvPr id="16" name="矩形 15">
+            <a:extLst>
+              <a:ext uri="{FF2B5EF4-FFF2-40B4-BE49-F238E27FC236}">
+                <a16:creationId xmlns:a16="http://schemas.microsoft.com/office/drawing/2014/main" id="{58F61B31-1B80-483F-8DD1-E8F6E1F3F960}"/>
+              </a:ext>
+            </a:extLst>
+          </p:cNvPr>
+          <p:cNvSpPr/>
+          <p:nvPr/>
+        </p:nvSpPr>
+        <p:spPr>
+          <a:xfrm>
+            <a:off x="6170611" y="5111356"/>
+            <a:ext cx="592139" cy="179782"/>
+          </a:xfrm>
+          <a:prstGeom prst="rect">
+            <a:avLst/>
+          </a:prstGeom>
+          <a:noFill/>
+          <a:ln>
+            <a:solidFill>
+              <a:srgbClr val="FF0000"/>
+            </a:solidFill>
+          </a:ln>
+        </p:spPr>
+        <p:style>
+          <a:lnRef idx="2">
+            <a:schemeClr val="accent1">
+              <a:shade val="50000"/>
+            </a:schemeClr>
+          </a:lnRef>
+          <a:fillRef idx="1">
+            <a:schemeClr val="accent1"/>
+          </a:fillRef>
+          <a:effectRef idx="0">
+            <a:schemeClr val="accent1"/>
+          </a:effectRef>
+          <a:fontRef idx="minor">
+            <a:schemeClr val="lt1"/>
+          </a:fontRef>
+        </p:style>
+        <p:txBody>
+          <a:bodyPr rtlCol="0" anchor="ctr"/>
+          <a:lstStyle/>
+          <a:p>
+            <a:pPr algn="ctr"/>
+            <a:endParaRPr kumimoji="1" lang="zh-TW" altLang="en-US"/>
+          </a:p>
+        </p:txBody>
+      </p:sp>
+      <p:sp>
+        <p:nvSpPr>
+          <p:cNvPr id="17" name="矩形 16">
+            <a:extLst>
+              <a:ext uri="{FF2B5EF4-FFF2-40B4-BE49-F238E27FC236}">
+                <a16:creationId xmlns:a16="http://schemas.microsoft.com/office/drawing/2014/main" id="{A446F3CC-9F22-4E36-98BE-9374E0412618}"/>
+              </a:ext>
+            </a:extLst>
+          </p:cNvPr>
+          <p:cNvSpPr/>
+          <p:nvPr/>
+        </p:nvSpPr>
+        <p:spPr>
+          <a:xfrm>
+            <a:off x="7689850" y="5128222"/>
+            <a:ext cx="592140" cy="146050"/>
+          </a:xfrm>
+          <a:prstGeom prst="rect">
+            <a:avLst/>
+          </a:prstGeom>
+          <a:noFill/>
+          <a:ln>
+            <a:solidFill>
+              <a:srgbClr val="FF0000"/>
+            </a:solidFill>
+          </a:ln>
+        </p:spPr>
+        <p:style>
+          <a:lnRef idx="2">
+            <a:schemeClr val="accent1">
+              <a:shade val="50000"/>
+            </a:schemeClr>
+          </a:lnRef>
+          <a:fillRef idx="1">
+            <a:schemeClr val="accent1"/>
+          </a:fillRef>
+          <a:effectRef idx="0">
+            <a:schemeClr val="accent1"/>
+          </a:effectRef>
+          <a:fontRef idx="minor">
+            <a:schemeClr val="lt1"/>
+          </a:fontRef>
+        </p:style>
+        <p:txBody>
+          <a:bodyPr rtlCol="0" anchor="ctr"/>
+          <a:lstStyle/>
+          <a:p>
+            <a:pPr algn="ctr"/>
+            <a:endParaRPr kumimoji="1" lang="zh-TW" altLang="en-US"/>
+          </a:p>
+        </p:txBody>
+      </p:sp>
+      <p:cxnSp>
+        <p:nvCxnSpPr>
+          <p:cNvPr id="8" name="接點: 肘形 7">
+            <a:extLst>
+              <a:ext uri="{FF2B5EF4-FFF2-40B4-BE49-F238E27FC236}">
+                <a16:creationId xmlns:a16="http://schemas.microsoft.com/office/drawing/2014/main" id="{38BC0DC5-3307-4959-8B43-9D3942516597}"/>
+              </a:ext>
+            </a:extLst>
+          </p:cNvPr>
+          <p:cNvCxnSpPr>
+            <a:stCxn id="12" idx="2"/>
+            <a:endCxn id="16" idx="0"/>
+          </p:cNvCxnSpPr>
+          <p:nvPr/>
+        </p:nvCxnSpPr>
+        <p:spPr>
+          <a:xfrm rot="16200000" flipH="1">
+            <a:off x="3009661" y="1654335"/>
+            <a:ext cx="2806385" cy="4107656"/>
+          </a:xfrm>
+          <a:prstGeom prst="bentConnector3">
+            <a:avLst/>
+          </a:prstGeom>
+          <a:ln>
+            <a:solidFill>
+              <a:srgbClr val="FF0000"/>
+            </a:solidFill>
+            <a:tailEnd type="triangle"/>
+          </a:ln>
+        </p:spPr>
+        <p:style>
+          <a:lnRef idx="1">
+            <a:schemeClr val="accent1"/>
+          </a:lnRef>
+          <a:fillRef idx="0">
+            <a:schemeClr val="accent1"/>
+          </a:fillRef>
+          <a:effectRef idx="0">
+            <a:schemeClr val="accent1"/>
+          </a:effectRef>
+          <a:fontRef idx="minor">
+            <a:schemeClr val="tx1"/>
+          </a:fontRef>
+        </p:style>
+      </p:cxnSp>
+      <p:cxnSp>
+        <p:nvCxnSpPr>
+          <p:cNvPr id="18" name="接點: 肘形 17">
+            <a:extLst>
+              <a:ext uri="{FF2B5EF4-FFF2-40B4-BE49-F238E27FC236}">
+                <a16:creationId xmlns:a16="http://schemas.microsoft.com/office/drawing/2014/main" id="{FAB43664-B1C1-43E9-B81C-E32C499AE977}"/>
+              </a:ext>
+            </a:extLst>
+          </p:cNvPr>
+          <p:cNvCxnSpPr>
+            <a:cxnSpLocks/>
+          </p:cNvCxnSpPr>
+          <p:nvPr/>
+        </p:nvCxnSpPr>
+        <p:spPr>
+          <a:xfrm rot="16200000" flipH="1">
+            <a:off x="4262061" y="1404363"/>
+            <a:ext cx="2826505" cy="4621214"/>
+          </a:xfrm>
+          <a:prstGeom prst="bentConnector3">
+            <a:avLst>
+              <a:gd name="adj1" fmla="val 63985"/>
+            </a:avLst>
+          </a:prstGeom>
+          <a:ln>
+            <a:solidFill>
+              <a:srgbClr val="FF0000"/>
+            </a:solidFill>
+            <a:tailEnd type="triangle"/>
+          </a:ln>
+        </p:spPr>
+        <p:style>
+          <a:lnRef idx="1">
+            <a:schemeClr val="accent1"/>
+          </a:lnRef>
+          <a:fillRef idx="0">
+            <a:schemeClr val="accent1"/>
+          </a:fillRef>
+          <a:effectRef idx="0">
+            <a:schemeClr val="accent1"/>
+          </a:effectRef>
+          <a:fontRef idx="minor">
+            <a:schemeClr val="tx1"/>
+          </a:fontRef>
+        </p:style>
+      </p:cxnSp>
+      <p:cxnSp>
+        <p:nvCxnSpPr>
+          <p:cNvPr id="23" name="接點: 肘形 22">
+            <a:extLst>
+              <a:ext uri="{FF2B5EF4-FFF2-40B4-BE49-F238E27FC236}">
+                <a16:creationId xmlns:a16="http://schemas.microsoft.com/office/drawing/2014/main" id="{54EB97A2-AEE9-4433-BCC4-F20E97DC0DEA}"/>
+              </a:ext>
+            </a:extLst>
+          </p:cNvPr>
+          <p:cNvCxnSpPr>
+            <a:stCxn id="3" idx="2"/>
+            <a:endCxn id="14" idx="1"/>
+          </p:cNvCxnSpPr>
+          <p:nvPr/>
+        </p:nvCxnSpPr>
+        <p:spPr>
+          <a:xfrm rot="5400000">
+            <a:off x="1165382" y="1755539"/>
+            <a:ext cx="2952436" cy="3759200"/>
+          </a:xfrm>
+          <a:prstGeom prst="bentConnector4">
+            <a:avLst>
+              <a:gd name="adj1" fmla="val 46091"/>
+              <a:gd name="adj2" fmla="val 106081"/>
+            </a:avLst>
+          </a:prstGeom>
+          <a:ln>
+            <a:solidFill>
+              <a:srgbClr val="FF0000"/>
+            </a:solidFill>
+            <a:tailEnd type="triangle"/>
+          </a:ln>
+        </p:spPr>
+        <p:style>
+          <a:lnRef idx="1">
+            <a:schemeClr val="accent1"/>
+          </a:lnRef>
+          <a:fillRef idx="0">
+            <a:schemeClr val="accent1"/>
+          </a:fillRef>
+          <a:effectRef idx="0">
+            <a:schemeClr val="accent1"/>
+          </a:effectRef>
+          <a:fontRef idx="minor">
+            <a:schemeClr val="tx1"/>
+          </a:fontRef>
+        </p:style>
+      </p:cxnSp>
+    </p:spTree>
+    <p:extLst>
+      <p:ext uri="{BB962C8B-B14F-4D97-AF65-F5344CB8AC3E}">
+        <p14:creationId xmlns:p14="http://schemas.microsoft.com/office/powerpoint/2010/main" val="1825107670"/>
+      </p:ext>
+    </p:extLst>
+  </p:cSld>
+  <p:clrMapOvr>
+    <a:masterClrMapping/>
+  </p:clrMapOvr>
+</p:sld>
+</file>
+
+<file path=ppt/slides/slide5.xml><?xml version="1.0" encoding="utf-8"?>
+<p:sld xmlns:a="http://schemas.openxmlformats.org/drawingml/2006/main" xmlns:r="http://schemas.openxmlformats.org/officeDocument/2006/relationships" xmlns:p="http://schemas.openxmlformats.org/presentationml/2006/main">
+  <p:cSld>
+    <p:spTree>
+      <p:nvGrpSpPr>
+        <p:cNvPr id="1" name=""/>
+        <p:cNvGrpSpPr/>
+        <p:nvPr/>
+      </p:nvGrpSpPr>
+      <p:grpSpPr>
+        <a:xfrm>
+          <a:off x="0" y="0"/>
+          <a:ext cx="0" cy="0"/>
+          <a:chOff x="0" y="0"/>
+          <a:chExt cx="0" cy="0"/>
+        </a:xfrm>
+      </p:grpSpPr>
+      <p:sp>
+        <p:nvSpPr>
+          <p:cNvPr id="2" name="標題 1">
+            <a:extLst>
+              <a:ext uri="{FF2B5EF4-FFF2-40B4-BE49-F238E27FC236}">
+                <a16:creationId xmlns:a16="http://schemas.microsoft.com/office/drawing/2014/main" id="{EB1D8D0D-B3FA-5748-AE27-3DF74D52EF4C}"/>
+              </a:ext>
+            </a:extLst>
+          </p:cNvPr>
+          <p:cNvSpPr>
+            <a:spLocks noGrp="1"/>
+          </p:cNvSpPr>
+          <p:nvPr>
+            <p:ph type="title"/>
+          </p:nvPr>
+        </p:nvSpPr>
+        <p:spPr>
+          <a:xfrm>
+            <a:off x="762000" y="0"/>
+            <a:ext cx="10515600" cy="1325563"/>
+          </a:xfrm>
+        </p:spPr>
+        <p:txBody>
+          <a:bodyPr/>
+          <a:lstStyle/>
+          <a:p>
+            <a:r>
+              <a:rPr kumimoji="1" lang="zh-TW" altLang="en-US" dirty="0">
+                <a:latin typeface="Consolas" panose="020B0609020204030204" pitchFamily="49" charset="0"/>
+                <a:ea typeface="BiauKai" panose="02010601000101010101" pitchFamily="2" charset="-120"/>
+                <a:cs typeface="Consolas" panose="020B0609020204030204" pitchFamily="49" charset="0"/>
+              </a:rPr>
+              <a:t>新增發票工作檔</a:t>
+            </a:r>
+            <a:r>
+              <a:rPr kumimoji="1" lang="en-US" altLang="zh-TW" dirty="0">
+                <a:latin typeface="Consolas" panose="020B0609020204030204" pitchFamily="49" charset="0"/>
+                <a:ea typeface="BiauKai" panose="02010601000101010101" pitchFamily="2" charset="-120"/>
+                <a:cs typeface="Consolas" panose="020B0609020204030204" pitchFamily="49" charset="0"/>
+              </a:rPr>
               <a:t>(1)</a:t>
             </a:r>
             <a:endParaRPr kumimoji="1" lang="zh-TW" altLang="en-US" dirty="0">
@@ -5622,10 +6935,21 @@
                 <a:latin typeface="Consolas" panose="020B0609020204030204" pitchFamily="49" charset="0"/>
                 <a:cs typeface="Consolas" panose="020B0609020204030204" pitchFamily="49" charset="0"/>
               </a:rPr>
-              <a:t>"Status"</a:t>
-            </a:r>
-            <a:r>
-              <a:rPr lang="en" altLang="zh-TW" sz="850" dirty="0">
+              <a:t>"Status</a:t>
+            </a:r>
+            <a:r>
+              <a:rPr lang="en" altLang="zh-TW" sz="850">
+                <a:solidFill>
+                  <a:srgbClr val="D7BA7D"/>
+                </a:solidFill>
+                <a:effectLst/>
+                <a:latin typeface="Consolas" panose="020B0609020204030204" pitchFamily="49" charset="0"/>
+                <a:cs typeface="Consolas" panose="020B0609020204030204" pitchFamily="49" charset="0"/>
+              </a:rPr>
+              <a:t>"</a:t>
+            </a:r>
+            <a:r>
+              <a:rPr lang="en" altLang="zh-TW" sz="850">
                 <a:solidFill>
                   <a:srgbClr val="D4D4D4"/>
                 </a:solidFill>
@@ -5636,7 +6960,7 @@
               <a:t>: </a:t>
             </a:r>
             <a:r>
-              <a:rPr lang="en" altLang="zh-TW" sz="850" dirty="0">
+              <a:rPr lang="en" altLang="zh-TW" sz="850">
                 <a:solidFill>
                   <a:srgbClr val="D69D85"/>
                 </a:solidFill>
@@ -5644,7 +6968,18 @@
                 <a:latin typeface="Consolas" panose="020B0609020204030204" pitchFamily="49" charset="0"/>
                 <a:cs typeface="Consolas" panose="020B0609020204030204" pitchFamily="49" charset="0"/>
               </a:rPr>
-              <a:t>”TEMPORARY"</a:t>
+              <a:t>"TEMPORARY</a:t>
+            </a:r>
+            <a:r>
+              <a:rPr lang="en" altLang="zh-TW" sz="850" dirty="0">
+                <a:solidFill>
+                  <a:srgbClr val="D69D85"/>
+                </a:solidFill>
+                <a:effectLst/>
+                <a:latin typeface="Consolas" panose="020B0609020204030204" pitchFamily="49" charset="0"/>
+                <a:cs typeface="Consolas" panose="020B0609020204030204" pitchFamily="49" charset="0"/>
+              </a:rPr>
+              <a:t>"</a:t>
             </a:r>
             <a:r>
               <a:rPr lang="en" altLang="zh-TW" sz="850" dirty="0">
@@ -5917,29 +7252,7 @@
                 <a:latin typeface="Consolas" panose="020B0609020204030204" pitchFamily="49" charset="0"/>
                 <a:cs typeface="Consolas" panose="020B0609020204030204" pitchFamily="49" charset="0"/>
               </a:rPr>
-              <a:t>    "</a:t>
-            </a:r>
-            <a:r>
-              <a:rPr lang="en" altLang="zh-TW" sz="850" dirty="0" err="1">
-                <a:solidFill>
-                  <a:srgbClr val="D7BA7D"/>
-                </a:solidFill>
-                <a:effectLst/>
-                <a:latin typeface="Consolas" panose="020B0609020204030204" pitchFamily="49" charset="0"/>
-                <a:cs typeface="Consolas" panose="020B0609020204030204" pitchFamily="49" charset="0"/>
-              </a:rPr>
-              <a:t>CreateDate</a:t>
-            </a:r>
-            <a:r>
-              <a:rPr lang="en" altLang="zh-TW" sz="850" dirty="0">
-                <a:solidFill>
-                  <a:srgbClr val="D7BA7D"/>
-                </a:solidFill>
-                <a:effectLst/>
-                <a:latin typeface="Consolas" panose="020B0609020204030204" pitchFamily="49" charset="0"/>
-                <a:cs typeface="Consolas" panose="020B0609020204030204" pitchFamily="49" charset="0"/>
-              </a:rPr>
-              <a:t>"</a:t>
+              <a:t>    "CreateDate"</a:t>
             </a:r>
             <a:r>
               <a:rPr lang="en" altLang="zh-TW" sz="850" dirty="0">
@@ -5961,7 +7274,7 @@
                 <a:latin typeface="Consolas" panose="020B0609020204030204" pitchFamily="49" charset="0"/>
                 <a:cs typeface="Consolas" panose="020B0609020204030204" pitchFamily="49" charset="0"/>
               </a:rPr>
-              <a:t>”YYYY-MM-DD HH:MM:SS"</a:t>
+              <a:t>"YYYY-MM-DD HH:MM:SS"</a:t>
             </a:r>
             <a:br>
               <a:rPr lang="en" altLang="zh-TW" sz="850" dirty="0">
@@ -7381,7 +8694,7 @@
 </p:sld>
 </file>
 
-<file path=ppt/slides/slide5.xml><?xml version="1.0" encoding="utf-8"?>
+<file path=ppt/slides/slide6.xml><?xml version="1.0" encoding="utf-8"?>
 <p:sld xmlns:a="http://schemas.openxmlformats.org/drawingml/2006/main" xmlns:r="http://schemas.openxmlformats.org/officeDocument/2006/relationships" xmlns:p="http://schemas.openxmlformats.org/presentationml/2006/main">
   <p:cSld>
     <p:spTree>
@@ -9928,7 +11241,7 @@
 </p:sld>
 </file>
 
-<file path=ppt/slides/slide6.xml><?xml version="1.0" encoding="utf-8"?>
+<file path=ppt/slides/slide7.xml><?xml version="1.0" encoding="utf-8"?>
 <p:sld xmlns:a="http://schemas.openxmlformats.org/drawingml/2006/main" xmlns:r="http://schemas.openxmlformats.org/officeDocument/2006/relationships" xmlns:p="http://schemas.openxmlformats.org/presentationml/2006/main">
   <p:cSld>
     <p:spTree>
@@ -13040,7 +14353,7 @@
 </p:sld>
 </file>
 
-<file path=ppt/slides/slide7.xml><?xml version="1.0" encoding="utf-8"?>
+<file path=ppt/slides/slide8.xml><?xml version="1.0" encoding="utf-8"?>
 <p:sld xmlns:a="http://schemas.openxmlformats.org/drawingml/2006/main" xmlns:r="http://schemas.openxmlformats.org/officeDocument/2006/relationships" xmlns:p="http://schemas.openxmlformats.org/presentationml/2006/main">
   <p:cSld>
     <p:spTree>
@@ -13545,7 +14858,7 @@
 </p:sld>
 </file>
 
-<file path=ppt/slides/slide8.xml><?xml version="1.0" encoding="utf-8"?>
+<file path=ppt/slides/slide9.xml><?xml version="1.0" encoding="utf-8"?>
 <p:sld xmlns:a="http://schemas.openxmlformats.org/drawingml/2006/main" xmlns:r="http://schemas.openxmlformats.org/officeDocument/2006/relationships" xmlns:p="http://schemas.openxmlformats.org/presentationml/2006/main">
   <p:cSld>
     <p:spTree>
@@ -14890,427 +16203,6 @@
     <p:extLst>
       <p:ext uri="{BB962C8B-B14F-4D97-AF65-F5344CB8AC3E}">
         <p14:creationId xmlns:p14="http://schemas.microsoft.com/office/powerpoint/2010/main" val="3225309890"/>
-      </p:ext>
-    </p:extLst>
-  </p:cSld>
-  <p:clrMapOvr>
-    <a:masterClrMapping/>
-  </p:clrMapOvr>
-</p:sld>
-</file>
-
-<file path=ppt/slides/slide9.xml><?xml version="1.0" encoding="utf-8"?>
-<p:sld xmlns:a="http://schemas.openxmlformats.org/drawingml/2006/main" xmlns:r="http://schemas.openxmlformats.org/officeDocument/2006/relationships" xmlns:p="http://schemas.openxmlformats.org/presentationml/2006/main">
-  <p:cSld>
-    <p:spTree>
-      <p:nvGrpSpPr>
-        <p:cNvPr id="1" name=""/>
-        <p:cNvGrpSpPr/>
-        <p:nvPr/>
-      </p:nvGrpSpPr>
-      <p:grpSpPr>
-        <a:xfrm>
-          <a:off x="0" y="0"/>
-          <a:ext cx="0" cy="0"/>
-          <a:chOff x="0" y="0"/>
-          <a:chExt cx="0" cy="0"/>
-        </a:xfrm>
-      </p:grpSpPr>
-      <p:sp>
-        <p:nvSpPr>
-          <p:cNvPr id="2" name="標題 1">
-            <a:extLst>
-              <a:ext uri="{FF2B5EF4-FFF2-40B4-BE49-F238E27FC236}">
-                <a16:creationId xmlns:a16="http://schemas.microsoft.com/office/drawing/2014/main" id="{89613077-F7D8-DE07-F022-87AA7645A69C}"/>
-              </a:ext>
-            </a:extLst>
-          </p:cNvPr>
-          <p:cNvSpPr>
-            <a:spLocks noGrp="1"/>
-          </p:cNvSpPr>
-          <p:nvPr>
-            <p:ph type="title"/>
-          </p:nvPr>
-        </p:nvSpPr>
-        <p:spPr/>
-        <p:txBody>
-          <a:bodyPr/>
-          <a:lstStyle/>
-          <a:p>
-            <a:r>
-              <a:rPr kumimoji="1" lang="zh-TW" altLang="en-US" dirty="0">
-                <a:latin typeface="BiauKai" panose="02010601000101010101" pitchFamily="2" charset="-120"/>
-                <a:ea typeface="BiauKai" panose="02010601000101010101" pitchFamily="2" charset="-120"/>
-              </a:rPr>
-              <a:t>刪除發票工作檔</a:t>
-            </a:r>
-          </a:p>
-        </p:txBody>
-      </p:sp>
-      <p:pic>
-        <p:nvPicPr>
-          <p:cNvPr id="4" name="圖片 3">
-            <a:extLst>
-              <a:ext uri="{FF2B5EF4-FFF2-40B4-BE49-F238E27FC236}">
-                <a16:creationId xmlns:a16="http://schemas.microsoft.com/office/drawing/2014/main" id="{C189C85A-44C7-4BCD-D336-040510966645}"/>
-              </a:ext>
-            </a:extLst>
-          </p:cNvPr>
-          <p:cNvPicPr>
-            <a:picLocks noChangeAspect="1"/>
-          </p:cNvPicPr>
-          <p:nvPr/>
-        </p:nvPicPr>
-        <p:blipFill>
-          <a:blip r:embed="rId2"/>
-          <a:stretch>
-            <a:fillRect/>
-          </a:stretch>
-        </p:blipFill>
-        <p:spPr>
-          <a:xfrm>
-            <a:off x="838200" y="1690689"/>
-            <a:ext cx="6062763" cy="3410304"/>
-          </a:xfrm>
-          <a:prstGeom prst="rect">
-            <a:avLst/>
-          </a:prstGeom>
-        </p:spPr>
-      </p:pic>
-      <p:sp>
-        <p:nvSpPr>
-          <p:cNvPr id="12" name="文字方塊 11">
-            <a:extLst>
-              <a:ext uri="{FF2B5EF4-FFF2-40B4-BE49-F238E27FC236}">
-                <a16:creationId xmlns:a16="http://schemas.microsoft.com/office/drawing/2014/main" id="{A8C1078E-4600-D1B2-F5FD-BEB98E7935D9}"/>
-              </a:ext>
-            </a:extLst>
-          </p:cNvPr>
-          <p:cNvSpPr txBox="1"/>
-          <p:nvPr/>
-        </p:nvSpPr>
-        <p:spPr>
-          <a:xfrm>
-            <a:off x="8197279" y="2642116"/>
-            <a:ext cx="2524897" cy="1015663"/>
-          </a:xfrm>
-          <a:prstGeom prst="rect">
-            <a:avLst/>
-          </a:prstGeom>
-          <a:noFill/>
-          <a:ln>
-            <a:solidFill>
-              <a:schemeClr val="tx1"/>
-            </a:solidFill>
-          </a:ln>
-        </p:spPr>
-        <p:txBody>
-          <a:bodyPr wrap="square">
-            <a:spAutoFit/>
-          </a:bodyPr>
-          <a:lstStyle/>
-          <a:p>
-            <a:r>
-              <a:rPr lang="en-US" altLang="zh-TW" sz="1000" dirty="0">
-                <a:latin typeface="Consolas" panose="020B0609020204030204" pitchFamily="49" charset="0"/>
-                <a:cs typeface="Consolas" panose="020B0609020204030204" pitchFamily="49" charset="0"/>
-              </a:rPr>
-              <a:t>Body Content:</a:t>
-            </a:r>
-          </a:p>
-          <a:p>
-            <a:r>
-              <a:rPr lang="en-US" altLang="zh-TW" sz="1000" dirty="0">
-                <a:latin typeface="Consolas" panose="020B0609020204030204" pitchFamily="49" charset="0"/>
-                <a:cs typeface="Consolas" panose="020B0609020204030204" pitchFamily="49" charset="0"/>
-              </a:rPr>
-              <a:t>```JSON</a:t>
-            </a:r>
-          </a:p>
-          <a:p>
-            <a:r>
-              <a:rPr lang="en-US" altLang="zh-TW" sz="1000" dirty="0">
-                <a:latin typeface="Consolas" panose="020B0609020204030204" pitchFamily="49" charset="0"/>
-                <a:cs typeface="Consolas" panose="020B0609020204030204" pitchFamily="49" charset="0"/>
-              </a:rPr>
-              <a:t>{</a:t>
-            </a:r>
-          </a:p>
-          <a:p>
-            <a:r>
-              <a:rPr lang="en-US" altLang="zh-TW" sz="1000" dirty="0">
-                <a:latin typeface="Consolas" panose="020B0609020204030204" pitchFamily="49" charset="0"/>
-                <a:cs typeface="Consolas" panose="020B0609020204030204" pitchFamily="49" charset="0"/>
-              </a:rPr>
-              <a:t>    "</a:t>
-            </a:r>
-            <a:r>
-              <a:rPr lang="en-US" altLang="zh-TW" sz="1000" dirty="0" err="1">
-                <a:latin typeface="Consolas" panose="020B0609020204030204" pitchFamily="49" charset="0"/>
-                <a:cs typeface="Consolas" panose="020B0609020204030204" pitchFamily="49" charset="0"/>
-              </a:rPr>
-              <a:t>WKMasterID</a:t>
-            </a:r>
-            <a:r>
-              <a:rPr lang="en-US" altLang="zh-TW" sz="1000" dirty="0">
-                <a:latin typeface="Consolas" panose="020B0609020204030204" pitchFamily="49" charset="0"/>
-                <a:cs typeface="Consolas" panose="020B0609020204030204" pitchFamily="49" charset="0"/>
-              </a:rPr>
-              <a:t>": int(ex. 1, 2, …)</a:t>
-            </a:r>
-          </a:p>
-          <a:p>
-            <a:r>
-              <a:rPr lang="en-US" altLang="zh-TW" sz="1000" dirty="0">
-                <a:latin typeface="Consolas" panose="020B0609020204030204" pitchFamily="49" charset="0"/>
-                <a:cs typeface="Consolas" panose="020B0609020204030204" pitchFamily="49" charset="0"/>
-              </a:rPr>
-              <a:t>}</a:t>
-            </a:r>
-          </a:p>
-          <a:p>
-            <a:r>
-              <a:rPr lang="en-US" altLang="zh-TW" sz="1000" dirty="0">
-                <a:latin typeface="Consolas" panose="020B0609020204030204" pitchFamily="49" charset="0"/>
-                <a:cs typeface="Consolas" panose="020B0609020204030204" pitchFamily="49" charset="0"/>
-              </a:rPr>
-              <a:t>```</a:t>
-            </a:r>
-          </a:p>
-        </p:txBody>
-      </p:sp>
-      <p:sp>
-        <p:nvSpPr>
-          <p:cNvPr id="13" name="文字方塊 12">
-            <a:extLst>
-              <a:ext uri="{FF2B5EF4-FFF2-40B4-BE49-F238E27FC236}">
-                <a16:creationId xmlns:a16="http://schemas.microsoft.com/office/drawing/2014/main" id="{44165A89-51FF-4FBA-7A39-98C7387E8A27}"/>
-              </a:ext>
-            </a:extLst>
-          </p:cNvPr>
-          <p:cNvSpPr txBox="1"/>
-          <p:nvPr/>
-        </p:nvSpPr>
-        <p:spPr>
-          <a:xfrm>
-            <a:off x="771225" y="5319711"/>
-            <a:ext cx="8688503" cy="707886"/>
-          </a:xfrm>
-          <a:prstGeom prst="rect">
-            <a:avLst/>
-          </a:prstGeom>
-          <a:noFill/>
-          <a:ln>
-            <a:solidFill>
-              <a:schemeClr val="bg1">
-                <a:alpha val="0"/>
-              </a:schemeClr>
-            </a:solidFill>
-          </a:ln>
-        </p:spPr>
-        <p:txBody>
-          <a:bodyPr wrap="square">
-            <a:spAutoFit/>
-          </a:bodyPr>
-          <a:lstStyle/>
-          <a:p>
-            <a:pPr marL="228600" indent="-228600">
-              <a:buFont typeface="+mj-lt"/>
-              <a:buAutoNum type="arabicPeriod"/>
-            </a:pPr>
-            <a:r>
-              <a:rPr lang="en-US" altLang="zh-TW" sz="1000" dirty="0">
-                <a:latin typeface="Consolas" panose="020B0609020204030204" pitchFamily="49" charset="0"/>
-                <a:cs typeface="Consolas" panose="020B0609020204030204" pitchFamily="49" charset="0"/>
-              </a:rPr>
-              <a:t>Method: POST</a:t>
-            </a:r>
-            <a:br>
-              <a:rPr lang="en-US" altLang="zh-TW" sz="1000" dirty="0">
-                <a:latin typeface="Consolas" panose="020B0609020204030204" pitchFamily="49" charset="0"/>
-                <a:cs typeface="Consolas" panose="020B0609020204030204" pitchFamily="49" charset="0"/>
-              </a:rPr>
-            </a:br>
-            <a:r>
-              <a:rPr lang="en-US" altLang="zh-TW" sz="1000" dirty="0">
-                <a:latin typeface="Consolas" panose="020B0609020204030204" pitchFamily="49" charset="0"/>
-                <a:cs typeface="Consolas" panose="020B0609020204030204" pitchFamily="49" charset="0"/>
-              </a:rPr>
-              <a:t>URL: </a:t>
-            </a:r>
-            <a:r>
-              <a:rPr lang="zh-TW" altLang="en-US" sz="1000" dirty="0">
-                <a:latin typeface="Consolas" panose="020B0609020204030204" pitchFamily="49" charset="0"/>
-                <a:cs typeface="Consolas" panose="020B0609020204030204" pitchFamily="49" charset="0"/>
-                <a:hlinkClick r:id="rId3"/>
-              </a:rPr>
-              <a:t>http://127.0.0.1:8000/api/v1/</a:t>
-            </a:r>
-            <a:r>
-              <a:rPr lang="en-US" altLang="zh-TW" sz="1000" dirty="0">
-                <a:latin typeface="Consolas" panose="020B0609020204030204" pitchFamily="49" charset="0"/>
-                <a:cs typeface="Consolas" panose="020B0609020204030204" pitchFamily="49" charset="0"/>
-                <a:hlinkClick r:id="rId3"/>
-              </a:rPr>
-              <a:t>delete</a:t>
-            </a:r>
-            <a:r>
-              <a:rPr lang="zh-TW" altLang="en-US" sz="1000" dirty="0">
-                <a:latin typeface="Consolas" panose="020B0609020204030204" pitchFamily="49" charset="0"/>
-                <a:cs typeface="Consolas" panose="020B0609020204030204" pitchFamily="49" charset="0"/>
-                <a:hlinkClick r:id="rId3"/>
-              </a:rPr>
-              <a:t>InvoiceWKMaster</a:t>
-            </a:r>
-            <a:endParaRPr lang="en-US" altLang="zh-TW" sz="1000" dirty="0">
-              <a:latin typeface="Consolas" panose="020B0609020204030204" pitchFamily="49" charset="0"/>
-              <a:cs typeface="Consolas" panose="020B0609020204030204" pitchFamily="49" charset="0"/>
-            </a:endParaRPr>
-          </a:p>
-          <a:p>
-            <a:pPr marL="228600" indent="-228600">
-              <a:buFont typeface="+mj-lt"/>
-              <a:buAutoNum type="arabicPeriod"/>
-            </a:pPr>
-            <a:r>
-              <a:rPr lang="en-US" altLang="zh-TW" sz="1000" dirty="0">
-                <a:latin typeface="Consolas" panose="020B0609020204030204" pitchFamily="49" charset="0"/>
-                <a:cs typeface="Consolas" panose="020B0609020204030204" pitchFamily="49" charset="0"/>
-              </a:rPr>
-              <a:t>Method: POST</a:t>
-            </a:r>
-            <a:br>
-              <a:rPr lang="en-US" altLang="zh-TW" sz="1000" dirty="0">
-                <a:latin typeface="Consolas" panose="020B0609020204030204" pitchFamily="49" charset="0"/>
-                <a:cs typeface="Consolas" panose="020B0609020204030204" pitchFamily="49" charset="0"/>
-              </a:rPr>
-            </a:br>
-            <a:r>
-              <a:rPr lang="en-US" altLang="zh-TW" sz="1000" dirty="0">
-                <a:latin typeface="Consolas" panose="020B0609020204030204" pitchFamily="49" charset="0"/>
-                <a:cs typeface="Consolas" panose="020B0609020204030204" pitchFamily="49" charset="0"/>
-              </a:rPr>
-              <a:t>URL: </a:t>
-            </a:r>
-            <a:r>
-              <a:rPr lang="en-US" altLang="zh-TW" sz="1000" dirty="0">
-                <a:latin typeface="Consolas" panose="020B0609020204030204" pitchFamily="49" charset="0"/>
-                <a:cs typeface="Consolas" panose="020B0609020204030204" pitchFamily="49" charset="0"/>
-                <a:hlinkClick r:id="rId4"/>
-              </a:rPr>
-              <a:t>http://127.0.0.1:8000/api/v1/deleteInvoiceWKDetail</a:t>
-            </a:r>
-            <a:endParaRPr lang="en-US" altLang="zh-TW" sz="1000" dirty="0">
-              <a:latin typeface="Consolas" panose="020B0609020204030204" pitchFamily="49" charset="0"/>
-              <a:cs typeface="Consolas" panose="020B0609020204030204" pitchFamily="49" charset="0"/>
-            </a:endParaRPr>
-          </a:p>
-        </p:txBody>
-      </p:sp>
-      <p:sp>
-        <p:nvSpPr>
-          <p:cNvPr id="14" name="左大括弧 13">
-            <a:extLst>
-              <a:ext uri="{FF2B5EF4-FFF2-40B4-BE49-F238E27FC236}">
-                <a16:creationId xmlns:a16="http://schemas.microsoft.com/office/drawing/2014/main" id="{6DBBB1A7-8BA0-A51B-7FCC-F40DCC3CD7C5}"/>
-              </a:ext>
-            </a:extLst>
-          </p:cNvPr>
-          <p:cNvSpPr/>
-          <p:nvPr/>
-        </p:nvSpPr>
-        <p:spPr>
-          <a:xfrm>
-            <a:off x="273091" y="5410396"/>
-            <a:ext cx="498134" cy="321537"/>
-          </a:xfrm>
-          <a:prstGeom prst="leftBrace">
-            <a:avLst>
-              <a:gd name="adj1" fmla="val 0"/>
-              <a:gd name="adj2" fmla="val 47406"/>
-            </a:avLst>
-          </a:prstGeom>
-          <a:ln>
-            <a:solidFill>
-              <a:schemeClr val="tx1"/>
-            </a:solidFill>
-          </a:ln>
-        </p:spPr>
-        <p:style>
-          <a:lnRef idx="1">
-            <a:schemeClr val="accent1"/>
-          </a:lnRef>
-          <a:fillRef idx="0">
-            <a:schemeClr val="accent1"/>
-          </a:fillRef>
-          <a:effectRef idx="0">
-            <a:schemeClr val="accent1"/>
-          </a:effectRef>
-          <a:fontRef idx="minor">
-            <a:schemeClr val="tx1"/>
-          </a:fontRef>
-        </p:style>
-        <p:txBody>
-          <a:bodyPr rtlCol="0" anchor="ctr"/>
-          <a:lstStyle/>
-          <a:p>
-            <a:pPr algn="ctr"/>
-            <a:endParaRPr kumimoji="1" lang="zh-TW" altLang="en-US"/>
-          </a:p>
-        </p:txBody>
-      </p:sp>
-      <p:cxnSp>
-        <p:nvCxnSpPr>
-          <p:cNvPr id="16" name="曲線接點 15">
-            <a:extLst>
-              <a:ext uri="{FF2B5EF4-FFF2-40B4-BE49-F238E27FC236}">
-                <a16:creationId xmlns:a16="http://schemas.microsoft.com/office/drawing/2014/main" id="{62AC0024-A7D6-043A-0402-3C7C3449D4D3}"/>
-              </a:ext>
-            </a:extLst>
-          </p:cNvPr>
-          <p:cNvCxnSpPr>
-            <a:cxnSpLocks/>
-            <a:stCxn id="14" idx="1"/>
-            <a:endCxn id="12" idx="1"/>
-          </p:cNvCxnSpPr>
-          <p:nvPr/>
-        </p:nvCxnSpPr>
-        <p:spPr>
-          <a:xfrm rot="10800000" flipH="1">
-            <a:off x="273091" y="3149948"/>
-            <a:ext cx="7924188" cy="2412876"/>
-          </a:xfrm>
-          <a:prstGeom prst="curvedConnector3">
-            <a:avLst>
-              <a:gd name="adj1" fmla="val -2885"/>
-            </a:avLst>
-          </a:prstGeom>
-          <a:ln>
-            <a:solidFill>
-              <a:schemeClr val="tx1"/>
-            </a:solidFill>
-            <a:tailEnd type="triangle"/>
-          </a:ln>
-        </p:spPr>
-        <p:style>
-          <a:lnRef idx="1">
-            <a:schemeClr val="accent1"/>
-          </a:lnRef>
-          <a:fillRef idx="0">
-            <a:schemeClr val="accent1"/>
-          </a:fillRef>
-          <a:effectRef idx="0">
-            <a:schemeClr val="accent1"/>
-          </a:effectRef>
-          <a:fontRef idx="minor">
-            <a:schemeClr val="tx1"/>
-          </a:fontRef>
-        </p:style>
-      </p:cxnSp>
-    </p:spTree>
-    <p:extLst>
-      <p:ext uri="{BB962C8B-B14F-4D97-AF65-F5344CB8AC3E}">
-        <p14:creationId xmlns:p14="http://schemas.microsoft.com/office/powerpoint/2010/main" val="1282195180"/>
       </p:ext>
     </p:extLst>
   </p:cSld>

--- a/CBP專案/發票工作主檔&發票工作明細檔API.pptx
+++ b/CBP專案/發票工作主檔&發票工作明細檔API.pptx
@@ -5,7 +5,7 @@
     <p:sldMasterId id="2147483648" r:id="rId1"/>
   </p:sldMasterIdLst>
   <p:notesMasterIdLst>
-    <p:notesMasterId r:id="rId12"/>
+    <p:notesMasterId r:id="rId13"/>
   </p:notesMasterIdLst>
   <p:sldIdLst>
     <p:sldId id="256" r:id="rId2"/>
@@ -17,7 +17,8 @@
     <p:sldId id="261" r:id="rId8"/>
     <p:sldId id="262" r:id="rId9"/>
     <p:sldId id="260" r:id="rId10"/>
-    <p:sldId id="258" r:id="rId11"/>
+    <p:sldId id="267" r:id="rId11"/>
+    <p:sldId id="258" r:id="rId12"/>
   </p:sldIdLst>
   <p:sldSz cx="12192000" cy="6858000"/>
   <p:notesSz cx="6858000" cy="9144000"/>
@@ -206,7 +207,7 @@
           <a:p>
             <a:fld id="{4F6DC5C1-F7A1-8244-AAEF-1E972466537C}" type="datetimeFigureOut">
               <a:rPr kumimoji="1" lang="zh-TW" altLang="en-US" smtClean="0"/>
-              <a:t>2023/1/30</a:t>
+              <a:t>2023/2/3</a:t>
             </a:fld>
             <a:endParaRPr kumimoji="1" lang="zh-TW" altLang="en-US"/>
           </a:p>
@@ -704,7 +705,7 @@
           <a:p>
             <a:fld id="{F492F45A-959C-8C4B-842D-3C960535203F}" type="datetimeFigureOut">
               <a:rPr kumimoji="1" lang="zh-TW" altLang="en-US" smtClean="0"/>
-              <a:t>2023/1/30</a:t>
+              <a:t>2023/2/3</a:t>
             </a:fld>
             <a:endParaRPr kumimoji="1" lang="zh-TW" altLang="en-US"/>
           </a:p>
@@ -902,7 +903,7 @@
           <a:p>
             <a:fld id="{F492F45A-959C-8C4B-842D-3C960535203F}" type="datetimeFigureOut">
               <a:rPr kumimoji="1" lang="zh-TW" altLang="en-US" smtClean="0"/>
-              <a:t>2023/1/30</a:t>
+              <a:t>2023/2/3</a:t>
             </a:fld>
             <a:endParaRPr kumimoji="1" lang="zh-TW" altLang="en-US"/>
           </a:p>
@@ -1110,7 +1111,7 @@
           <a:p>
             <a:fld id="{F492F45A-959C-8C4B-842D-3C960535203F}" type="datetimeFigureOut">
               <a:rPr kumimoji="1" lang="zh-TW" altLang="en-US" smtClean="0"/>
-              <a:t>2023/1/30</a:t>
+              <a:t>2023/2/3</a:t>
             </a:fld>
             <a:endParaRPr kumimoji="1" lang="zh-TW" altLang="en-US"/>
           </a:p>
@@ -1308,7 +1309,7 @@
           <a:p>
             <a:fld id="{F492F45A-959C-8C4B-842D-3C960535203F}" type="datetimeFigureOut">
               <a:rPr kumimoji="1" lang="zh-TW" altLang="en-US" smtClean="0"/>
-              <a:t>2023/1/30</a:t>
+              <a:t>2023/2/3</a:t>
             </a:fld>
             <a:endParaRPr kumimoji="1" lang="zh-TW" altLang="en-US"/>
           </a:p>
@@ -1583,7 +1584,7 @@
           <a:p>
             <a:fld id="{F492F45A-959C-8C4B-842D-3C960535203F}" type="datetimeFigureOut">
               <a:rPr kumimoji="1" lang="zh-TW" altLang="en-US" smtClean="0"/>
-              <a:t>2023/1/30</a:t>
+              <a:t>2023/2/3</a:t>
             </a:fld>
             <a:endParaRPr kumimoji="1" lang="zh-TW" altLang="en-US"/>
           </a:p>
@@ -1848,7 +1849,7 @@
           <a:p>
             <a:fld id="{F492F45A-959C-8C4B-842D-3C960535203F}" type="datetimeFigureOut">
               <a:rPr kumimoji="1" lang="zh-TW" altLang="en-US" smtClean="0"/>
-              <a:t>2023/1/30</a:t>
+              <a:t>2023/2/3</a:t>
             </a:fld>
             <a:endParaRPr kumimoji="1" lang="zh-TW" altLang="en-US"/>
           </a:p>
@@ -2260,7 +2261,7 @@
           <a:p>
             <a:fld id="{F492F45A-959C-8C4B-842D-3C960535203F}" type="datetimeFigureOut">
               <a:rPr kumimoji="1" lang="zh-TW" altLang="en-US" smtClean="0"/>
-              <a:t>2023/1/30</a:t>
+              <a:t>2023/2/3</a:t>
             </a:fld>
             <a:endParaRPr kumimoji="1" lang="zh-TW" altLang="en-US"/>
           </a:p>
@@ -2401,7 +2402,7 @@
           <a:p>
             <a:fld id="{F492F45A-959C-8C4B-842D-3C960535203F}" type="datetimeFigureOut">
               <a:rPr kumimoji="1" lang="zh-TW" altLang="en-US" smtClean="0"/>
-              <a:t>2023/1/30</a:t>
+              <a:t>2023/2/3</a:t>
             </a:fld>
             <a:endParaRPr kumimoji="1" lang="zh-TW" altLang="en-US"/>
           </a:p>
@@ -2514,7 +2515,7 @@
           <a:p>
             <a:fld id="{F492F45A-959C-8C4B-842D-3C960535203F}" type="datetimeFigureOut">
               <a:rPr kumimoji="1" lang="zh-TW" altLang="en-US" smtClean="0"/>
-              <a:t>2023/1/30</a:t>
+              <a:t>2023/2/3</a:t>
             </a:fld>
             <a:endParaRPr kumimoji="1" lang="zh-TW" altLang="en-US"/>
           </a:p>
@@ -2825,7 +2826,7 @@
           <a:p>
             <a:fld id="{F492F45A-959C-8C4B-842D-3C960535203F}" type="datetimeFigureOut">
               <a:rPr kumimoji="1" lang="zh-TW" altLang="en-US" smtClean="0"/>
-              <a:t>2023/1/30</a:t>
+              <a:t>2023/2/3</a:t>
             </a:fld>
             <a:endParaRPr kumimoji="1" lang="zh-TW" altLang="en-US"/>
           </a:p>
@@ -3113,7 +3114,7 @@
           <a:p>
             <a:fld id="{F492F45A-959C-8C4B-842D-3C960535203F}" type="datetimeFigureOut">
               <a:rPr kumimoji="1" lang="zh-TW" altLang="en-US" smtClean="0"/>
-              <a:t>2023/1/30</a:t>
+              <a:t>2023/2/3</a:t>
             </a:fld>
             <a:endParaRPr kumimoji="1" lang="zh-TW" altLang="en-US"/>
           </a:p>
@@ -3354,7 +3355,7 @@
           <a:p>
             <a:fld id="{F492F45A-959C-8C4B-842D-3C960535203F}" type="datetimeFigureOut">
               <a:rPr kumimoji="1" lang="zh-TW" altLang="en-US" smtClean="0"/>
-              <a:t>2023/1/30</a:t>
+              <a:t>2023/2/3</a:t>
             </a:fld>
             <a:endParaRPr kumimoji="1" lang="zh-TW" altLang="en-US"/>
           </a:p>
@@ -3878,6 +3879,252 @@
           <a:chExt cx="0" cy="0"/>
         </a:xfrm>
       </p:grpSpPr>
+      <p:pic>
+        <p:nvPicPr>
+          <p:cNvPr id="11" name="圖片 10">
+            <a:extLst>
+              <a:ext uri="{FF2B5EF4-FFF2-40B4-BE49-F238E27FC236}">
+                <a16:creationId xmlns:a16="http://schemas.microsoft.com/office/drawing/2014/main" id="{1C43AB68-BAF0-4DBF-B3DC-457C3727A4AC}"/>
+              </a:ext>
+            </a:extLst>
+          </p:cNvPr>
+          <p:cNvPicPr>
+            <a:picLocks noChangeAspect="1"/>
+          </p:cNvPicPr>
+          <p:nvPr/>
+        </p:nvPicPr>
+        <p:blipFill>
+          <a:blip r:embed="rId2"/>
+          <a:stretch>
+            <a:fillRect/>
+          </a:stretch>
+        </p:blipFill>
+        <p:spPr>
+          <a:xfrm>
+            <a:off x="1098407" y="1589293"/>
+            <a:ext cx="8623211" cy="3973307"/>
+          </a:xfrm>
+          <a:prstGeom prst="rect">
+            <a:avLst/>
+          </a:prstGeom>
+        </p:spPr>
+      </p:pic>
+      <p:sp>
+        <p:nvSpPr>
+          <p:cNvPr id="2" name="標題 1">
+            <a:extLst>
+              <a:ext uri="{FF2B5EF4-FFF2-40B4-BE49-F238E27FC236}">
+                <a16:creationId xmlns:a16="http://schemas.microsoft.com/office/drawing/2014/main" id="{E9BDFC71-70B4-EE6C-D36D-F8BB3EA7A4C9}"/>
+              </a:ext>
+            </a:extLst>
+          </p:cNvPr>
+          <p:cNvSpPr>
+            <a:spLocks noGrp="1"/>
+          </p:cNvSpPr>
+          <p:nvPr>
+            <p:ph type="title"/>
+          </p:nvPr>
+        </p:nvSpPr>
+        <p:spPr/>
+        <p:txBody>
+          <a:bodyPr/>
+          <a:lstStyle/>
+          <a:p>
+            <a:r>
+              <a:rPr kumimoji="1" lang="zh-TW" altLang="en-US" dirty="0">
+                <a:latin typeface="BiauKai" panose="02010601000101010101" pitchFamily="2" charset="-120"/>
+                <a:ea typeface="BiauKai" panose="02010601000101010101" pitchFamily="2" charset="-120"/>
+              </a:rPr>
+              <a:t>發票工作主檔查詢</a:t>
+            </a:r>
+            <a:r>
+              <a:rPr kumimoji="1" lang="en-US" altLang="zh-TW" dirty="0">
+                <a:latin typeface="BiauKai" panose="02010601000101010101" pitchFamily="2" charset="-120"/>
+                <a:ea typeface="BiauKai" panose="02010601000101010101" pitchFamily="2" charset="-120"/>
+              </a:rPr>
+              <a:t>-2</a:t>
+            </a:r>
+            <a:endParaRPr kumimoji="1" lang="zh-TW" altLang="en-US" dirty="0">
+              <a:latin typeface="BiauKai" panose="02010601000101010101" pitchFamily="2" charset="-120"/>
+              <a:ea typeface="BiauKai" panose="02010601000101010101" pitchFamily="2" charset="-120"/>
+            </a:endParaRPr>
+          </a:p>
+        </p:txBody>
+      </p:sp>
+      <p:sp>
+        <p:nvSpPr>
+          <p:cNvPr id="15" name="矩形 14">
+            <a:extLst>
+              <a:ext uri="{FF2B5EF4-FFF2-40B4-BE49-F238E27FC236}">
+                <a16:creationId xmlns:a16="http://schemas.microsoft.com/office/drawing/2014/main" id="{09C5DF0D-A15B-4515-8767-0CA10970DA1B}"/>
+              </a:ext>
+            </a:extLst>
+          </p:cNvPr>
+          <p:cNvSpPr/>
+          <p:nvPr/>
+        </p:nvSpPr>
+        <p:spPr>
+          <a:xfrm>
+            <a:off x="2559050" y="2327275"/>
+            <a:ext cx="1736725" cy="215900"/>
+          </a:xfrm>
+          <a:prstGeom prst="rect">
+            <a:avLst/>
+          </a:prstGeom>
+          <a:noFill/>
+          <a:ln w="3810"/>
+        </p:spPr>
+        <p:style>
+          <a:lnRef idx="2">
+            <a:schemeClr val="accent1">
+              <a:shade val="50000"/>
+            </a:schemeClr>
+          </a:lnRef>
+          <a:fillRef idx="1">
+            <a:schemeClr val="accent1"/>
+          </a:fillRef>
+          <a:effectRef idx="0">
+            <a:schemeClr val="accent1"/>
+          </a:effectRef>
+          <a:fontRef idx="minor">
+            <a:schemeClr val="lt1"/>
+          </a:fontRef>
+        </p:style>
+        <p:txBody>
+          <a:bodyPr rtlCol="0" anchor="ctr"/>
+          <a:lstStyle/>
+          <a:p>
+            <a:pPr algn="ctr"/>
+            <a:endParaRPr lang="zh-TW" altLang="en-US"/>
+          </a:p>
+        </p:txBody>
+      </p:sp>
+      <p:sp>
+        <p:nvSpPr>
+          <p:cNvPr id="18" name="矩形 17">
+            <a:extLst>
+              <a:ext uri="{FF2B5EF4-FFF2-40B4-BE49-F238E27FC236}">
+                <a16:creationId xmlns:a16="http://schemas.microsoft.com/office/drawing/2014/main" id="{4D7A302D-D5C5-4F1A-8FAA-2F428BDC7213}"/>
+              </a:ext>
+            </a:extLst>
+          </p:cNvPr>
+          <p:cNvSpPr/>
+          <p:nvPr/>
+        </p:nvSpPr>
+        <p:spPr>
+          <a:xfrm>
+            <a:off x="2559050" y="2543175"/>
+            <a:ext cx="1736725" cy="215900"/>
+          </a:xfrm>
+          <a:prstGeom prst="rect">
+            <a:avLst/>
+          </a:prstGeom>
+          <a:noFill/>
+          <a:ln w="3810"/>
+        </p:spPr>
+        <p:style>
+          <a:lnRef idx="2">
+            <a:schemeClr val="accent1">
+              <a:shade val="50000"/>
+            </a:schemeClr>
+          </a:lnRef>
+          <a:fillRef idx="1">
+            <a:schemeClr val="accent1"/>
+          </a:fillRef>
+          <a:effectRef idx="0">
+            <a:schemeClr val="accent1"/>
+          </a:effectRef>
+          <a:fontRef idx="minor">
+            <a:schemeClr val="lt1"/>
+          </a:fontRef>
+        </p:style>
+        <p:txBody>
+          <a:bodyPr rtlCol="0" anchor="ctr"/>
+          <a:lstStyle/>
+          <a:p>
+            <a:pPr algn="ctr"/>
+            <a:endParaRPr lang="zh-TW" altLang="en-US"/>
+          </a:p>
+        </p:txBody>
+      </p:sp>
+      <p:sp>
+        <p:nvSpPr>
+          <p:cNvPr id="19" name="矩形 18">
+            <a:extLst>
+              <a:ext uri="{FF2B5EF4-FFF2-40B4-BE49-F238E27FC236}">
+                <a16:creationId xmlns:a16="http://schemas.microsoft.com/office/drawing/2014/main" id="{1D362087-9FC7-4500-B742-A68AF6F443F1}"/>
+              </a:ext>
+            </a:extLst>
+          </p:cNvPr>
+          <p:cNvSpPr/>
+          <p:nvPr/>
+        </p:nvSpPr>
+        <p:spPr>
+          <a:xfrm>
+            <a:off x="4359275" y="2327275"/>
+            <a:ext cx="1647825" cy="215900"/>
+          </a:xfrm>
+          <a:prstGeom prst="rect">
+            <a:avLst/>
+          </a:prstGeom>
+          <a:noFill/>
+          <a:ln w="3810"/>
+        </p:spPr>
+        <p:style>
+          <a:lnRef idx="2">
+            <a:schemeClr val="accent1">
+              <a:shade val="50000"/>
+            </a:schemeClr>
+          </a:lnRef>
+          <a:fillRef idx="1">
+            <a:schemeClr val="accent1"/>
+          </a:fillRef>
+          <a:effectRef idx="0">
+            <a:schemeClr val="accent1"/>
+          </a:effectRef>
+          <a:fontRef idx="minor">
+            <a:schemeClr val="lt1"/>
+          </a:fontRef>
+        </p:style>
+        <p:txBody>
+          <a:bodyPr rtlCol="0" anchor="ctr"/>
+          <a:lstStyle/>
+          <a:p>
+            <a:pPr algn="ctr"/>
+            <a:endParaRPr lang="zh-TW" altLang="en-US"/>
+          </a:p>
+        </p:txBody>
+      </p:sp>
+    </p:spTree>
+    <p:extLst>
+      <p:ext uri="{BB962C8B-B14F-4D97-AF65-F5344CB8AC3E}">
+        <p14:creationId xmlns:p14="http://schemas.microsoft.com/office/powerpoint/2010/main" val="1800256709"/>
+      </p:ext>
+    </p:extLst>
+  </p:cSld>
+  <p:clrMapOvr>
+    <a:masterClrMapping/>
+  </p:clrMapOvr>
+</p:sld>
+</file>
+
+<file path=ppt/slides/slide11.xml><?xml version="1.0" encoding="utf-8"?>
+<p:sld xmlns:a="http://schemas.openxmlformats.org/drawingml/2006/main" xmlns:r="http://schemas.openxmlformats.org/officeDocument/2006/relationships" xmlns:p="http://schemas.openxmlformats.org/presentationml/2006/main">
+  <p:cSld>
+    <p:spTree>
+      <p:nvGrpSpPr>
+        <p:cNvPr id="1" name=""/>
+        <p:cNvGrpSpPr/>
+        <p:nvPr/>
+      </p:nvGrpSpPr>
+      <p:grpSpPr>
+        <a:xfrm>
+          <a:off x="0" y="0"/>
+          <a:ext cx="0" cy="0"/>
+          <a:chOff x="0" y="0"/>
+          <a:chExt cx="0" cy="0"/>
+        </a:xfrm>
+      </p:grpSpPr>
       <p:sp>
         <p:nvSpPr>
           <p:cNvPr id="2" name="標題 1">
@@ -14875,6 +15122,36 @@
           <a:chExt cx="0" cy="0"/>
         </a:xfrm>
       </p:grpSpPr>
+      <p:pic>
+        <p:nvPicPr>
+          <p:cNvPr id="11" name="圖片 10">
+            <a:extLst>
+              <a:ext uri="{FF2B5EF4-FFF2-40B4-BE49-F238E27FC236}">
+                <a16:creationId xmlns:a16="http://schemas.microsoft.com/office/drawing/2014/main" id="{1C43AB68-BAF0-4DBF-B3DC-457C3727A4AC}"/>
+              </a:ext>
+            </a:extLst>
+          </p:cNvPr>
+          <p:cNvPicPr>
+            <a:picLocks noChangeAspect="1"/>
+          </p:cNvPicPr>
+          <p:nvPr/>
+        </p:nvPicPr>
+        <p:blipFill>
+          <a:blip r:embed="rId2"/>
+          <a:stretch>
+            <a:fillRect/>
+          </a:stretch>
+        </p:blipFill>
+        <p:spPr>
+          <a:xfrm>
+            <a:off x="1098408" y="1589293"/>
+            <a:ext cx="4902200" cy="2258781"/>
+          </a:xfrm>
+          <a:prstGeom prst="rect">
+            <a:avLst/>
+          </a:prstGeom>
+        </p:spPr>
+      </p:pic>
       <p:sp>
         <p:nvSpPr>
           <p:cNvPr id="2" name="標題 1">
@@ -14903,6 +15180,17 @@
               </a:rPr>
               <a:t>發票工作主檔查詢</a:t>
             </a:r>
+            <a:r>
+              <a:rPr kumimoji="1" lang="en-US" altLang="zh-TW" dirty="0">
+                <a:latin typeface="BiauKai" panose="02010601000101010101" pitchFamily="2" charset="-120"/>
+                <a:ea typeface="BiauKai" panose="02010601000101010101" pitchFamily="2" charset="-120"/>
+              </a:rPr>
+              <a:t>-1</a:t>
+            </a:r>
+            <a:endParaRPr kumimoji="1" lang="zh-TW" altLang="en-US" dirty="0">
+              <a:latin typeface="BiauKai" panose="02010601000101010101" pitchFamily="2" charset="-120"/>
+              <a:ea typeface="BiauKai" panose="02010601000101010101" pitchFamily="2" charset="-120"/>
+            </a:endParaRPr>
           </a:p>
         </p:txBody>
       </p:sp>
@@ -15135,36 +15423,6 @@
           </a:p>
         </p:txBody>
       </p:sp>
-      <p:pic>
-        <p:nvPicPr>
-          <p:cNvPr id="9" name="圖片 8">
-            <a:extLst>
-              <a:ext uri="{FF2B5EF4-FFF2-40B4-BE49-F238E27FC236}">
-                <a16:creationId xmlns:a16="http://schemas.microsoft.com/office/drawing/2014/main" id="{81AAA06E-CECA-42A1-9454-A5E1B11F588D}"/>
-              </a:ext>
-            </a:extLst>
-          </p:cNvPr>
-          <p:cNvPicPr>
-            <a:picLocks noChangeAspect="1"/>
-          </p:cNvPicPr>
-          <p:nvPr/>
-        </p:nvPicPr>
-        <p:blipFill>
-          <a:blip r:embed="rId2"/>
-          <a:stretch>
-            <a:fillRect/>
-          </a:stretch>
-        </p:blipFill>
-        <p:spPr>
-          <a:xfrm>
-            <a:off x="838200" y="1581467"/>
-            <a:ext cx="5016500" cy="2821781"/>
-          </a:xfrm>
-          <a:prstGeom prst="rect">
-            <a:avLst/>
-          </a:prstGeom>
-        </p:spPr>
-      </p:pic>
       <p:sp>
         <p:nvSpPr>
           <p:cNvPr id="10" name="矩形: 圓角 9">
@@ -15179,7 +15437,7 @@
         </p:nvSpPr>
         <p:spPr>
           <a:xfrm>
-            <a:off x="5238750" y="2146300"/>
+            <a:off x="5447885" y="2208561"/>
             <a:ext cx="247650" cy="165100"/>
           </a:xfrm>
           <a:prstGeom prst="roundRect">
@@ -15667,7 +15925,7 @@
         <p:spPr>
           <a:xfrm>
             <a:off x="1803211" y="2536463"/>
-            <a:ext cx="3852147" cy="503070"/>
+            <a:ext cx="4033329" cy="503070"/>
           </a:xfrm>
           <a:prstGeom prst="rect">
             <a:avLst/>
@@ -15718,8 +15976,8 @@
         </p:nvCxnSpPr>
         <p:spPr>
           <a:xfrm rot="16200000" flipH="1">
-            <a:off x="6506398" y="262420"/>
-            <a:ext cx="1278468" cy="6832694"/>
+            <a:off x="6551693" y="307715"/>
+            <a:ext cx="1278468" cy="6742103"/>
           </a:xfrm>
           <a:prstGeom prst="bentConnector3">
             <a:avLst>
@@ -16073,7 +16331,7 @@
         <p:spPr>
           <a:xfrm>
             <a:off x="1803210" y="1894765"/>
-            <a:ext cx="3953897" cy="503070"/>
+            <a:ext cx="4068953" cy="503070"/>
           </a:xfrm>
           <a:prstGeom prst="rect">
             <a:avLst/>
@@ -16164,6 +16422,7 @@
             </a:extLst>
           </p:cNvPr>
           <p:cNvCxnSpPr>
+            <a:cxnSpLocks/>
             <a:stCxn id="4" idx="3"/>
             <a:endCxn id="5" idx="1"/>
           </p:cNvCxnSpPr>
@@ -16171,8 +16430,8 @@
         </p:nvCxnSpPr>
         <p:spPr>
           <a:xfrm>
-            <a:off x="5757107" y="2146300"/>
-            <a:ext cx="289406" cy="791991"/>
+            <a:off x="5872163" y="2146300"/>
+            <a:ext cx="174350" cy="791991"/>
           </a:xfrm>
           <a:prstGeom prst="curvedConnector3">
             <a:avLst/>
